--- a/doc/TuskyImage.pptx
+++ b/doc/TuskyImage.pptx
@@ -4,14 +4,22 @@
   <p:sldMasterIdLst>
     <p:sldMasterId id="2147483648" r:id="rId1"/>
   </p:sldMasterIdLst>
+  <p:notesMasterIdLst>
+    <p:notesMasterId r:id="rId10"/>
+  </p:notesMasterIdLst>
   <p:sldIdLst>
     <p:sldId id="256" r:id="rId3"/>
     <p:sldId id="257" r:id="rId4"/>
     <p:sldId id="258" r:id="rId5"/>
     <p:sldId id="259" r:id="rId6"/>
-    <p:sldId id="262" r:id="rId7"/>
-    <p:sldId id="260" r:id="rId8"/>
-    <p:sldId id="261" r:id="rId9"/>
+    <p:sldId id="267" r:id="rId7"/>
+    <p:sldId id="268" r:id="rId8"/>
+    <p:sldId id="265" r:id="rId9"/>
+    <p:sldId id="266" r:id="rId11"/>
+    <p:sldId id="263" r:id="rId12"/>
+    <p:sldId id="264" r:id="rId13"/>
+    <p:sldId id="260" r:id="rId14"/>
+    <p:sldId id="261" r:id="rId15"/>
   </p:sldIdLst>
   <p:sldSz cx="12192000" cy="6858000"/>
   <p:notesSz cx="6858000" cy="9144000"/>
@@ -127,6 +135,431 @@
     </p:ext>
   </p:extLst>
 </p:presentation>
+</file>
+
+<file path=ppt/notesMasters/notesMaster1.xml><?xml version="1.0" encoding="utf-8"?>
+<p:notesMaster xmlns:a="http://schemas.openxmlformats.org/drawingml/2006/main" xmlns:r="http://schemas.openxmlformats.org/officeDocument/2006/relationships" xmlns:p="http://schemas.openxmlformats.org/presentationml/2006/main">
+  <p:cSld>
+    <p:bg>
+      <p:bgRef idx="1001">
+        <a:schemeClr val="bg1"/>
+      </p:bgRef>
+    </p:bg>
+    <p:spTree>
+      <p:nvGrpSpPr>
+        <p:cNvPr id="1" name=""/>
+        <p:cNvGrpSpPr/>
+        <p:nvPr/>
+      </p:nvGrpSpPr>
+      <p:grpSpPr>
+        <a:xfrm>
+          <a:off x="0" y="0"/>
+          <a:ext cx="0" cy="0"/>
+          <a:chOff x="0" y="0"/>
+          <a:chExt cx="0" cy="0"/>
+        </a:xfrm>
+      </p:grpSpPr>
+      <p:sp>
+        <p:nvSpPr>
+          <p:cNvPr id="2" name="页眉占位符 1"/>
+          <p:cNvSpPr>
+            <a:spLocks noGrp="1"/>
+          </p:cNvSpPr>
+          <p:nvPr>
+            <p:ph type="hdr" sz="quarter"/>
+          </p:nvPr>
+        </p:nvSpPr>
+        <p:spPr>
+          <a:xfrm>
+            <a:off x="0" y="0"/>
+            <a:ext cx="2971800" cy="458788"/>
+          </a:xfrm>
+          <a:prstGeom prst="rect">
+            <a:avLst/>
+          </a:prstGeom>
+        </p:spPr>
+        <p:txBody>
+          <a:bodyPr vert="horz" lIns="91440" tIns="45720" rIns="91440" bIns="45720" rtlCol="0"/>
+          <a:lstStyle>
+            <a:lvl1pPr algn="l">
+              <a:defRPr sz="1200"/>
+            </a:lvl1pPr>
+          </a:lstStyle>
+          <a:p>
+            <a:endParaRPr lang="zh-CN" altLang="en-US"/>
+          </a:p>
+        </p:txBody>
+      </p:sp>
+      <p:sp>
+        <p:nvSpPr>
+          <p:cNvPr id="3" name="日期占位符 2"/>
+          <p:cNvSpPr>
+            <a:spLocks noGrp="1"/>
+          </p:cNvSpPr>
+          <p:nvPr>
+            <p:ph type="dt" idx="1"/>
+          </p:nvPr>
+        </p:nvSpPr>
+        <p:spPr>
+          <a:xfrm>
+            <a:off x="3884613" y="0"/>
+            <a:ext cx="2971800" cy="458788"/>
+          </a:xfrm>
+          <a:prstGeom prst="rect">
+            <a:avLst/>
+          </a:prstGeom>
+        </p:spPr>
+        <p:txBody>
+          <a:bodyPr vert="horz" lIns="91440" tIns="45720" rIns="91440" bIns="45720" rtlCol="0"/>
+          <a:lstStyle>
+            <a:lvl1pPr algn="r">
+              <a:defRPr sz="1200"/>
+            </a:lvl1pPr>
+          </a:lstStyle>
+          <a:p>
+            <a:fld id="{D2A48B96-639E-45A3-A0BA-2464DFDB1FAA}" type="datetimeFigureOut">
+              <a:rPr lang="zh-CN" altLang="en-US" smtClean="0"/>
+            </a:fld>
+            <a:endParaRPr lang="zh-CN" altLang="en-US"/>
+          </a:p>
+        </p:txBody>
+      </p:sp>
+      <p:sp>
+        <p:nvSpPr>
+          <p:cNvPr id="4" name="幻灯片图像占位符 3"/>
+          <p:cNvSpPr>
+            <a:spLocks noGrp="1" noRot="1" noChangeAspect="1"/>
+          </p:cNvSpPr>
+          <p:nvPr>
+            <p:ph type="sldImg" idx="2"/>
+          </p:nvPr>
+        </p:nvSpPr>
+        <p:spPr>
+          <a:xfrm>
+            <a:off x="685800" y="1143000"/>
+            <a:ext cx="5486400" cy="3086100"/>
+          </a:xfrm>
+          <a:prstGeom prst="rect">
+            <a:avLst/>
+          </a:prstGeom>
+          <a:noFill/>
+          <a:ln w="12700">
+            <a:solidFill>
+              <a:prstClr val="black"/>
+            </a:solidFill>
+          </a:ln>
+        </p:spPr>
+        <p:txBody>
+          <a:bodyPr vert="horz" lIns="91440" tIns="45720" rIns="91440" bIns="45720" rtlCol="0" anchor="ctr"/>
+          <a:lstStyle/>
+          <a:p>
+            <a:endParaRPr lang="zh-CN" altLang="en-US"/>
+          </a:p>
+        </p:txBody>
+      </p:sp>
+      <p:sp>
+        <p:nvSpPr>
+          <p:cNvPr id="5" name="备注占位符 4"/>
+          <p:cNvSpPr>
+            <a:spLocks noGrp="1"/>
+          </p:cNvSpPr>
+          <p:nvPr>
+            <p:ph type="body" sz="quarter" idx="3"/>
+          </p:nvPr>
+        </p:nvSpPr>
+        <p:spPr>
+          <a:xfrm>
+            <a:off x="685800" y="4400550"/>
+            <a:ext cx="5486400" cy="3600450"/>
+          </a:xfrm>
+          <a:prstGeom prst="rect">
+            <a:avLst/>
+          </a:prstGeom>
+        </p:spPr>
+        <p:txBody>
+          <a:bodyPr vert="horz" lIns="91440" tIns="45720" rIns="91440" bIns="45720" rtlCol="0"/>
+          <a:lstStyle/>
+          <a:p>
+            <a:pPr lvl="0"/>
+            <a:r>
+              <a:rPr lang="zh-CN" altLang="en-US" smtClean="0"/>
+              <a:t>单击此处编辑母版文本样式</a:t>
+            </a:r>
+            <a:endParaRPr lang="zh-CN" altLang="en-US" smtClean="0"/>
+          </a:p>
+          <a:p>
+            <a:pPr lvl="1"/>
+            <a:r>
+              <a:rPr lang="zh-CN" altLang="en-US" smtClean="0"/>
+              <a:t>第二级</a:t>
+            </a:r>
+            <a:endParaRPr lang="zh-CN" altLang="en-US" smtClean="0"/>
+          </a:p>
+          <a:p>
+            <a:pPr lvl="2"/>
+            <a:r>
+              <a:rPr lang="zh-CN" altLang="en-US" smtClean="0"/>
+              <a:t>第三级</a:t>
+            </a:r>
+            <a:endParaRPr lang="zh-CN" altLang="en-US" smtClean="0"/>
+          </a:p>
+          <a:p>
+            <a:pPr lvl="3"/>
+            <a:r>
+              <a:rPr lang="zh-CN" altLang="en-US" smtClean="0"/>
+              <a:t>第四级</a:t>
+            </a:r>
+            <a:endParaRPr lang="zh-CN" altLang="en-US" smtClean="0"/>
+          </a:p>
+          <a:p>
+            <a:pPr lvl="4"/>
+            <a:r>
+              <a:rPr lang="zh-CN" altLang="en-US" smtClean="0"/>
+              <a:t>第五级</a:t>
+            </a:r>
+            <a:endParaRPr lang="zh-CN" altLang="en-US"/>
+          </a:p>
+        </p:txBody>
+      </p:sp>
+      <p:sp>
+        <p:nvSpPr>
+          <p:cNvPr id="6" name="页脚占位符 5"/>
+          <p:cNvSpPr>
+            <a:spLocks noGrp="1"/>
+          </p:cNvSpPr>
+          <p:nvPr>
+            <p:ph type="ftr" sz="quarter" idx="4"/>
+          </p:nvPr>
+        </p:nvSpPr>
+        <p:spPr>
+          <a:xfrm>
+            <a:off x="0" y="8685213"/>
+            <a:ext cx="2971800" cy="458787"/>
+          </a:xfrm>
+          <a:prstGeom prst="rect">
+            <a:avLst/>
+          </a:prstGeom>
+        </p:spPr>
+        <p:txBody>
+          <a:bodyPr vert="horz" lIns="91440" tIns="45720" rIns="91440" bIns="45720" rtlCol="0" anchor="b"/>
+          <a:lstStyle>
+            <a:lvl1pPr algn="l">
+              <a:defRPr sz="1200"/>
+            </a:lvl1pPr>
+          </a:lstStyle>
+          <a:p>
+            <a:endParaRPr lang="zh-CN" altLang="en-US"/>
+          </a:p>
+        </p:txBody>
+      </p:sp>
+      <p:sp>
+        <p:nvSpPr>
+          <p:cNvPr id="7" name="灯片编号占位符 6"/>
+          <p:cNvSpPr>
+            <a:spLocks noGrp="1"/>
+          </p:cNvSpPr>
+          <p:nvPr>
+            <p:ph type="sldNum" sz="quarter" idx="5"/>
+          </p:nvPr>
+        </p:nvSpPr>
+        <p:spPr>
+          <a:xfrm>
+            <a:off x="3884613" y="8685213"/>
+            <a:ext cx="2971800" cy="458787"/>
+          </a:xfrm>
+          <a:prstGeom prst="rect">
+            <a:avLst/>
+          </a:prstGeom>
+        </p:spPr>
+        <p:txBody>
+          <a:bodyPr vert="horz" lIns="91440" tIns="45720" rIns="91440" bIns="45720" rtlCol="0" anchor="b"/>
+          <a:lstStyle>
+            <a:lvl1pPr algn="r">
+              <a:defRPr sz="1200"/>
+            </a:lvl1pPr>
+          </a:lstStyle>
+          <a:p>
+            <a:fld id="{A6837353-30EB-4A48-80EB-173D804AEFBD}" type="slidenum">
+              <a:rPr lang="zh-CN" altLang="en-US" smtClean="0"/>
+            </a:fld>
+            <a:endParaRPr lang="zh-CN" altLang="en-US"/>
+          </a:p>
+        </p:txBody>
+      </p:sp>
+    </p:spTree>
+  </p:cSld>
+  <p:clrMap bg1="lt1" tx1="dk1" bg2="lt2" tx2="dk2" accent1="accent1" accent2="accent2" accent3="accent3" accent4="accent4" accent5="accent5" accent6="accent6" hlink="hlink" folHlink="folHlink"/>
+  <p:notesStyle>
+    <a:lvl1pPr marL="0" algn="l" defTabSz="914400" rtl="0" eaLnBrk="1" latinLnBrk="0" hangingPunct="1">
+      <a:defRPr sz="1200" kern="1200">
+        <a:solidFill>
+          <a:schemeClr val="tx1"/>
+        </a:solidFill>
+        <a:latin typeface="+mn-lt"/>
+        <a:ea typeface="+mn-ea"/>
+        <a:cs typeface="+mn-cs"/>
+      </a:defRPr>
+    </a:lvl1pPr>
+    <a:lvl2pPr marL="457200" algn="l" defTabSz="914400" rtl="0" eaLnBrk="1" latinLnBrk="0" hangingPunct="1">
+      <a:defRPr sz="1200" kern="1200">
+        <a:solidFill>
+          <a:schemeClr val="tx1"/>
+        </a:solidFill>
+        <a:latin typeface="+mn-lt"/>
+        <a:ea typeface="+mn-ea"/>
+        <a:cs typeface="+mn-cs"/>
+      </a:defRPr>
+    </a:lvl2pPr>
+    <a:lvl3pPr marL="914400" algn="l" defTabSz="914400" rtl="0" eaLnBrk="1" latinLnBrk="0" hangingPunct="1">
+      <a:defRPr sz="1200" kern="1200">
+        <a:solidFill>
+          <a:schemeClr val="tx1"/>
+        </a:solidFill>
+        <a:latin typeface="+mn-lt"/>
+        <a:ea typeface="+mn-ea"/>
+        <a:cs typeface="+mn-cs"/>
+      </a:defRPr>
+    </a:lvl3pPr>
+    <a:lvl4pPr marL="1371600" algn="l" defTabSz="914400" rtl="0" eaLnBrk="1" latinLnBrk="0" hangingPunct="1">
+      <a:defRPr sz="1200" kern="1200">
+        <a:solidFill>
+          <a:schemeClr val="tx1"/>
+        </a:solidFill>
+        <a:latin typeface="+mn-lt"/>
+        <a:ea typeface="+mn-ea"/>
+        <a:cs typeface="+mn-cs"/>
+      </a:defRPr>
+    </a:lvl4pPr>
+    <a:lvl5pPr marL="1828800" algn="l" defTabSz="914400" rtl="0" eaLnBrk="1" latinLnBrk="0" hangingPunct="1">
+      <a:defRPr sz="1200" kern="1200">
+        <a:solidFill>
+          <a:schemeClr val="tx1"/>
+        </a:solidFill>
+        <a:latin typeface="+mn-lt"/>
+        <a:ea typeface="+mn-ea"/>
+        <a:cs typeface="+mn-cs"/>
+      </a:defRPr>
+    </a:lvl5pPr>
+    <a:lvl6pPr marL="2286000" algn="l" defTabSz="914400" rtl="0" eaLnBrk="1" latinLnBrk="0" hangingPunct="1">
+      <a:defRPr sz="1200" kern="1200">
+        <a:solidFill>
+          <a:schemeClr val="tx1"/>
+        </a:solidFill>
+        <a:latin typeface="+mn-lt"/>
+        <a:ea typeface="+mn-ea"/>
+        <a:cs typeface="+mn-cs"/>
+      </a:defRPr>
+    </a:lvl6pPr>
+    <a:lvl7pPr marL="2743200" algn="l" defTabSz="914400" rtl="0" eaLnBrk="1" latinLnBrk="0" hangingPunct="1">
+      <a:defRPr sz="1200" kern="1200">
+        <a:solidFill>
+          <a:schemeClr val="tx1"/>
+        </a:solidFill>
+        <a:latin typeface="+mn-lt"/>
+        <a:ea typeface="+mn-ea"/>
+        <a:cs typeface="+mn-cs"/>
+      </a:defRPr>
+    </a:lvl7pPr>
+    <a:lvl8pPr marL="3200400" algn="l" defTabSz="914400" rtl="0" eaLnBrk="1" latinLnBrk="0" hangingPunct="1">
+      <a:defRPr sz="1200" kern="1200">
+        <a:solidFill>
+          <a:schemeClr val="tx1"/>
+        </a:solidFill>
+        <a:latin typeface="+mn-lt"/>
+        <a:ea typeface="+mn-ea"/>
+        <a:cs typeface="+mn-cs"/>
+      </a:defRPr>
+    </a:lvl8pPr>
+    <a:lvl9pPr marL="3657600" algn="l" defTabSz="914400" rtl="0" eaLnBrk="1" latinLnBrk="0" hangingPunct="1">
+      <a:defRPr sz="1200" kern="1200">
+        <a:solidFill>
+          <a:schemeClr val="tx1"/>
+        </a:solidFill>
+        <a:latin typeface="+mn-lt"/>
+        <a:ea typeface="+mn-ea"/>
+        <a:cs typeface="+mn-cs"/>
+      </a:defRPr>
+    </a:lvl9pPr>
+  </p:notesStyle>
+</p:notesMaster>
+</file>
+
+<file path=ppt/notesSlides/notesSlide1.xml><?xml version="1.0" encoding="utf-8"?>
+<p:notes xmlns:a="http://schemas.openxmlformats.org/drawingml/2006/main" xmlns:r="http://schemas.openxmlformats.org/officeDocument/2006/relationships" xmlns:p="http://schemas.openxmlformats.org/presentationml/2006/main">
+  <p:cSld>
+    <p:spTree>
+      <p:nvGrpSpPr>
+        <p:cNvPr id="1" name=""/>
+        <p:cNvGrpSpPr/>
+        <p:nvPr/>
+      </p:nvGrpSpPr>
+      <p:grpSpPr>
+        <a:xfrm>
+          <a:off x="0" y="0"/>
+          <a:ext cx="0" cy="0"/>
+          <a:chOff x="0" y="0"/>
+          <a:chExt cx="0" cy="0"/>
+        </a:xfrm>
+      </p:grpSpPr>
+      <p:sp>
+        <p:nvSpPr>
+          <p:cNvPr id="2" name="幻灯片图像占位符 1"/>
+          <p:cNvSpPr>
+            <a:spLocks noGrp="1" noRot="1" noChangeAspect="1"/>
+          </p:cNvSpPr>
+          <p:nvPr>
+            <p:ph type="sldImg"/>
+          </p:nvPr>
+        </p:nvSpPr>
+        <p:spPr/>
+      </p:sp>
+      <p:sp>
+        <p:nvSpPr>
+          <p:cNvPr id="3" name="备注占位符 2"/>
+          <p:cNvSpPr>
+            <a:spLocks noGrp="1"/>
+          </p:cNvSpPr>
+          <p:nvPr>
+            <p:ph type="body" idx="1"/>
+          </p:nvPr>
+        </p:nvSpPr>
+        <p:spPr/>
+        <p:txBody>
+          <a:bodyPr/>
+          <a:lstStyle/>
+          <a:p>
+            <a:endParaRPr lang="zh-CN" altLang="en-US" dirty="0"/>
+          </a:p>
+        </p:txBody>
+      </p:sp>
+      <p:sp>
+        <p:nvSpPr>
+          <p:cNvPr id="4" name="灯片编号占位符 3"/>
+          <p:cNvSpPr>
+            <a:spLocks noGrp="1"/>
+          </p:cNvSpPr>
+          <p:nvPr>
+            <p:ph type="sldNum" sz="quarter" idx="5"/>
+          </p:nvPr>
+        </p:nvSpPr>
+        <p:spPr/>
+        <p:txBody>
+          <a:bodyPr/>
+          <a:lstStyle/>
+          <a:p>
+            <a:fld id="{85D0DACE-38E0-42D2-9336-2B707D34BC6D}" type="slidenum">
+              <a:rPr lang="zh-CN" altLang="en-US" smtClean="0"/>
+            </a:fld>
+            <a:endParaRPr lang="zh-CN" altLang="en-US"/>
+          </a:p>
+        </p:txBody>
+      </p:sp>
+    </p:spTree>
+  </p:cSld>
+  <p:clrMapOvr>
+    <a:masterClrMapping/>
+  </p:clrMapOvr>
+</p:notes>
 </file>
 
 <file path=ppt/slideLayouts/slideLayout1.xml><?xml version="1.0" encoding="utf-8"?>
@@ -3146,7 +3579,7 @@
 </p:sld>
 </file>
 
-<file path=ppt/slides/slide2.xml><?xml version="1.0" encoding="utf-8"?>
+<file path=ppt/slides/slide10.xml><?xml version="1.0" encoding="utf-8"?>
 <p:sld xmlns:a="http://schemas.openxmlformats.org/drawingml/2006/main" xmlns:r="http://schemas.openxmlformats.org/officeDocument/2006/relationships" xmlns:p="http://schemas.openxmlformats.org/presentationml/2006/main">
   <p:cSld>
     <p:spTree>
@@ -3171,79 +3604,46 @@
           <a:bodyPr/>
           <a:p>
             <a:r>
-              <a:rPr lang="zh-CN" altLang="en-US"/>
-              <a:t>设计</a:t>
-            </a:r>
-            <a:r>
-              <a:rPr lang="zh-CN" altLang="en-US"/>
-              <a:t>目的</a:t>
-            </a:r>
-            <a:endParaRPr lang="zh-CN" altLang="en-US"/>
-          </a:p>
-        </p:txBody>
-      </p:sp>
-      <p:sp>
-        <p:nvSpPr>
-          <p:cNvPr id="3" name="内容占位符 2"/>
-          <p:cNvSpPr>
-            <a:spLocks noGrp="1"/>
-          </p:cNvSpPr>
+              <a:rPr lang="en-US" altLang="zh-CN"/>
+              <a:t> image </a:t>
+            </a:r>
+            <a:r>
+              <a:rPr lang="en-US" altLang="zh-CN"/>
+              <a:t>url</a:t>
+            </a:r>
+            <a:endParaRPr lang="en-US" altLang="zh-CN"/>
+          </a:p>
+        </p:txBody>
+      </p:sp>
+      <p:pic>
+        <p:nvPicPr>
+          <p:cNvPr id="4" name="内容占位符 3"/>
+          <p:cNvPicPr>
+            <a:picLocks noChangeAspect="1"/>
+          </p:cNvPicPr>
           <p:nvPr>
             <p:ph idx="1"/>
           </p:nvPr>
-        </p:nvSpPr>
-        <p:spPr/>
-        <p:txBody>
-          <a:bodyPr/>
-          <a:p>
-            <a:r>
-              <a:rPr lang="en-US" altLang="zh-CN"/>
-              <a:t>Requirements:</a:t>
-            </a:r>
-            <a:endParaRPr lang="en-US" altLang="zh-CN"/>
-          </a:p>
-          <a:p>
-            <a:pPr lvl="1"/>
-            <a:r>
-              <a:rPr lang="en-US" altLang="zh-CN"/>
-              <a:t>To launch an NFT or a coin, a accessible distributed storage is needed for long-term preservation of images.</a:t>
-            </a:r>
-            <a:endParaRPr lang="en-US" altLang="zh-CN"/>
-          </a:p>
-          <a:p>
-            <a:pPr lvl="1"/>
-            <a:r>
-              <a:rPr lang="en-US" altLang="zh-CN"/>
-              <a:t>To launch a distributed storage avatar.</a:t>
-            </a:r>
-            <a:endParaRPr lang="en-US" altLang="zh-CN"/>
-          </a:p>
-          <a:p>
-            <a:r>
-              <a:rPr lang="en-US" altLang="zh-CN"/>
-              <a:t>What problem does this system solve?</a:t>
-            </a:r>
-            <a:endParaRPr lang="en-US" altLang="zh-CN"/>
-          </a:p>
-          <a:p>
-            <a:pPr lvl="1"/>
-            <a:r>
-              <a:rPr lang="en-US" altLang="zh-CN"/>
-              <a:t>Wholesale distributed storage capabilities from Tusky, then retail them to users in need of image storage.</a:t>
-            </a:r>
-            <a:endParaRPr lang="en-US" altLang="zh-CN"/>
-          </a:p>
-          <a:p>
-            <a:endParaRPr lang="en-US" altLang="zh-CN"/>
-          </a:p>
-          <a:p>
-            <a:endParaRPr lang="en-US" altLang="zh-CN"/>
-          </a:p>
-        </p:txBody>
-      </p:sp>
+        </p:nvPicPr>
+        <p:blipFill>
+          <a:blip r:embed="rId1"/>
+          <a:stretch>
+            <a:fillRect/>
+          </a:stretch>
+        </p:blipFill>
+        <p:spPr>
+          <a:xfrm>
+            <a:off x="3196590" y="1490345"/>
+            <a:ext cx="5791835" cy="4759325"/>
+          </a:xfrm>
+          <a:prstGeom prst="rect">
+            <a:avLst/>
+          </a:prstGeom>
+        </p:spPr>
+      </p:pic>
     </p:spTree>
     <p:custDataLst>
-      <p:tags r:id="rId1"/>
+      <p:tags r:id="rId2"/>
     </p:custDataLst>
   </p:cSld>
   <p:clrMapOvr>
@@ -3252,7 +3652,7 @@
 </p:sld>
 </file>
 
-<file path=ppt/slides/slide3.xml><?xml version="1.0" encoding="utf-8"?>
+<file path=ppt/slides/slide11.xml><?xml version="1.0" encoding="utf-8"?>
 <p:sld xmlns:a="http://schemas.openxmlformats.org/drawingml/2006/main" xmlns:r="http://schemas.openxmlformats.org/officeDocument/2006/relationships" xmlns:p="http://schemas.openxmlformats.org/presentationml/2006/main">
   <p:cSld>
     <p:spTree>
@@ -3278,273 +3678,11 @@
           <a:p>
             <a:r>
               <a:rPr lang="en-US" altLang="zh-CN"/>
-              <a:t>Roles</a:t>
-            </a:r>
-            <a:endParaRPr lang="en-US" altLang="zh-CN"/>
-          </a:p>
-        </p:txBody>
-      </p:sp>
-      <p:sp>
-        <p:nvSpPr>
-          <p:cNvPr id="3" name="内容占位符 2"/>
-          <p:cNvSpPr>
-            <a:spLocks noGrp="1"/>
-          </p:cNvSpPr>
-          <p:nvPr>
-            <p:ph idx="1"/>
-          </p:nvPr>
-        </p:nvSpPr>
-        <p:spPr/>
-        <p:txBody>
-          <a:bodyPr/>
-          <a:p>
+              <a:t>upload image   f</a:t>
+            </a:r>
             <a:r>
               <a:rPr lang="en-US" altLang="zh-CN"/>
-              <a:t>User</a:t>
-            </a:r>
-            <a:endParaRPr lang="en-US" altLang="zh-CN"/>
-          </a:p>
-          <a:p>
-            <a:pPr lvl="1"/>
-            <a:r>
-              <a:rPr lang="en-US" altLang="zh-CN" sz="1600"/>
-              <a:t>create profile</a:t>
-            </a:r>
-            <a:endParaRPr lang="en-US" altLang="zh-CN" sz="1600"/>
-          </a:p>
-          <a:p>
-            <a:pPr lvl="1"/>
-            <a:r>
-              <a:rPr lang="en-US" altLang="zh-CN" sz="1600"/>
-              <a:t>recharge (optional)</a:t>
-            </a:r>
-            <a:endParaRPr lang="en-US" altLang="zh-CN"/>
-          </a:p>
-          <a:p>
-            <a:pPr lvl="1"/>
-            <a:r>
-              <a:rPr lang="en-US" altLang="zh-CN" sz="1600"/>
-              <a:t>upload/view images</a:t>
-            </a:r>
-            <a:endParaRPr lang="en-US" altLang="zh-CN"/>
-          </a:p>
-          <a:p>
-            <a:r>
-              <a:rPr lang="en-US" altLang="zh-CN"/>
-              <a:t>Admin</a:t>
-            </a:r>
-            <a:endParaRPr lang="en-US" altLang="zh-CN"/>
-          </a:p>
-          <a:p>
-            <a:pPr lvl="1"/>
-            <a:r>
-              <a:rPr lang="en-US" altLang="zh-CN"/>
-              <a:t>withdraw the balance </a:t>
-            </a:r>
-            <a:endParaRPr lang="en-US" altLang="zh-CN"/>
-          </a:p>
-        </p:txBody>
-      </p:sp>
-    </p:spTree>
-    <p:custDataLst>
-      <p:tags r:id="rId1"/>
-    </p:custDataLst>
-  </p:cSld>
-  <p:clrMapOvr>
-    <a:masterClrMapping/>
-  </p:clrMapOvr>
-</p:sld>
-</file>
-
-<file path=ppt/slides/slide4.xml><?xml version="1.0" encoding="utf-8"?>
-<p:sld xmlns:a="http://schemas.openxmlformats.org/drawingml/2006/main" xmlns:r="http://schemas.openxmlformats.org/officeDocument/2006/relationships" xmlns:p="http://schemas.openxmlformats.org/presentationml/2006/main">
-  <p:cSld>
-    <p:spTree>
-      <p:nvGrpSpPr>
-        <p:cNvPr id="1" name=""/>
-        <p:cNvGrpSpPr/>
-        <p:nvPr/>
-      </p:nvGrpSpPr>
-      <p:grpSpPr/>
-      <p:sp>
-        <p:nvSpPr>
-          <p:cNvPr id="2" name="标题 1"/>
-          <p:cNvSpPr>
-            <a:spLocks noGrp="1"/>
-          </p:cNvSpPr>
-          <p:nvPr>
-            <p:ph type="title"/>
-          </p:nvPr>
-        </p:nvSpPr>
-        <p:spPr/>
-        <p:txBody>
-          <a:bodyPr/>
-          <a:p>
-            <a:r>
-              <a:rPr lang="en-US" altLang="zh-CN"/>
-              <a:t>User: create profile</a:t>
-            </a:r>
-            <a:endParaRPr lang="en-US" altLang="zh-CN"/>
-          </a:p>
-        </p:txBody>
-      </p:sp>
-      <p:sp>
-        <p:nvSpPr>
-          <p:cNvPr id="3" name="内容占位符 2"/>
-          <p:cNvSpPr>
-            <a:spLocks noGrp="1"/>
-          </p:cNvSpPr>
-          <p:nvPr>
-            <p:ph idx="1"/>
-          </p:nvPr>
-        </p:nvSpPr>
-        <p:spPr/>
-        <p:txBody>
-          <a:bodyPr/>
-          <a:p>
-            <a:r>
-              <a:rPr lang="en-US" altLang="zh-CN"/>
-              <a:t>create profile</a:t>
-            </a:r>
-            <a:endParaRPr lang="en-US" altLang="zh-CN"/>
-          </a:p>
-          <a:p>
-            <a:pPr lvl="1"/>
-            <a:r>
-              <a:rPr lang="en-US" altLang="zh-CN"/>
-              <a:t>initial balance : 0.1 SUI</a:t>
-            </a:r>
-            <a:endParaRPr lang="en-US" altLang="zh-CN"/>
-          </a:p>
-          <a:p>
-            <a:pPr lvl="0"/>
-            <a:r>
-              <a:rPr lang="en-US" altLang="zh-CN"/>
-              <a:t>recharge </a:t>
-            </a:r>
-            <a:endParaRPr lang="en-US" altLang="zh-CN"/>
-          </a:p>
-          <a:p>
-            <a:pPr lvl="1"/>
-            <a:r>
-              <a:rPr lang="en-US" altLang="zh-CN" sz="1600"/>
-              <a:t>minimum charge: 0.1 SUI</a:t>
-            </a:r>
-            <a:endParaRPr lang="en-US" altLang="zh-CN"/>
-          </a:p>
-          <a:p>
-            <a:pPr lvl="1"/>
-            <a:endParaRPr lang="en-US" altLang="zh-CN"/>
-          </a:p>
-        </p:txBody>
-      </p:sp>
-    </p:spTree>
-    <p:custDataLst>
-      <p:tags r:id="rId1"/>
-    </p:custDataLst>
-  </p:cSld>
-  <p:clrMapOvr>
-    <a:masterClrMapping/>
-  </p:clrMapOvr>
-</p:sld>
-</file>
-
-<file path=ppt/slides/slide5.xml><?xml version="1.0" encoding="utf-8"?>
-<p:sld xmlns:a="http://schemas.openxmlformats.org/drawingml/2006/main" xmlns:r="http://schemas.openxmlformats.org/officeDocument/2006/relationships" xmlns:p="http://schemas.openxmlformats.org/presentationml/2006/main">
-  <p:cSld>
-    <p:spTree>
-      <p:nvGrpSpPr>
-        <p:cNvPr id="1" name=""/>
-        <p:cNvGrpSpPr/>
-        <p:nvPr/>
-      </p:nvGrpSpPr>
-      <p:grpSpPr/>
-      <p:sp>
-        <p:nvSpPr>
-          <p:cNvPr id="2" name="标题 1"/>
-          <p:cNvSpPr>
-            <a:spLocks noGrp="1"/>
-          </p:cNvSpPr>
-          <p:nvPr>
-            <p:ph type="title"/>
-          </p:nvPr>
-        </p:nvSpPr>
-        <p:spPr/>
-        <p:txBody>
-          <a:bodyPr/>
-          <a:p>
-            <a:r>
-              <a:rPr lang="en-US" altLang="zh-CN"/>
-              <a:t>User:  upload image</a:t>
-            </a:r>
-            <a:endParaRPr lang="en-US" altLang="zh-CN"/>
-          </a:p>
-        </p:txBody>
-      </p:sp>
-      <p:sp>
-        <p:nvSpPr>
-          <p:cNvPr id="3" name="内容占位符 2"/>
-          <p:cNvSpPr>
-            <a:spLocks noGrp="1"/>
-          </p:cNvSpPr>
-          <p:nvPr>
-            <p:ph idx="1"/>
-          </p:nvPr>
-        </p:nvSpPr>
-        <p:spPr/>
-        <p:txBody>
-          <a:bodyPr/>
-          <a:p>
-            <a:r>
-              <a:rPr lang="en-US" altLang="zh-CN"/>
-              <a:t>upload image</a:t>
-            </a:r>
-            <a:endParaRPr lang="en-US" altLang="zh-CN"/>
-          </a:p>
-          <a:p>
-            <a:pPr lvl="1"/>
-            <a:endParaRPr lang="en-US" altLang="zh-CN"/>
-          </a:p>
-        </p:txBody>
-      </p:sp>
-    </p:spTree>
-    <p:custDataLst>
-      <p:tags r:id="rId1"/>
-    </p:custDataLst>
-  </p:cSld>
-  <p:clrMapOvr>
-    <a:masterClrMapping/>
-  </p:clrMapOvr>
-</p:sld>
-</file>
-
-<file path=ppt/slides/slide6.xml><?xml version="1.0" encoding="utf-8"?>
-<p:sld xmlns:a="http://schemas.openxmlformats.org/drawingml/2006/main" xmlns:r="http://schemas.openxmlformats.org/officeDocument/2006/relationships" xmlns:p="http://schemas.openxmlformats.org/presentationml/2006/main">
-  <p:cSld>
-    <p:spTree>
-      <p:nvGrpSpPr>
-        <p:cNvPr id="1" name=""/>
-        <p:cNvGrpSpPr/>
-        <p:nvPr/>
-      </p:nvGrpSpPr>
-      <p:grpSpPr/>
-      <p:sp>
-        <p:nvSpPr>
-          <p:cNvPr id="2" name="标题 1"/>
-          <p:cNvSpPr>
-            <a:spLocks noGrp="1"/>
-          </p:cNvSpPr>
-          <p:nvPr>
-            <p:ph type="title"/>
-          </p:nvPr>
-        </p:nvSpPr>
-        <p:spPr/>
-        <p:txBody>
-          <a:bodyPr/>
-          <a:p>
-            <a:r>
-              <a:rPr lang="en-US" altLang="zh-CN"/>
-              <a:t>upload image</a:t>
+              <a:t>ee</a:t>
             </a:r>
             <a:endParaRPr lang="en-US" altLang="zh-CN"/>
           </a:p>
@@ -3611,7 +3749,7 @@
 </p:sld>
 </file>
 
-<file path=ppt/slides/slide7.xml><?xml version="1.0" encoding="utf-8"?>
+<file path=ppt/slides/slide12.xml><?xml version="1.0" encoding="utf-8"?>
 <p:sld xmlns:a="http://schemas.openxmlformats.org/drawingml/2006/main" xmlns:r="http://schemas.openxmlformats.org/officeDocument/2006/relationships" xmlns:p="http://schemas.openxmlformats.org/presentationml/2006/main">
   <p:cSld>
     <p:spTree>
@@ -3668,6 +3806,356 @@
             <a:r>
               <a:rPr lang="en-US" altLang="zh-CN"/>
               <a:t>withdraw the balance of storage</a:t>
+            </a:r>
+            <a:endParaRPr lang="en-US" altLang="zh-CN"/>
+          </a:p>
+        </p:txBody>
+      </p:sp>
+    </p:spTree>
+    <p:custDataLst>
+      <p:tags r:id="rId1"/>
+    </p:custDataLst>
+  </p:cSld>
+  <p:clrMapOvr>
+    <a:masterClrMapping/>
+  </p:clrMapOvr>
+</p:sld>
+</file>
+
+<file path=ppt/slides/slide2.xml><?xml version="1.0" encoding="utf-8"?>
+<p:sld xmlns:a="http://schemas.openxmlformats.org/drawingml/2006/main" xmlns:r="http://schemas.openxmlformats.org/officeDocument/2006/relationships" xmlns:p="http://schemas.openxmlformats.org/presentationml/2006/main">
+  <p:cSld>
+    <p:spTree>
+      <p:nvGrpSpPr>
+        <p:cNvPr id="1" name=""/>
+        <p:cNvGrpSpPr/>
+        <p:nvPr/>
+      </p:nvGrpSpPr>
+      <p:grpSpPr/>
+      <p:sp>
+        <p:nvSpPr>
+          <p:cNvPr id="2" name="标题 1"/>
+          <p:cNvSpPr>
+            <a:spLocks noGrp="1"/>
+          </p:cNvSpPr>
+          <p:nvPr>
+            <p:ph type="title"/>
+          </p:nvPr>
+        </p:nvSpPr>
+        <p:spPr/>
+        <p:txBody>
+          <a:bodyPr/>
+          <a:p>
+            <a:r>
+              <a:rPr lang="zh-CN" altLang="en-US"/>
+              <a:t>设计</a:t>
+            </a:r>
+            <a:r>
+              <a:rPr lang="zh-CN" altLang="en-US"/>
+              <a:t>目的</a:t>
+            </a:r>
+            <a:endParaRPr lang="zh-CN" altLang="en-US"/>
+          </a:p>
+        </p:txBody>
+      </p:sp>
+      <p:sp>
+        <p:nvSpPr>
+          <p:cNvPr id="3" name="内容占位符 2"/>
+          <p:cNvSpPr>
+            <a:spLocks noGrp="1"/>
+          </p:cNvSpPr>
+          <p:nvPr>
+            <p:ph idx="1"/>
+          </p:nvPr>
+        </p:nvSpPr>
+        <p:spPr/>
+        <p:txBody>
+          <a:bodyPr/>
+          <a:p>
+            <a:r>
+              <a:rPr lang="en-US" altLang="zh-CN"/>
+              <a:t>Requirements:</a:t>
+            </a:r>
+            <a:endParaRPr lang="en-US" altLang="zh-CN"/>
+          </a:p>
+          <a:p>
+            <a:pPr lvl="1"/>
+            <a:r>
+              <a:rPr lang="en-US" altLang="zh-CN"/>
+              <a:t>To launch an NFT or a coin, a accessible distributed storage is needed for long-term preservation of images.</a:t>
+            </a:r>
+            <a:endParaRPr lang="en-US" altLang="zh-CN"/>
+          </a:p>
+          <a:p>
+            <a:pPr lvl="1"/>
+            <a:r>
+              <a:rPr lang="en-US" altLang="zh-CN"/>
+              <a:t>To launch a distributed storage avatar.</a:t>
+            </a:r>
+            <a:endParaRPr lang="en-US" altLang="zh-CN"/>
+          </a:p>
+          <a:p>
+            <a:r>
+              <a:rPr lang="en-US" altLang="zh-CN"/>
+              <a:t>What problem does this system solve?</a:t>
+            </a:r>
+            <a:endParaRPr lang="en-US" altLang="zh-CN"/>
+          </a:p>
+          <a:p>
+            <a:pPr lvl="1"/>
+            <a:r>
+              <a:rPr lang="en-US" altLang="zh-CN"/>
+              <a:t>Wholesale distributed storage capabilities from Tusky, then retail them to users in need of image storage.</a:t>
+            </a:r>
+            <a:endParaRPr lang="en-US" altLang="zh-CN"/>
+          </a:p>
+          <a:p>
+            <a:endParaRPr lang="en-US" altLang="zh-CN"/>
+          </a:p>
+          <a:p>
+            <a:endParaRPr lang="en-US" altLang="zh-CN"/>
+          </a:p>
+        </p:txBody>
+      </p:sp>
+    </p:spTree>
+    <p:custDataLst>
+      <p:tags r:id="rId1"/>
+    </p:custDataLst>
+  </p:cSld>
+  <p:clrMapOvr>
+    <a:masterClrMapping/>
+  </p:clrMapOvr>
+</p:sld>
+</file>
+
+<file path=ppt/slides/slide3.xml><?xml version="1.0" encoding="utf-8"?>
+<p:sld xmlns:a="http://schemas.openxmlformats.org/drawingml/2006/main" xmlns:r="http://schemas.openxmlformats.org/officeDocument/2006/relationships" xmlns:p="http://schemas.openxmlformats.org/presentationml/2006/main">
+  <p:cSld>
+    <p:spTree>
+      <p:nvGrpSpPr>
+        <p:cNvPr id="1" name=""/>
+        <p:cNvGrpSpPr/>
+        <p:nvPr/>
+      </p:nvGrpSpPr>
+      <p:grpSpPr/>
+      <p:sp>
+        <p:nvSpPr>
+          <p:cNvPr id="2" name="标题 1"/>
+          <p:cNvSpPr>
+            <a:spLocks noGrp="1"/>
+          </p:cNvSpPr>
+          <p:nvPr>
+            <p:ph type="title"/>
+          </p:nvPr>
+        </p:nvSpPr>
+        <p:spPr/>
+        <p:txBody>
+          <a:bodyPr/>
+          <a:p>
+            <a:r>
+              <a:rPr lang="en-US" altLang="zh-CN"/>
+              <a:t>Roles</a:t>
+            </a:r>
+            <a:endParaRPr lang="en-US" altLang="zh-CN"/>
+          </a:p>
+        </p:txBody>
+      </p:sp>
+      <p:sp>
+        <p:nvSpPr>
+          <p:cNvPr id="3" name="内容占位符 2"/>
+          <p:cNvSpPr>
+            <a:spLocks noGrp="1"/>
+          </p:cNvSpPr>
+          <p:nvPr>
+            <p:ph idx="1"/>
+          </p:nvPr>
+        </p:nvSpPr>
+        <p:spPr/>
+        <p:txBody>
+          <a:bodyPr/>
+          <a:p>
+            <a:r>
+              <a:rPr lang="en-US" altLang="zh-CN"/>
+              <a:t>User</a:t>
+            </a:r>
+            <a:endParaRPr lang="en-US" altLang="zh-CN"/>
+          </a:p>
+          <a:p>
+            <a:pPr lvl="1"/>
+            <a:r>
+              <a:rPr lang="en-US" altLang="zh-CN" sz="1600"/>
+              <a:t>create profile</a:t>
+            </a:r>
+            <a:endParaRPr lang="en-US" altLang="zh-CN" sz="1600"/>
+          </a:p>
+          <a:p>
+            <a:pPr lvl="1"/>
+            <a:r>
+              <a:rPr lang="en-US" altLang="zh-CN" sz="1600"/>
+              <a:t>recharge (optional)</a:t>
+            </a:r>
+            <a:endParaRPr lang="en-US" altLang="zh-CN"/>
+          </a:p>
+          <a:p>
+            <a:pPr lvl="1"/>
+            <a:r>
+              <a:rPr lang="en-US" altLang="zh-CN" sz="1600"/>
+              <a:t>upload/view images</a:t>
+            </a:r>
+            <a:endParaRPr lang="en-US" altLang="zh-CN"/>
+          </a:p>
+          <a:p>
+            <a:r>
+              <a:rPr lang="en-US" altLang="zh-CN"/>
+              <a:t>Admin</a:t>
+            </a:r>
+            <a:endParaRPr lang="en-US" altLang="zh-CN"/>
+          </a:p>
+          <a:p>
+            <a:pPr lvl="1"/>
+            <a:r>
+              <a:rPr lang="en-US" altLang="zh-CN"/>
+              <a:t>withdraw the balance </a:t>
+            </a:r>
+            <a:endParaRPr lang="en-US" altLang="zh-CN"/>
+          </a:p>
+        </p:txBody>
+      </p:sp>
+    </p:spTree>
+    <p:custDataLst>
+      <p:tags r:id="rId1"/>
+    </p:custDataLst>
+  </p:cSld>
+  <p:clrMapOvr>
+    <a:masterClrMapping/>
+  </p:clrMapOvr>
+</p:sld>
+</file>
+
+<file path=ppt/slides/slide4.xml><?xml version="1.0" encoding="utf-8"?>
+<p:sld xmlns:a="http://schemas.openxmlformats.org/drawingml/2006/main" xmlns:r="http://schemas.openxmlformats.org/officeDocument/2006/relationships" xmlns:p="http://schemas.openxmlformats.org/presentationml/2006/main">
+  <p:cSld>
+    <p:spTree>
+      <p:nvGrpSpPr>
+        <p:cNvPr id="1" name=""/>
+        <p:cNvGrpSpPr/>
+        <p:nvPr/>
+      </p:nvGrpSpPr>
+      <p:grpSpPr/>
+      <p:sp>
+        <p:nvSpPr>
+          <p:cNvPr id="2" name="标题 1"/>
+          <p:cNvSpPr>
+            <a:spLocks noGrp="1"/>
+          </p:cNvSpPr>
+          <p:nvPr>
+            <p:ph type="title"/>
+          </p:nvPr>
+        </p:nvSpPr>
+        <p:spPr/>
+        <p:txBody>
+          <a:bodyPr/>
+          <a:p>
+            <a:r>
+              <a:rPr lang="en-US" altLang="zh-CN"/>
+              <a:t>User: create profile</a:t>
+            </a:r>
+            <a:endParaRPr lang="en-US" altLang="zh-CN"/>
+          </a:p>
+        </p:txBody>
+      </p:sp>
+      <p:sp>
+        <p:nvSpPr>
+          <p:cNvPr id="3" name="内容占位符 2"/>
+          <p:cNvSpPr>
+            <a:spLocks noGrp="1"/>
+          </p:cNvSpPr>
+          <p:nvPr>
+            <p:ph idx="1"/>
+          </p:nvPr>
+        </p:nvSpPr>
+        <p:spPr/>
+        <p:txBody>
+          <a:bodyPr/>
+          <a:p>
+            <a:r>
+              <a:rPr lang="en-US" altLang="zh-CN"/>
+              <a:t>create profile</a:t>
+            </a:r>
+            <a:endParaRPr lang="en-US" altLang="zh-CN"/>
+          </a:p>
+          <a:p>
+            <a:pPr lvl="1"/>
+            <a:r>
+              <a:rPr lang="en-US" altLang="zh-CN"/>
+              <a:t>initial balance : 0.1 SUI</a:t>
+            </a:r>
+            <a:endParaRPr lang="en-US" altLang="zh-CN"/>
+          </a:p>
+          <a:p>
+            <a:pPr lvl="0"/>
+            <a:r>
+              <a:rPr lang="en-US" altLang="zh-CN"/>
+              <a:t>recharge </a:t>
+            </a:r>
+            <a:endParaRPr lang="en-US" altLang="zh-CN"/>
+          </a:p>
+          <a:p>
+            <a:pPr lvl="1"/>
+            <a:r>
+              <a:rPr lang="en-US" altLang="zh-CN" sz="1600"/>
+              <a:t>minimum charge: 0.1 SUI</a:t>
+            </a:r>
+            <a:endParaRPr lang="en-US" altLang="zh-CN"/>
+          </a:p>
+          <a:p>
+            <a:pPr lvl="1"/>
+            <a:endParaRPr lang="en-US" altLang="zh-CN"/>
+          </a:p>
+        </p:txBody>
+      </p:sp>
+    </p:spTree>
+    <p:custDataLst>
+      <p:tags r:id="rId1"/>
+    </p:custDataLst>
+  </p:cSld>
+  <p:clrMapOvr>
+    <a:masterClrMapping/>
+  </p:clrMapOvr>
+</p:sld>
+</file>
+
+<file path=ppt/slides/slide5.xml><?xml version="1.0" encoding="utf-8"?>
+<p:sld xmlns:a="http://schemas.openxmlformats.org/drawingml/2006/main" xmlns:r="http://schemas.openxmlformats.org/officeDocument/2006/relationships" xmlns:p="http://schemas.openxmlformats.org/presentationml/2006/main">
+  <p:cSld>
+    <p:spTree>
+      <p:nvGrpSpPr>
+        <p:cNvPr id="1" name=""/>
+        <p:cNvGrpSpPr/>
+        <p:nvPr/>
+      </p:nvGrpSpPr>
+      <p:grpSpPr/>
+      <p:sp>
+        <p:nvSpPr>
+          <p:cNvPr id="2" name="标题 1"/>
+          <p:cNvSpPr>
+            <a:spLocks noGrp="1"/>
+          </p:cNvSpPr>
+          <p:nvPr>
+            <p:ph type="title"/>
+          </p:nvPr>
+        </p:nvSpPr>
+        <p:spPr/>
+        <p:txBody>
+          <a:bodyPr/>
+          <a:p>
+            <a:r>
+              <a:rPr lang="en-US" altLang="zh-CN"/>
+              <a:t>tusky image </a:t>
+            </a:r>
+            <a:r>
+              <a:rPr lang="en-US" altLang="zh-CN"/>
+              <a:t>upload</a:t>
             </a:r>
             <a:endParaRPr lang="en-US" altLang="zh-CN"/>
           </a:p>
@@ -3689,8 +4177,8 @@
         </p:blipFill>
         <p:spPr>
           <a:xfrm>
-            <a:off x="3032760" y="2667635"/>
-            <a:ext cx="7010400" cy="3857625"/>
+            <a:off x="1256030" y="1941195"/>
+            <a:ext cx="8065770" cy="4438650"/>
           </a:xfrm>
           <a:prstGeom prst="rect">
             <a:avLst/>
@@ -3708,6 +4196,3687 @@
 </p:sld>
 </file>
 
+<file path=ppt/slides/slide6.xml><?xml version="1.0" encoding="utf-8"?>
+<p:sld xmlns:a="http://schemas.openxmlformats.org/drawingml/2006/main" xmlns:r="http://schemas.openxmlformats.org/officeDocument/2006/relationships" xmlns:p="http://schemas.openxmlformats.org/presentationml/2006/main">
+  <p:cSld>
+    <p:spTree>
+      <p:nvGrpSpPr>
+        <p:cNvPr id="1" name=""/>
+        <p:cNvGrpSpPr/>
+        <p:nvPr/>
+      </p:nvGrpSpPr>
+      <p:grpSpPr/>
+      <p:sp>
+        <p:nvSpPr>
+          <p:cNvPr id="2" name="标题 1"/>
+          <p:cNvSpPr>
+            <a:spLocks noGrp="1"/>
+          </p:cNvSpPr>
+          <p:nvPr>
+            <p:ph type="title"/>
+          </p:nvPr>
+        </p:nvSpPr>
+        <p:spPr/>
+        <p:txBody>
+          <a:bodyPr/>
+          <a:p>
+            <a:r>
+              <a:rPr lang="en-US" altLang="zh-CN"/>
+              <a:t>tusky image balance </a:t>
+            </a:r>
+            <a:r>
+              <a:rPr lang="en-US" altLang="zh-CN"/>
+              <a:t>changes</a:t>
+            </a:r>
+            <a:endParaRPr lang="en-US" altLang="zh-CN"/>
+          </a:p>
+        </p:txBody>
+      </p:sp>
+      <p:pic>
+        <p:nvPicPr>
+          <p:cNvPr id="6" name="内容占位符 5"/>
+          <p:cNvPicPr>
+            <a:picLocks noChangeAspect="1"/>
+          </p:cNvPicPr>
+          <p:nvPr>
+            <p:ph idx="1"/>
+          </p:nvPr>
+        </p:nvPicPr>
+        <p:blipFill>
+          <a:blip r:embed="rId1"/>
+          <a:stretch>
+            <a:fillRect/>
+          </a:stretch>
+        </p:blipFill>
+        <p:spPr>
+          <a:xfrm>
+            <a:off x="1155065" y="1584325"/>
+            <a:ext cx="8847455" cy="4095115"/>
+          </a:xfrm>
+          <a:prstGeom prst="rect">
+            <a:avLst/>
+          </a:prstGeom>
+        </p:spPr>
+      </p:pic>
+    </p:spTree>
+    <p:custDataLst>
+      <p:tags r:id="rId2"/>
+    </p:custDataLst>
+  </p:cSld>
+  <p:clrMapOvr>
+    <a:masterClrMapping/>
+  </p:clrMapOvr>
+</p:sld>
+</file>
+
+<file path=ppt/slides/slide7.xml><?xml version="1.0" encoding="utf-8"?>
+<p:sld xmlns:a="http://schemas.openxmlformats.org/drawingml/2006/main" xmlns:r="http://schemas.openxmlformats.org/officeDocument/2006/relationships" xmlns:p="http://schemas.openxmlformats.org/presentationml/2006/main">
+  <p:cSld>
+    <p:spTree>
+      <p:nvGrpSpPr>
+        <p:cNvPr id="1" name=""/>
+        <p:cNvGrpSpPr/>
+        <p:nvPr/>
+      </p:nvGrpSpPr>
+      <p:grpSpPr>
+        <a:xfrm>
+          <a:off x="0" y="0"/>
+          <a:ext cx="0" cy="0"/>
+          <a:chOff x="0" y="0"/>
+          <a:chExt cx="0" cy="0"/>
+        </a:xfrm>
+      </p:grpSpPr>
+      <p:sp>
+        <p:nvSpPr>
+          <p:cNvPr id="2" name="标题 1"/>
+          <p:cNvSpPr>
+            <a:spLocks noGrp="1"/>
+          </p:cNvSpPr>
+          <p:nvPr>
+            <p:ph type="title"/>
+            <p:custDataLst>
+              <p:tags r:id="rId1"/>
+            </p:custDataLst>
+          </p:nvPr>
+        </p:nvSpPr>
+        <p:spPr/>
+        <p:txBody>
+          <a:bodyPr/>
+          <a:lstStyle/>
+          <a:p>
+            <a:r>
+              <a:rPr lang="zh-CN" altLang="en-US" dirty="0"/>
+              <a:t>User: upload image</a:t>
+            </a:r>
+            <a:endParaRPr lang="zh-CN" altLang="en-US" dirty="0"/>
+          </a:p>
+        </p:txBody>
+      </p:sp>
+      <p:sp>
+        <p:nvSpPr>
+          <p:cNvPr id="15" name="图形 17"/>
+          <p:cNvSpPr/>
+          <p:nvPr>
+            <p:custDataLst>
+              <p:tags r:id="rId2"/>
+            </p:custDataLst>
+          </p:nvPr>
+        </p:nvSpPr>
+        <p:spPr>
+          <a:xfrm>
+            <a:off x="5493525" y="4056030"/>
+            <a:ext cx="1585584" cy="1457364"/>
+          </a:xfrm>
+          <a:custGeom>
+            <a:avLst/>
+            <a:gdLst>
+              <a:gd name="connsiteX0" fmla="*/ 1029010 w 1471843"/>
+              <a:gd name="connsiteY0" fmla="*/ -1130 h 1314537"/>
+              <a:gd name="connsiteX1" fmla="*/ 1157886 w 1471843"/>
+              <a:gd name="connsiteY1" fmla="*/ 73276 h 1314537"/>
+              <a:gd name="connsiteX2" fmla="*/ 1451441 w 1471843"/>
+              <a:gd name="connsiteY2" fmla="*/ 581732 h 1314537"/>
+              <a:gd name="connsiteX3" fmla="*/ 1451441 w 1471843"/>
+              <a:gd name="connsiteY3" fmla="*/ 730545 h 1314537"/>
+              <a:gd name="connsiteX4" fmla="*/ 1157886 w 1471843"/>
+              <a:gd name="connsiteY4" fmla="*/ 1239001 h 1314537"/>
+              <a:gd name="connsiteX5" fmla="*/ 1029010 w 1471843"/>
+              <a:gd name="connsiteY5" fmla="*/ 1313407 h 1314537"/>
+              <a:gd name="connsiteX6" fmla="*/ 441900 w 1471843"/>
+              <a:gd name="connsiteY6" fmla="*/ 1313407 h 1314537"/>
+              <a:gd name="connsiteX7" fmla="*/ 313025 w 1471843"/>
+              <a:gd name="connsiteY7" fmla="*/ 1239001 h 1314537"/>
+              <a:gd name="connsiteX8" fmla="*/ 19470 w 1471843"/>
+              <a:gd name="connsiteY8" fmla="*/ 730545 h 1314537"/>
+              <a:gd name="connsiteX9" fmla="*/ 19470 w 1471843"/>
+              <a:gd name="connsiteY9" fmla="*/ 581732 h 1314537"/>
+              <a:gd name="connsiteX10" fmla="*/ 313025 w 1471843"/>
+              <a:gd name="connsiteY10" fmla="*/ 73276 h 1314537"/>
+              <a:gd name="connsiteX11" fmla="*/ 441900 w 1471843"/>
+              <a:gd name="connsiteY11" fmla="*/ -1130 h 1314537"/>
+              <a:gd name="connsiteX12" fmla="*/ 1029010 w 1471843"/>
+              <a:gd name="connsiteY12" fmla="*/ -1130 h 1314537"/>
+            </a:gdLst>
+            <a:ahLst/>
+            <a:cxnLst>
+              <a:cxn ang="0">
+                <a:pos x="connsiteX0" y="connsiteY0"/>
+              </a:cxn>
+              <a:cxn ang="0">
+                <a:pos x="connsiteX1" y="connsiteY1"/>
+              </a:cxn>
+              <a:cxn ang="0">
+                <a:pos x="connsiteX2" y="connsiteY2"/>
+              </a:cxn>
+              <a:cxn ang="0">
+                <a:pos x="connsiteX3" y="connsiteY3"/>
+              </a:cxn>
+              <a:cxn ang="0">
+                <a:pos x="connsiteX4" y="connsiteY4"/>
+              </a:cxn>
+              <a:cxn ang="0">
+                <a:pos x="connsiteX5" y="connsiteY5"/>
+              </a:cxn>
+              <a:cxn ang="0">
+                <a:pos x="connsiteX6" y="connsiteY6"/>
+              </a:cxn>
+              <a:cxn ang="0">
+                <a:pos x="connsiteX7" y="connsiteY7"/>
+              </a:cxn>
+              <a:cxn ang="0">
+                <a:pos x="connsiteX8" y="connsiteY8"/>
+              </a:cxn>
+              <a:cxn ang="0">
+                <a:pos x="connsiteX9" y="connsiteY9"/>
+              </a:cxn>
+              <a:cxn ang="0">
+                <a:pos x="connsiteX10" y="connsiteY10"/>
+              </a:cxn>
+              <a:cxn ang="0">
+                <a:pos x="connsiteX11" y="connsiteY11"/>
+              </a:cxn>
+              <a:cxn ang="0">
+                <a:pos x="connsiteX12" y="connsiteY12"/>
+              </a:cxn>
+            </a:cxnLst>
+            <a:rect l="l" t="t" r="r" b="b"/>
+            <a:pathLst>
+              <a:path w="1471843" h="1314537">
+                <a:moveTo>
+                  <a:pt x="1029010" y="-1130"/>
+                </a:moveTo>
+                <a:cubicBezTo>
+                  <a:pt x="1082178" y="-1130"/>
+                  <a:pt x="1131308" y="27218"/>
+                  <a:pt x="1157886" y="73276"/>
+                </a:cubicBezTo>
+                <a:lnTo>
+                  <a:pt x="1451441" y="581732"/>
+                </a:lnTo>
+                <a:cubicBezTo>
+                  <a:pt x="1478023" y="627790"/>
+                  <a:pt x="1478023" y="684487"/>
+                  <a:pt x="1451441" y="730545"/>
+                </a:cubicBezTo>
+                <a:lnTo>
+                  <a:pt x="1157886" y="1239001"/>
+                </a:lnTo>
+                <a:cubicBezTo>
+                  <a:pt x="1131308" y="1285058"/>
+                  <a:pt x="1082178" y="1313407"/>
+                  <a:pt x="1029010" y="1313407"/>
+                </a:cubicBezTo>
+                <a:lnTo>
+                  <a:pt x="441900" y="1313407"/>
+                </a:lnTo>
+                <a:cubicBezTo>
+                  <a:pt x="388733" y="1313407"/>
+                  <a:pt x="339603" y="1285058"/>
+                  <a:pt x="313025" y="1239001"/>
+                </a:cubicBezTo>
+                <a:lnTo>
+                  <a:pt x="19470" y="730545"/>
+                </a:lnTo>
+                <a:cubicBezTo>
+                  <a:pt x="-7112" y="684487"/>
+                  <a:pt x="-7112" y="627790"/>
+                  <a:pt x="19470" y="581732"/>
+                </a:cubicBezTo>
+                <a:lnTo>
+                  <a:pt x="313025" y="73276"/>
+                </a:lnTo>
+                <a:cubicBezTo>
+                  <a:pt x="339603" y="27218"/>
+                  <a:pt x="388733" y="-1130"/>
+                  <a:pt x="441900" y="-1130"/>
+                </a:cubicBezTo>
+                <a:lnTo>
+                  <a:pt x="1029010" y="-1130"/>
+                </a:lnTo>
+                <a:close/>
+              </a:path>
+            </a:pathLst>
+          </a:custGeom>
+          <a:noFill/>
+          <a:ln w="12700" cap="flat">
+            <a:solidFill>
+              <a:schemeClr val="tx2">
+                <a:lumMod val="50000"/>
+                <a:lumOff val="50000"/>
+                <a:alpha val="20000"/>
+              </a:schemeClr>
+            </a:solidFill>
+            <a:prstDash val="solid"/>
+            <a:miter/>
+          </a:ln>
+        </p:spPr>
+        <p:txBody>
+          <a:bodyPr rot="0" spcFirstLastPara="0" vertOverflow="overflow" horzOverflow="overflow" vert="horz" wrap="square" lIns="91440" tIns="45720" rIns="91440" bIns="45720" numCol="1" spcCol="0" rtlCol="0" fromWordArt="0" anchor="ctr" anchorCtr="0" forceAA="0" compatLnSpc="1">
+            <a:noAutofit/>
+          </a:bodyPr>
+          <a:p>
+            <a:endParaRPr lang="zh-CN" altLang="en-US"/>
+          </a:p>
+        </p:txBody>
+      </p:sp>
+      <p:sp>
+        <p:nvSpPr>
+          <p:cNvPr id="18" name="图形 17"/>
+          <p:cNvSpPr/>
+          <p:nvPr>
+            <p:custDataLst>
+              <p:tags r:id="rId3"/>
+            </p:custDataLst>
+          </p:nvPr>
+        </p:nvSpPr>
+        <p:spPr>
+          <a:xfrm>
+            <a:off x="9379226" y="3581789"/>
+            <a:ext cx="1162823" cy="1071055"/>
+          </a:xfrm>
+          <a:custGeom>
+            <a:avLst/>
+            <a:gdLst>
+              <a:gd name="connsiteX0" fmla="*/ 1029010 w 1471843"/>
+              <a:gd name="connsiteY0" fmla="*/ -1130 h 1314537"/>
+              <a:gd name="connsiteX1" fmla="*/ 1157886 w 1471843"/>
+              <a:gd name="connsiteY1" fmla="*/ 73276 h 1314537"/>
+              <a:gd name="connsiteX2" fmla="*/ 1451441 w 1471843"/>
+              <a:gd name="connsiteY2" fmla="*/ 581732 h 1314537"/>
+              <a:gd name="connsiteX3" fmla="*/ 1451441 w 1471843"/>
+              <a:gd name="connsiteY3" fmla="*/ 730545 h 1314537"/>
+              <a:gd name="connsiteX4" fmla="*/ 1157886 w 1471843"/>
+              <a:gd name="connsiteY4" fmla="*/ 1239001 h 1314537"/>
+              <a:gd name="connsiteX5" fmla="*/ 1029010 w 1471843"/>
+              <a:gd name="connsiteY5" fmla="*/ 1313407 h 1314537"/>
+              <a:gd name="connsiteX6" fmla="*/ 441900 w 1471843"/>
+              <a:gd name="connsiteY6" fmla="*/ 1313407 h 1314537"/>
+              <a:gd name="connsiteX7" fmla="*/ 313025 w 1471843"/>
+              <a:gd name="connsiteY7" fmla="*/ 1239001 h 1314537"/>
+              <a:gd name="connsiteX8" fmla="*/ 19470 w 1471843"/>
+              <a:gd name="connsiteY8" fmla="*/ 730545 h 1314537"/>
+              <a:gd name="connsiteX9" fmla="*/ 19470 w 1471843"/>
+              <a:gd name="connsiteY9" fmla="*/ 581732 h 1314537"/>
+              <a:gd name="connsiteX10" fmla="*/ 313025 w 1471843"/>
+              <a:gd name="connsiteY10" fmla="*/ 73276 h 1314537"/>
+              <a:gd name="connsiteX11" fmla="*/ 441900 w 1471843"/>
+              <a:gd name="connsiteY11" fmla="*/ -1130 h 1314537"/>
+              <a:gd name="connsiteX12" fmla="*/ 1029010 w 1471843"/>
+              <a:gd name="connsiteY12" fmla="*/ -1130 h 1314537"/>
+            </a:gdLst>
+            <a:ahLst/>
+            <a:cxnLst>
+              <a:cxn ang="0">
+                <a:pos x="connsiteX0" y="connsiteY0"/>
+              </a:cxn>
+              <a:cxn ang="0">
+                <a:pos x="connsiteX1" y="connsiteY1"/>
+              </a:cxn>
+              <a:cxn ang="0">
+                <a:pos x="connsiteX2" y="connsiteY2"/>
+              </a:cxn>
+              <a:cxn ang="0">
+                <a:pos x="connsiteX3" y="connsiteY3"/>
+              </a:cxn>
+              <a:cxn ang="0">
+                <a:pos x="connsiteX4" y="connsiteY4"/>
+              </a:cxn>
+              <a:cxn ang="0">
+                <a:pos x="connsiteX5" y="connsiteY5"/>
+              </a:cxn>
+              <a:cxn ang="0">
+                <a:pos x="connsiteX6" y="connsiteY6"/>
+              </a:cxn>
+              <a:cxn ang="0">
+                <a:pos x="connsiteX7" y="connsiteY7"/>
+              </a:cxn>
+              <a:cxn ang="0">
+                <a:pos x="connsiteX8" y="connsiteY8"/>
+              </a:cxn>
+              <a:cxn ang="0">
+                <a:pos x="connsiteX9" y="connsiteY9"/>
+              </a:cxn>
+              <a:cxn ang="0">
+                <a:pos x="connsiteX10" y="connsiteY10"/>
+              </a:cxn>
+              <a:cxn ang="0">
+                <a:pos x="connsiteX11" y="connsiteY11"/>
+              </a:cxn>
+              <a:cxn ang="0">
+                <a:pos x="connsiteX12" y="connsiteY12"/>
+              </a:cxn>
+            </a:cxnLst>
+            <a:rect l="l" t="t" r="r" b="b"/>
+            <a:pathLst>
+              <a:path w="1471843" h="1314537">
+                <a:moveTo>
+                  <a:pt x="1029010" y="-1130"/>
+                </a:moveTo>
+                <a:cubicBezTo>
+                  <a:pt x="1082178" y="-1130"/>
+                  <a:pt x="1131308" y="27218"/>
+                  <a:pt x="1157886" y="73276"/>
+                </a:cubicBezTo>
+                <a:lnTo>
+                  <a:pt x="1451441" y="581732"/>
+                </a:lnTo>
+                <a:cubicBezTo>
+                  <a:pt x="1478023" y="627790"/>
+                  <a:pt x="1478023" y="684487"/>
+                  <a:pt x="1451441" y="730545"/>
+                </a:cubicBezTo>
+                <a:lnTo>
+                  <a:pt x="1157886" y="1239001"/>
+                </a:lnTo>
+                <a:cubicBezTo>
+                  <a:pt x="1131308" y="1285058"/>
+                  <a:pt x="1082178" y="1313407"/>
+                  <a:pt x="1029010" y="1313407"/>
+                </a:cubicBezTo>
+                <a:lnTo>
+                  <a:pt x="441900" y="1313407"/>
+                </a:lnTo>
+                <a:cubicBezTo>
+                  <a:pt x="388733" y="1313407"/>
+                  <a:pt x="339603" y="1285058"/>
+                  <a:pt x="313025" y="1239001"/>
+                </a:cubicBezTo>
+                <a:lnTo>
+                  <a:pt x="19470" y="730545"/>
+                </a:lnTo>
+                <a:cubicBezTo>
+                  <a:pt x="-7112" y="684487"/>
+                  <a:pt x="-7112" y="627790"/>
+                  <a:pt x="19470" y="581732"/>
+                </a:cubicBezTo>
+                <a:lnTo>
+                  <a:pt x="313025" y="73276"/>
+                </a:lnTo>
+                <a:cubicBezTo>
+                  <a:pt x="339603" y="27218"/>
+                  <a:pt x="388733" y="-1130"/>
+                  <a:pt x="441900" y="-1130"/>
+                </a:cubicBezTo>
+                <a:lnTo>
+                  <a:pt x="1029010" y="-1130"/>
+                </a:lnTo>
+                <a:close/>
+              </a:path>
+            </a:pathLst>
+          </a:custGeom>
+          <a:noFill/>
+          <a:ln w="12700" cap="flat">
+            <a:solidFill>
+              <a:schemeClr val="tx2">
+                <a:lumMod val="50000"/>
+                <a:lumOff val="50000"/>
+                <a:alpha val="15000"/>
+              </a:schemeClr>
+            </a:solidFill>
+            <a:prstDash val="solid"/>
+            <a:miter/>
+          </a:ln>
+        </p:spPr>
+        <p:txBody>
+          <a:bodyPr rot="0" spcFirstLastPara="0" vertOverflow="overflow" horzOverflow="overflow" vert="horz" wrap="square" lIns="91440" tIns="45720" rIns="91440" bIns="45720" numCol="1" spcCol="0" rtlCol="0" fromWordArt="0" anchor="ctr" anchorCtr="0" forceAA="0" compatLnSpc="1">
+            <a:noAutofit/>
+          </a:bodyPr>
+          <a:p>
+            <a:pPr lvl="0" algn="l">
+              <a:buClrTx/>
+              <a:buSzTx/>
+              <a:buFontTx/>
+            </a:pPr>
+            <a:endParaRPr lang="zh-CN" altLang="en-US">
+              <a:sym typeface="+mn-ea"/>
+            </a:endParaRPr>
+          </a:p>
+        </p:txBody>
+      </p:sp>
+      <p:sp>
+        <p:nvSpPr>
+          <p:cNvPr id="17" name="图形 17"/>
+          <p:cNvSpPr/>
+          <p:nvPr>
+            <p:custDataLst>
+              <p:tags r:id="rId4"/>
+            </p:custDataLst>
+          </p:nvPr>
+        </p:nvSpPr>
+        <p:spPr>
+          <a:xfrm>
+            <a:off x="4342254" y="5204093"/>
+            <a:ext cx="706741" cy="649591"/>
+          </a:xfrm>
+          <a:custGeom>
+            <a:avLst/>
+            <a:gdLst>
+              <a:gd name="connsiteX0" fmla="*/ 1029010 w 1471843"/>
+              <a:gd name="connsiteY0" fmla="*/ -1130 h 1314537"/>
+              <a:gd name="connsiteX1" fmla="*/ 1157886 w 1471843"/>
+              <a:gd name="connsiteY1" fmla="*/ 73276 h 1314537"/>
+              <a:gd name="connsiteX2" fmla="*/ 1451441 w 1471843"/>
+              <a:gd name="connsiteY2" fmla="*/ 581732 h 1314537"/>
+              <a:gd name="connsiteX3" fmla="*/ 1451441 w 1471843"/>
+              <a:gd name="connsiteY3" fmla="*/ 730545 h 1314537"/>
+              <a:gd name="connsiteX4" fmla="*/ 1157886 w 1471843"/>
+              <a:gd name="connsiteY4" fmla="*/ 1239001 h 1314537"/>
+              <a:gd name="connsiteX5" fmla="*/ 1029010 w 1471843"/>
+              <a:gd name="connsiteY5" fmla="*/ 1313407 h 1314537"/>
+              <a:gd name="connsiteX6" fmla="*/ 441900 w 1471843"/>
+              <a:gd name="connsiteY6" fmla="*/ 1313407 h 1314537"/>
+              <a:gd name="connsiteX7" fmla="*/ 313025 w 1471843"/>
+              <a:gd name="connsiteY7" fmla="*/ 1239001 h 1314537"/>
+              <a:gd name="connsiteX8" fmla="*/ 19470 w 1471843"/>
+              <a:gd name="connsiteY8" fmla="*/ 730545 h 1314537"/>
+              <a:gd name="connsiteX9" fmla="*/ 19470 w 1471843"/>
+              <a:gd name="connsiteY9" fmla="*/ 581732 h 1314537"/>
+              <a:gd name="connsiteX10" fmla="*/ 313025 w 1471843"/>
+              <a:gd name="connsiteY10" fmla="*/ 73276 h 1314537"/>
+              <a:gd name="connsiteX11" fmla="*/ 441900 w 1471843"/>
+              <a:gd name="connsiteY11" fmla="*/ -1130 h 1314537"/>
+              <a:gd name="connsiteX12" fmla="*/ 1029010 w 1471843"/>
+              <a:gd name="connsiteY12" fmla="*/ -1130 h 1314537"/>
+            </a:gdLst>
+            <a:ahLst/>
+            <a:cxnLst>
+              <a:cxn ang="0">
+                <a:pos x="connsiteX0" y="connsiteY0"/>
+              </a:cxn>
+              <a:cxn ang="0">
+                <a:pos x="connsiteX1" y="connsiteY1"/>
+              </a:cxn>
+              <a:cxn ang="0">
+                <a:pos x="connsiteX2" y="connsiteY2"/>
+              </a:cxn>
+              <a:cxn ang="0">
+                <a:pos x="connsiteX3" y="connsiteY3"/>
+              </a:cxn>
+              <a:cxn ang="0">
+                <a:pos x="connsiteX4" y="connsiteY4"/>
+              </a:cxn>
+              <a:cxn ang="0">
+                <a:pos x="connsiteX5" y="connsiteY5"/>
+              </a:cxn>
+              <a:cxn ang="0">
+                <a:pos x="connsiteX6" y="connsiteY6"/>
+              </a:cxn>
+              <a:cxn ang="0">
+                <a:pos x="connsiteX7" y="connsiteY7"/>
+              </a:cxn>
+              <a:cxn ang="0">
+                <a:pos x="connsiteX8" y="connsiteY8"/>
+              </a:cxn>
+              <a:cxn ang="0">
+                <a:pos x="connsiteX9" y="connsiteY9"/>
+              </a:cxn>
+              <a:cxn ang="0">
+                <a:pos x="connsiteX10" y="connsiteY10"/>
+              </a:cxn>
+              <a:cxn ang="0">
+                <a:pos x="connsiteX11" y="connsiteY11"/>
+              </a:cxn>
+              <a:cxn ang="0">
+                <a:pos x="connsiteX12" y="connsiteY12"/>
+              </a:cxn>
+            </a:cxnLst>
+            <a:rect l="l" t="t" r="r" b="b"/>
+            <a:pathLst>
+              <a:path w="1471843" h="1314537">
+                <a:moveTo>
+                  <a:pt x="1029010" y="-1130"/>
+                </a:moveTo>
+                <a:cubicBezTo>
+                  <a:pt x="1082178" y="-1130"/>
+                  <a:pt x="1131308" y="27218"/>
+                  <a:pt x="1157886" y="73276"/>
+                </a:cubicBezTo>
+                <a:lnTo>
+                  <a:pt x="1451441" y="581732"/>
+                </a:lnTo>
+                <a:cubicBezTo>
+                  <a:pt x="1478023" y="627790"/>
+                  <a:pt x="1478023" y="684487"/>
+                  <a:pt x="1451441" y="730545"/>
+                </a:cubicBezTo>
+                <a:lnTo>
+                  <a:pt x="1157886" y="1239001"/>
+                </a:lnTo>
+                <a:cubicBezTo>
+                  <a:pt x="1131308" y="1285058"/>
+                  <a:pt x="1082178" y="1313407"/>
+                  <a:pt x="1029010" y="1313407"/>
+                </a:cubicBezTo>
+                <a:lnTo>
+                  <a:pt x="441900" y="1313407"/>
+                </a:lnTo>
+                <a:cubicBezTo>
+                  <a:pt x="388733" y="1313407"/>
+                  <a:pt x="339603" y="1285058"/>
+                  <a:pt x="313025" y="1239001"/>
+                </a:cubicBezTo>
+                <a:lnTo>
+                  <a:pt x="19470" y="730545"/>
+                </a:lnTo>
+                <a:cubicBezTo>
+                  <a:pt x="-7112" y="684487"/>
+                  <a:pt x="-7112" y="627790"/>
+                  <a:pt x="19470" y="581732"/>
+                </a:cubicBezTo>
+                <a:lnTo>
+                  <a:pt x="313025" y="73276"/>
+                </a:lnTo>
+                <a:cubicBezTo>
+                  <a:pt x="339603" y="27218"/>
+                  <a:pt x="388733" y="-1130"/>
+                  <a:pt x="441900" y="-1130"/>
+                </a:cubicBezTo>
+                <a:lnTo>
+                  <a:pt x="1029010" y="-1130"/>
+                </a:lnTo>
+                <a:close/>
+              </a:path>
+            </a:pathLst>
+          </a:custGeom>
+          <a:noFill/>
+          <a:ln w="9525" cap="flat">
+            <a:solidFill>
+              <a:schemeClr val="tx2">
+                <a:lumMod val="50000"/>
+                <a:lumOff val="50000"/>
+                <a:alpha val="15000"/>
+              </a:schemeClr>
+            </a:solidFill>
+            <a:prstDash val="solid"/>
+            <a:miter/>
+          </a:ln>
+        </p:spPr>
+        <p:txBody>
+          <a:bodyPr rot="0" spcFirstLastPara="0" vertOverflow="overflow" horzOverflow="overflow" vert="horz" wrap="square" lIns="91440" tIns="45720" rIns="91440" bIns="45720" numCol="1" spcCol="0" rtlCol="0" fromWordArt="0" anchor="ctr" anchorCtr="0" forceAA="0" compatLnSpc="1">
+            <a:noAutofit/>
+          </a:bodyPr>
+          <a:p>
+            <a:endParaRPr lang="zh-CN" altLang="en-US"/>
+          </a:p>
+        </p:txBody>
+      </p:sp>
+      <p:sp>
+        <p:nvSpPr>
+          <p:cNvPr id="3" name="图形 17"/>
+          <p:cNvSpPr/>
+          <p:nvPr>
+            <p:custDataLst>
+              <p:tags r:id="rId5"/>
+            </p:custDataLst>
+          </p:nvPr>
+        </p:nvSpPr>
+        <p:spPr>
+          <a:xfrm>
+            <a:off x="7703016" y="3941802"/>
+            <a:ext cx="1193467" cy="1096956"/>
+          </a:xfrm>
+          <a:custGeom>
+            <a:avLst/>
+            <a:gdLst>
+              <a:gd name="connsiteX0" fmla="*/ 1029010 w 1471843"/>
+              <a:gd name="connsiteY0" fmla="*/ -1130 h 1314537"/>
+              <a:gd name="connsiteX1" fmla="*/ 1157886 w 1471843"/>
+              <a:gd name="connsiteY1" fmla="*/ 73276 h 1314537"/>
+              <a:gd name="connsiteX2" fmla="*/ 1451441 w 1471843"/>
+              <a:gd name="connsiteY2" fmla="*/ 581732 h 1314537"/>
+              <a:gd name="connsiteX3" fmla="*/ 1451441 w 1471843"/>
+              <a:gd name="connsiteY3" fmla="*/ 730545 h 1314537"/>
+              <a:gd name="connsiteX4" fmla="*/ 1157886 w 1471843"/>
+              <a:gd name="connsiteY4" fmla="*/ 1239001 h 1314537"/>
+              <a:gd name="connsiteX5" fmla="*/ 1029010 w 1471843"/>
+              <a:gd name="connsiteY5" fmla="*/ 1313407 h 1314537"/>
+              <a:gd name="connsiteX6" fmla="*/ 441900 w 1471843"/>
+              <a:gd name="connsiteY6" fmla="*/ 1313407 h 1314537"/>
+              <a:gd name="connsiteX7" fmla="*/ 313025 w 1471843"/>
+              <a:gd name="connsiteY7" fmla="*/ 1239001 h 1314537"/>
+              <a:gd name="connsiteX8" fmla="*/ 19470 w 1471843"/>
+              <a:gd name="connsiteY8" fmla="*/ 730545 h 1314537"/>
+              <a:gd name="connsiteX9" fmla="*/ 19470 w 1471843"/>
+              <a:gd name="connsiteY9" fmla="*/ 581732 h 1314537"/>
+              <a:gd name="connsiteX10" fmla="*/ 313025 w 1471843"/>
+              <a:gd name="connsiteY10" fmla="*/ 73276 h 1314537"/>
+              <a:gd name="connsiteX11" fmla="*/ 441900 w 1471843"/>
+              <a:gd name="connsiteY11" fmla="*/ -1130 h 1314537"/>
+              <a:gd name="connsiteX12" fmla="*/ 1029010 w 1471843"/>
+              <a:gd name="connsiteY12" fmla="*/ -1130 h 1314537"/>
+            </a:gdLst>
+            <a:ahLst/>
+            <a:cxnLst>
+              <a:cxn ang="0">
+                <a:pos x="connsiteX0" y="connsiteY0"/>
+              </a:cxn>
+              <a:cxn ang="0">
+                <a:pos x="connsiteX1" y="connsiteY1"/>
+              </a:cxn>
+              <a:cxn ang="0">
+                <a:pos x="connsiteX2" y="connsiteY2"/>
+              </a:cxn>
+              <a:cxn ang="0">
+                <a:pos x="connsiteX3" y="connsiteY3"/>
+              </a:cxn>
+              <a:cxn ang="0">
+                <a:pos x="connsiteX4" y="connsiteY4"/>
+              </a:cxn>
+              <a:cxn ang="0">
+                <a:pos x="connsiteX5" y="connsiteY5"/>
+              </a:cxn>
+              <a:cxn ang="0">
+                <a:pos x="connsiteX6" y="connsiteY6"/>
+              </a:cxn>
+              <a:cxn ang="0">
+                <a:pos x="connsiteX7" y="connsiteY7"/>
+              </a:cxn>
+              <a:cxn ang="0">
+                <a:pos x="connsiteX8" y="connsiteY8"/>
+              </a:cxn>
+              <a:cxn ang="0">
+                <a:pos x="connsiteX9" y="connsiteY9"/>
+              </a:cxn>
+              <a:cxn ang="0">
+                <a:pos x="connsiteX10" y="connsiteY10"/>
+              </a:cxn>
+              <a:cxn ang="0">
+                <a:pos x="connsiteX11" y="connsiteY11"/>
+              </a:cxn>
+              <a:cxn ang="0">
+                <a:pos x="connsiteX12" y="connsiteY12"/>
+              </a:cxn>
+            </a:cxnLst>
+            <a:rect l="l" t="t" r="r" b="b"/>
+            <a:pathLst>
+              <a:path w="1471843" h="1314537">
+                <a:moveTo>
+                  <a:pt x="1029010" y="-1130"/>
+                </a:moveTo>
+                <a:cubicBezTo>
+                  <a:pt x="1082178" y="-1130"/>
+                  <a:pt x="1131308" y="27218"/>
+                  <a:pt x="1157886" y="73276"/>
+                </a:cubicBezTo>
+                <a:lnTo>
+                  <a:pt x="1451441" y="581732"/>
+                </a:lnTo>
+                <a:cubicBezTo>
+                  <a:pt x="1478023" y="627790"/>
+                  <a:pt x="1478023" y="684487"/>
+                  <a:pt x="1451441" y="730545"/>
+                </a:cubicBezTo>
+                <a:lnTo>
+                  <a:pt x="1157886" y="1239001"/>
+                </a:lnTo>
+                <a:cubicBezTo>
+                  <a:pt x="1131308" y="1285058"/>
+                  <a:pt x="1082178" y="1313407"/>
+                  <a:pt x="1029010" y="1313407"/>
+                </a:cubicBezTo>
+                <a:lnTo>
+                  <a:pt x="441900" y="1313407"/>
+                </a:lnTo>
+                <a:cubicBezTo>
+                  <a:pt x="388733" y="1313407"/>
+                  <a:pt x="339603" y="1285058"/>
+                  <a:pt x="313025" y="1239001"/>
+                </a:cubicBezTo>
+                <a:lnTo>
+                  <a:pt x="19470" y="730545"/>
+                </a:lnTo>
+                <a:cubicBezTo>
+                  <a:pt x="-7112" y="684487"/>
+                  <a:pt x="-7112" y="627790"/>
+                  <a:pt x="19470" y="581732"/>
+                </a:cubicBezTo>
+                <a:lnTo>
+                  <a:pt x="313025" y="73276"/>
+                </a:lnTo>
+                <a:cubicBezTo>
+                  <a:pt x="339603" y="27218"/>
+                  <a:pt x="388733" y="-1130"/>
+                  <a:pt x="441900" y="-1130"/>
+                </a:cubicBezTo>
+                <a:lnTo>
+                  <a:pt x="1029010" y="-1130"/>
+                </a:lnTo>
+                <a:close/>
+              </a:path>
+            </a:pathLst>
+          </a:custGeom>
+          <a:noFill/>
+          <a:ln w="12700" cap="flat">
+            <a:solidFill>
+              <a:schemeClr val="tx2">
+                <a:lumMod val="50000"/>
+                <a:lumOff val="50000"/>
+                <a:alpha val="15000"/>
+              </a:schemeClr>
+            </a:solidFill>
+            <a:prstDash val="solid"/>
+            <a:miter/>
+          </a:ln>
+        </p:spPr>
+        <p:txBody>
+          <a:bodyPr rot="0" spcFirstLastPara="0" vertOverflow="overflow" horzOverflow="overflow" vert="horz" wrap="square" lIns="91440" tIns="45720" rIns="91440" bIns="45720" numCol="1" spcCol="0" rtlCol="0" fromWordArt="0" anchor="ctr" anchorCtr="0" forceAA="0" compatLnSpc="1">
+            <a:noAutofit/>
+          </a:bodyPr>
+          <a:p>
+            <a:endParaRPr lang="zh-CN" altLang="en-US"/>
+          </a:p>
+        </p:txBody>
+      </p:sp>
+      <p:sp>
+        <p:nvSpPr>
+          <p:cNvPr id="13" name="图形 17"/>
+          <p:cNvSpPr/>
+          <p:nvPr>
+            <p:custDataLst>
+              <p:tags r:id="rId6"/>
+            </p:custDataLst>
+          </p:nvPr>
+        </p:nvSpPr>
+        <p:spPr>
+          <a:xfrm>
+            <a:off x="2734068" y="1985795"/>
+            <a:ext cx="706741" cy="649591"/>
+          </a:xfrm>
+          <a:custGeom>
+            <a:avLst/>
+            <a:gdLst>
+              <a:gd name="connsiteX0" fmla="*/ 1029010 w 1471843"/>
+              <a:gd name="connsiteY0" fmla="*/ -1130 h 1314537"/>
+              <a:gd name="connsiteX1" fmla="*/ 1157886 w 1471843"/>
+              <a:gd name="connsiteY1" fmla="*/ 73276 h 1314537"/>
+              <a:gd name="connsiteX2" fmla="*/ 1451441 w 1471843"/>
+              <a:gd name="connsiteY2" fmla="*/ 581732 h 1314537"/>
+              <a:gd name="connsiteX3" fmla="*/ 1451441 w 1471843"/>
+              <a:gd name="connsiteY3" fmla="*/ 730545 h 1314537"/>
+              <a:gd name="connsiteX4" fmla="*/ 1157886 w 1471843"/>
+              <a:gd name="connsiteY4" fmla="*/ 1239001 h 1314537"/>
+              <a:gd name="connsiteX5" fmla="*/ 1029010 w 1471843"/>
+              <a:gd name="connsiteY5" fmla="*/ 1313407 h 1314537"/>
+              <a:gd name="connsiteX6" fmla="*/ 441900 w 1471843"/>
+              <a:gd name="connsiteY6" fmla="*/ 1313407 h 1314537"/>
+              <a:gd name="connsiteX7" fmla="*/ 313025 w 1471843"/>
+              <a:gd name="connsiteY7" fmla="*/ 1239001 h 1314537"/>
+              <a:gd name="connsiteX8" fmla="*/ 19470 w 1471843"/>
+              <a:gd name="connsiteY8" fmla="*/ 730545 h 1314537"/>
+              <a:gd name="connsiteX9" fmla="*/ 19470 w 1471843"/>
+              <a:gd name="connsiteY9" fmla="*/ 581732 h 1314537"/>
+              <a:gd name="connsiteX10" fmla="*/ 313025 w 1471843"/>
+              <a:gd name="connsiteY10" fmla="*/ 73276 h 1314537"/>
+              <a:gd name="connsiteX11" fmla="*/ 441900 w 1471843"/>
+              <a:gd name="connsiteY11" fmla="*/ -1130 h 1314537"/>
+              <a:gd name="connsiteX12" fmla="*/ 1029010 w 1471843"/>
+              <a:gd name="connsiteY12" fmla="*/ -1130 h 1314537"/>
+            </a:gdLst>
+            <a:ahLst/>
+            <a:cxnLst>
+              <a:cxn ang="0">
+                <a:pos x="connsiteX0" y="connsiteY0"/>
+              </a:cxn>
+              <a:cxn ang="0">
+                <a:pos x="connsiteX1" y="connsiteY1"/>
+              </a:cxn>
+              <a:cxn ang="0">
+                <a:pos x="connsiteX2" y="connsiteY2"/>
+              </a:cxn>
+              <a:cxn ang="0">
+                <a:pos x="connsiteX3" y="connsiteY3"/>
+              </a:cxn>
+              <a:cxn ang="0">
+                <a:pos x="connsiteX4" y="connsiteY4"/>
+              </a:cxn>
+              <a:cxn ang="0">
+                <a:pos x="connsiteX5" y="connsiteY5"/>
+              </a:cxn>
+              <a:cxn ang="0">
+                <a:pos x="connsiteX6" y="connsiteY6"/>
+              </a:cxn>
+              <a:cxn ang="0">
+                <a:pos x="connsiteX7" y="connsiteY7"/>
+              </a:cxn>
+              <a:cxn ang="0">
+                <a:pos x="connsiteX8" y="connsiteY8"/>
+              </a:cxn>
+              <a:cxn ang="0">
+                <a:pos x="connsiteX9" y="connsiteY9"/>
+              </a:cxn>
+              <a:cxn ang="0">
+                <a:pos x="connsiteX10" y="connsiteY10"/>
+              </a:cxn>
+              <a:cxn ang="0">
+                <a:pos x="connsiteX11" y="connsiteY11"/>
+              </a:cxn>
+              <a:cxn ang="0">
+                <a:pos x="connsiteX12" y="connsiteY12"/>
+              </a:cxn>
+            </a:cxnLst>
+            <a:rect l="l" t="t" r="r" b="b"/>
+            <a:pathLst>
+              <a:path w="1471843" h="1314537">
+                <a:moveTo>
+                  <a:pt x="1029010" y="-1130"/>
+                </a:moveTo>
+                <a:cubicBezTo>
+                  <a:pt x="1082178" y="-1130"/>
+                  <a:pt x="1131308" y="27218"/>
+                  <a:pt x="1157886" y="73276"/>
+                </a:cubicBezTo>
+                <a:lnTo>
+                  <a:pt x="1451441" y="581732"/>
+                </a:lnTo>
+                <a:cubicBezTo>
+                  <a:pt x="1478023" y="627790"/>
+                  <a:pt x="1478023" y="684487"/>
+                  <a:pt x="1451441" y="730545"/>
+                </a:cubicBezTo>
+                <a:lnTo>
+                  <a:pt x="1157886" y="1239001"/>
+                </a:lnTo>
+                <a:cubicBezTo>
+                  <a:pt x="1131308" y="1285058"/>
+                  <a:pt x="1082178" y="1313407"/>
+                  <a:pt x="1029010" y="1313407"/>
+                </a:cubicBezTo>
+                <a:lnTo>
+                  <a:pt x="441900" y="1313407"/>
+                </a:lnTo>
+                <a:cubicBezTo>
+                  <a:pt x="388733" y="1313407"/>
+                  <a:pt x="339603" y="1285058"/>
+                  <a:pt x="313025" y="1239001"/>
+                </a:cubicBezTo>
+                <a:lnTo>
+                  <a:pt x="19470" y="730545"/>
+                </a:lnTo>
+                <a:cubicBezTo>
+                  <a:pt x="-7112" y="684487"/>
+                  <a:pt x="-7112" y="627790"/>
+                  <a:pt x="19470" y="581732"/>
+                </a:cubicBezTo>
+                <a:lnTo>
+                  <a:pt x="313025" y="73276"/>
+                </a:lnTo>
+                <a:cubicBezTo>
+                  <a:pt x="339603" y="27218"/>
+                  <a:pt x="388733" y="-1130"/>
+                  <a:pt x="441900" y="-1130"/>
+                </a:cubicBezTo>
+                <a:lnTo>
+                  <a:pt x="1029010" y="-1130"/>
+                </a:lnTo>
+                <a:close/>
+              </a:path>
+            </a:pathLst>
+          </a:custGeom>
+          <a:noFill/>
+          <a:ln w="9525" cap="flat">
+            <a:solidFill>
+              <a:schemeClr val="tx2">
+                <a:lumMod val="50000"/>
+                <a:lumOff val="50000"/>
+                <a:alpha val="15000"/>
+              </a:schemeClr>
+            </a:solidFill>
+            <a:prstDash val="solid"/>
+            <a:miter/>
+          </a:ln>
+        </p:spPr>
+        <p:txBody>
+          <a:bodyPr rot="0" spcFirstLastPara="0" vertOverflow="overflow" horzOverflow="overflow" vert="horz" wrap="square" lIns="91440" tIns="45720" rIns="91440" bIns="45720" numCol="1" spcCol="0" rtlCol="0" fromWordArt="0" anchor="ctr" anchorCtr="0" forceAA="0" compatLnSpc="1">
+            <a:noAutofit/>
+          </a:bodyPr>
+          <a:p>
+            <a:endParaRPr lang="zh-CN" altLang="en-US"/>
+          </a:p>
+        </p:txBody>
+      </p:sp>
+      <p:sp>
+        <p:nvSpPr>
+          <p:cNvPr id="10" name="图形 17"/>
+          <p:cNvSpPr/>
+          <p:nvPr>
+            <p:custDataLst>
+              <p:tags r:id="rId7"/>
+            </p:custDataLst>
+          </p:nvPr>
+        </p:nvSpPr>
+        <p:spPr>
+          <a:xfrm>
+            <a:off x="7063849" y="1332510"/>
+            <a:ext cx="1587651" cy="1418233"/>
+          </a:xfrm>
+          <a:custGeom>
+            <a:avLst/>
+            <a:gdLst>
+              <a:gd name="connsiteX0" fmla="*/ 1029010 w 1471843"/>
+              <a:gd name="connsiteY0" fmla="*/ -1130 h 1314537"/>
+              <a:gd name="connsiteX1" fmla="*/ 1157886 w 1471843"/>
+              <a:gd name="connsiteY1" fmla="*/ 73276 h 1314537"/>
+              <a:gd name="connsiteX2" fmla="*/ 1451441 w 1471843"/>
+              <a:gd name="connsiteY2" fmla="*/ 581732 h 1314537"/>
+              <a:gd name="connsiteX3" fmla="*/ 1451441 w 1471843"/>
+              <a:gd name="connsiteY3" fmla="*/ 730545 h 1314537"/>
+              <a:gd name="connsiteX4" fmla="*/ 1157886 w 1471843"/>
+              <a:gd name="connsiteY4" fmla="*/ 1239001 h 1314537"/>
+              <a:gd name="connsiteX5" fmla="*/ 1029010 w 1471843"/>
+              <a:gd name="connsiteY5" fmla="*/ 1313407 h 1314537"/>
+              <a:gd name="connsiteX6" fmla="*/ 441900 w 1471843"/>
+              <a:gd name="connsiteY6" fmla="*/ 1313407 h 1314537"/>
+              <a:gd name="connsiteX7" fmla="*/ 313025 w 1471843"/>
+              <a:gd name="connsiteY7" fmla="*/ 1239001 h 1314537"/>
+              <a:gd name="connsiteX8" fmla="*/ 19470 w 1471843"/>
+              <a:gd name="connsiteY8" fmla="*/ 730545 h 1314537"/>
+              <a:gd name="connsiteX9" fmla="*/ 19470 w 1471843"/>
+              <a:gd name="connsiteY9" fmla="*/ 581732 h 1314537"/>
+              <a:gd name="connsiteX10" fmla="*/ 313025 w 1471843"/>
+              <a:gd name="connsiteY10" fmla="*/ 73276 h 1314537"/>
+              <a:gd name="connsiteX11" fmla="*/ 441900 w 1471843"/>
+              <a:gd name="connsiteY11" fmla="*/ -1130 h 1314537"/>
+              <a:gd name="connsiteX12" fmla="*/ 1029010 w 1471843"/>
+              <a:gd name="connsiteY12" fmla="*/ -1130 h 1314537"/>
+            </a:gdLst>
+            <a:ahLst/>
+            <a:cxnLst>
+              <a:cxn ang="0">
+                <a:pos x="connsiteX0" y="connsiteY0"/>
+              </a:cxn>
+              <a:cxn ang="0">
+                <a:pos x="connsiteX1" y="connsiteY1"/>
+              </a:cxn>
+              <a:cxn ang="0">
+                <a:pos x="connsiteX2" y="connsiteY2"/>
+              </a:cxn>
+              <a:cxn ang="0">
+                <a:pos x="connsiteX3" y="connsiteY3"/>
+              </a:cxn>
+              <a:cxn ang="0">
+                <a:pos x="connsiteX4" y="connsiteY4"/>
+              </a:cxn>
+              <a:cxn ang="0">
+                <a:pos x="connsiteX5" y="connsiteY5"/>
+              </a:cxn>
+              <a:cxn ang="0">
+                <a:pos x="connsiteX6" y="connsiteY6"/>
+              </a:cxn>
+              <a:cxn ang="0">
+                <a:pos x="connsiteX7" y="connsiteY7"/>
+              </a:cxn>
+              <a:cxn ang="0">
+                <a:pos x="connsiteX8" y="connsiteY8"/>
+              </a:cxn>
+              <a:cxn ang="0">
+                <a:pos x="connsiteX9" y="connsiteY9"/>
+              </a:cxn>
+              <a:cxn ang="0">
+                <a:pos x="connsiteX10" y="connsiteY10"/>
+              </a:cxn>
+              <a:cxn ang="0">
+                <a:pos x="connsiteX11" y="connsiteY11"/>
+              </a:cxn>
+              <a:cxn ang="0">
+                <a:pos x="connsiteX12" y="connsiteY12"/>
+              </a:cxn>
+            </a:cxnLst>
+            <a:rect l="l" t="t" r="r" b="b"/>
+            <a:pathLst>
+              <a:path w="1471843" h="1314537">
+                <a:moveTo>
+                  <a:pt x="1029010" y="-1130"/>
+                </a:moveTo>
+                <a:cubicBezTo>
+                  <a:pt x="1082178" y="-1130"/>
+                  <a:pt x="1131308" y="27218"/>
+                  <a:pt x="1157886" y="73276"/>
+                </a:cubicBezTo>
+                <a:lnTo>
+                  <a:pt x="1451441" y="581732"/>
+                </a:lnTo>
+                <a:cubicBezTo>
+                  <a:pt x="1478023" y="627790"/>
+                  <a:pt x="1478023" y="684487"/>
+                  <a:pt x="1451441" y="730545"/>
+                </a:cubicBezTo>
+                <a:lnTo>
+                  <a:pt x="1157886" y="1239001"/>
+                </a:lnTo>
+                <a:cubicBezTo>
+                  <a:pt x="1131308" y="1285058"/>
+                  <a:pt x="1082178" y="1313407"/>
+                  <a:pt x="1029010" y="1313407"/>
+                </a:cubicBezTo>
+                <a:lnTo>
+                  <a:pt x="441900" y="1313407"/>
+                </a:lnTo>
+                <a:cubicBezTo>
+                  <a:pt x="388733" y="1313407"/>
+                  <a:pt x="339603" y="1285058"/>
+                  <a:pt x="313025" y="1239001"/>
+                </a:cubicBezTo>
+                <a:lnTo>
+                  <a:pt x="19470" y="730545"/>
+                </a:lnTo>
+                <a:cubicBezTo>
+                  <a:pt x="-7112" y="684487"/>
+                  <a:pt x="-7112" y="627790"/>
+                  <a:pt x="19470" y="581732"/>
+                </a:cubicBezTo>
+                <a:lnTo>
+                  <a:pt x="313025" y="73276"/>
+                </a:lnTo>
+                <a:cubicBezTo>
+                  <a:pt x="339603" y="27218"/>
+                  <a:pt x="388733" y="-1130"/>
+                  <a:pt x="441900" y="-1130"/>
+                </a:cubicBezTo>
+                <a:lnTo>
+                  <a:pt x="1029010" y="-1130"/>
+                </a:lnTo>
+                <a:close/>
+              </a:path>
+            </a:pathLst>
+          </a:custGeom>
+          <a:noFill/>
+          <a:ln w="9525" cap="flat">
+            <a:solidFill>
+              <a:schemeClr val="tx2">
+                <a:lumMod val="50000"/>
+                <a:lumOff val="50000"/>
+                <a:alpha val="10000"/>
+              </a:schemeClr>
+            </a:solidFill>
+            <a:prstDash val="solid"/>
+            <a:miter/>
+          </a:ln>
+        </p:spPr>
+        <p:txBody>
+          <a:bodyPr rot="0" spcFirstLastPara="0" vertOverflow="overflow" horzOverflow="overflow" vert="horz" wrap="square" lIns="91440" tIns="45720" rIns="91440" bIns="45720" numCol="1" spcCol="0" rtlCol="0" fromWordArt="0" anchor="ctr" anchorCtr="0" forceAA="0" compatLnSpc="1">
+            <a:noAutofit/>
+          </a:bodyPr>
+          <a:p>
+            <a:endParaRPr lang="zh-CN" altLang="en-US"/>
+          </a:p>
+        </p:txBody>
+      </p:sp>
+      <p:sp>
+        <p:nvSpPr>
+          <p:cNvPr id="4" name="图形 17"/>
+          <p:cNvSpPr/>
+          <p:nvPr>
+            <p:custDataLst>
+              <p:tags r:id="rId8"/>
+            </p:custDataLst>
+          </p:nvPr>
+        </p:nvSpPr>
+        <p:spPr>
+          <a:xfrm>
+            <a:off x="9068627" y="5513409"/>
+            <a:ext cx="706741" cy="649591"/>
+          </a:xfrm>
+          <a:custGeom>
+            <a:avLst/>
+            <a:gdLst>
+              <a:gd name="connsiteX0" fmla="*/ 1029010 w 1471843"/>
+              <a:gd name="connsiteY0" fmla="*/ -1130 h 1314537"/>
+              <a:gd name="connsiteX1" fmla="*/ 1157886 w 1471843"/>
+              <a:gd name="connsiteY1" fmla="*/ 73276 h 1314537"/>
+              <a:gd name="connsiteX2" fmla="*/ 1451441 w 1471843"/>
+              <a:gd name="connsiteY2" fmla="*/ 581732 h 1314537"/>
+              <a:gd name="connsiteX3" fmla="*/ 1451441 w 1471843"/>
+              <a:gd name="connsiteY3" fmla="*/ 730545 h 1314537"/>
+              <a:gd name="connsiteX4" fmla="*/ 1157886 w 1471843"/>
+              <a:gd name="connsiteY4" fmla="*/ 1239001 h 1314537"/>
+              <a:gd name="connsiteX5" fmla="*/ 1029010 w 1471843"/>
+              <a:gd name="connsiteY5" fmla="*/ 1313407 h 1314537"/>
+              <a:gd name="connsiteX6" fmla="*/ 441900 w 1471843"/>
+              <a:gd name="connsiteY6" fmla="*/ 1313407 h 1314537"/>
+              <a:gd name="connsiteX7" fmla="*/ 313025 w 1471843"/>
+              <a:gd name="connsiteY7" fmla="*/ 1239001 h 1314537"/>
+              <a:gd name="connsiteX8" fmla="*/ 19470 w 1471843"/>
+              <a:gd name="connsiteY8" fmla="*/ 730545 h 1314537"/>
+              <a:gd name="connsiteX9" fmla="*/ 19470 w 1471843"/>
+              <a:gd name="connsiteY9" fmla="*/ 581732 h 1314537"/>
+              <a:gd name="connsiteX10" fmla="*/ 313025 w 1471843"/>
+              <a:gd name="connsiteY10" fmla="*/ 73276 h 1314537"/>
+              <a:gd name="connsiteX11" fmla="*/ 441900 w 1471843"/>
+              <a:gd name="connsiteY11" fmla="*/ -1130 h 1314537"/>
+              <a:gd name="connsiteX12" fmla="*/ 1029010 w 1471843"/>
+              <a:gd name="connsiteY12" fmla="*/ -1130 h 1314537"/>
+            </a:gdLst>
+            <a:ahLst/>
+            <a:cxnLst>
+              <a:cxn ang="0">
+                <a:pos x="connsiteX0" y="connsiteY0"/>
+              </a:cxn>
+              <a:cxn ang="0">
+                <a:pos x="connsiteX1" y="connsiteY1"/>
+              </a:cxn>
+              <a:cxn ang="0">
+                <a:pos x="connsiteX2" y="connsiteY2"/>
+              </a:cxn>
+              <a:cxn ang="0">
+                <a:pos x="connsiteX3" y="connsiteY3"/>
+              </a:cxn>
+              <a:cxn ang="0">
+                <a:pos x="connsiteX4" y="connsiteY4"/>
+              </a:cxn>
+              <a:cxn ang="0">
+                <a:pos x="connsiteX5" y="connsiteY5"/>
+              </a:cxn>
+              <a:cxn ang="0">
+                <a:pos x="connsiteX6" y="connsiteY6"/>
+              </a:cxn>
+              <a:cxn ang="0">
+                <a:pos x="connsiteX7" y="connsiteY7"/>
+              </a:cxn>
+              <a:cxn ang="0">
+                <a:pos x="connsiteX8" y="connsiteY8"/>
+              </a:cxn>
+              <a:cxn ang="0">
+                <a:pos x="connsiteX9" y="connsiteY9"/>
+              </a:cxn>
+              <a:cxn ang="0">
+                <a:pos x="connsiteX10" y="connsiteY10"/>
+              </a:cxn>
+              <a:cxn ang="0">
+                <a:pos x="connsiteX11" y="connsiteY11"/>
+              </a:cxn>
+              <a:cxn ang="0">
+                <a:pos x="connsiteX12" y="connsiteY12"/>
+              </a:cxn>
+            </a:cxnLst>
+            <a:rect l="l" t="t" r="r" b="b"/>
+            <a:pathLst>
+              <a:path w="1471843" h="1314537">
+                <a:moveTo>
+                  <a:pt x="1029010" y="-1130"/>
+                </a:moveTo>
+                <a:cubicBezTo>
+                  <a:pt x="1082178" y="-1130"/>
+                  <a:pt x="1131308" y="27218"/>
+                  <a:pt x="1157886" y="73276"/>
+                </a:cubicBezTo>
+                <a:lnTo>
+                  <a:pt x="1451441" y="581732"/>
+                </a:lnTo>
+                <a:cubicBezTo>
+                  <a:pt x="1478023" y="627790"/>
+                  <a:pt x="1478023" y="684487"/>
+                  <a:pt x="1451441" y="730545"/>
+                </a:cubicBezTo>
+                <a:lnTo>
+                  <a:pt x="1157886" y="1239001"/>
+                </a:lnTo>
+                <a:cubicBezTo>
+                  <a:pt x="1131308" y="1285058"/>
+                  <a:pt x="1082178" y="1313407"/>
+                  <a:pt x="1029010" y="1313407"/>
+                </a:cubicBezTo>
+                <a:lnTo>
+                  <a:pt x="441900" y="1313407"/>
+                </a:lnTo>
+                <a:cubicBezTo>
+                  <a:pt x="388733" y="1313407"/>
+                  <a:pt x="339603" y="1285058"/>
+                  <a:pt x="313025" y="1239001"/>
+                </a:cubicBezTo>
+                <a:lnTo>
+                  <a:pt x="19470" y="730545"/>
+                </a:lnTo>
+                <a:cubicBezTo>
+                  <a:pt x="-7112" y="684487"/>
+                  <a:pt x="-7112" y="627790"/>
+                  <a:pt x="19470" y="581732"/>
+                </a:cubicBezTo>
+                <a:lnTo>
+                  <a:pt x="313025" y="73276"/>
+                </a:lnTo>
+                <a:cubicBezTo>
+                  <a:pt x="339603" y="27218"/>
+                  <a:pt x="388733" y="-1130"/>
+                  <a:pt x="441900" y="-1130"/>
+                </a:cubicBezTo>
+                <a:lnTo>
+                  <a:pt x="1029010" y="-1130"/>
+                </a:lnTo>
+                <a:close/>
+              </a:path>
+            </a:pathLst>
+          </a:custGeom>
+          <a:noFill/>
+          <a:ln w="9525" cap="flat">
+            <a:solidFill>
+              <a:schemeClr val="tx2">
+                <a:lumMod val="50000"/>
+                <a:lumOff val="50000"/>
+                <a:alpha val="15000"/>
+              </a:schemeClr>
+            </a:solidFill>
+            <a:prstDash val="solid"/>
+            <a:miter/>
+          </a:ln>
+        </p:spPr>
+        <p:txBody>
+          <a:bodyPr rot="0" spcFirstLastPara="0" vertOverflow="overflow" horzOverflow="overflow" vert="horz" wrap="square" lIns="91440" tIns="45720" rIns="91440" bIns="45720" numCol="1" spcCol="0" rtlCol="0" fromWordArt="0" anchor="ctr" anchorCtr="0" forceAA="0" compatLnSpc="1">
+            <a:noAutofit/>
+          </a:bodyPr>
+          <a:p>
+            <a:endParaRPr lang="zh-CN" altLang="en-US"/>
+          </a:p>
+        </p:txBody>
+      </p:sp>
+      <p:sp>
+        <p:nvSpPr>
+          <p:cNvPr id="5" name="图形 17"/>
+          <p:cNvSpPr/>
+          <p:nvPr>
+            <p:custDataLst>
+              <p:tags r:id="rId9"/>
+            </p:custDataLst>
+          </p:nvPr>
+        </p:nvSpPr>
+        <p:spPr>
+          <a:xfrm>
+            <a:off x="5722624" y="1800334"/>
+            <a:ext cx="1196834" cy="1083247"/>
+          </a:xfrm>
+          <a:custGeom>
+            <a:avLst/>
+            <a:gdLst>
+              <a:gd name="connsiteX0" fmla="*/ 1029010 w 1471843"/>
+              <a:gd name="connsiteY0" fmla="*/ -1130 h 1314537"/>
+              <a:gd name="connsiteX1" fmla="*/ 1157886 w 1471843"/>
+              <a:gd name="connsiteY1" fmla="*/ 73276 h 1314537"/>
+              <a:gd name="connsiteX2" fmla="*/ 1451441 w 1471843"/>
+              <a:gd name="connsiteY2" fmla="*/ 581732 h 1314537"/>
+              <a:gd name="connsiteX3" fmla="*/ 1451441 w 1471843"/>
+              <a:gd name="connsiteY3" fmla="*/ 730545 h 1314537"/>
+              <a:gd name="connsiteX4" fmla="*/ 1157886 w 1471843"/>
+              <a:gd name="connsiteY4" fmla="*/ 1239001 h 1314537"/>
+              <a:gd name="connsiteX5" fmla="*/ 1029010 w 1471843"/>
+              <a:gd name="connsiteY5" fmla="*/ 1313407 h 1314537"/>
+              <a:gd name="connsiteX6" fmla="*/ 441900 w 1471843"/>
+              <a:gd name="connsiteY6" fmla="*/ 1313407 h 1314537"/>
+              <a:gd name="connsiteX7" fmla="*/ 313025 w 1471843"/>
+              <a:gd name="connsiteY7" fmla="*/ 1239001 h 1314537"/>
+              <a:gd name="connsiteX8" fmla="*/ 19470 w 1471843"/>
+              <a:gd name="connsiteY8" fmla="*/ 730545 h 1314537"/>
+              <a:gd name="connsiteX9" fmla="*/ 19470 w 1471843"/>
+              <a:gd name="connsiteY9" fmla="*/ 581732 h 1314537"/>
+              <a:gd name="connsiteX10" fmla="*/ 313025 w 1471843"/>
+              <a:gd name="connsiteY10" fmla="*/ 73276 h 1314537"/>
+              <a:gd name="connsiteX11" fmla="*/ 441900 w 1471843"/>
+              <a:gd name="connsiteY11" fmla="*/ -1130 h 1314537"/>
+              <a:gd name="connsiteX12" fmla="*/ 1029010 w 1471843"/>
+              <a:gd name="connsiteY12" fmla="*/ -1130 h 1314537"/>
+            </a:gdLst>
+            <a:ahLst/>
+            <a:cxnLst>
+              <a:cxn ang="0">
+                <a:pos x="connsiteX0" y="connsiteY0"/>
+              </a:cxn>
+              <a:cxn ang="0">
+                <a:pos x="connsiteX1" y="connsiteY1"/>
+              </a:cxn>
+              <a:cxn ang="0">
+                <a:pos x="connsiteX2" y="connsiteY2"/>
+              </a:cxn>
+              <a:cxn ang="0">
+                <a:pos x="connsiteX3" y="connsiteY3"/>
+              </a:cxn>
+              <a:cxn ang="0">
+                <a:pos x="connsiteX4" y="connsiteY4"/>
+              </a:cxn>
+              <a:cxn ang="0">
+                <a:pos x="connsiteX5" y="connsiteY5"/>
+              </a:cxn>
+              <a:cxn ang="0">
+                <a:pos x="connsiteX6" y="connsiteY6"/>
+              </a:cxn>
+              <a:cxn ang="0">
+                <a:pos x="connsiteX7" y="connsiteY7"/>
+              </a:cxn>
+              <a:cxn ang="0">
+                <a:pos x="connsiteX8" y="connsiteY8"/>
+              </a:cxn>
+              <a:cxn ang="0">
+                <a:pos x="connsiteX9" y="connsiteY9"/>
+              </a:cxn>
+              <a:cxn ang="0">
+                <a:pos x="connsiteX10" y="connsiteY10"/>
+              </a:cxn>
+              <a:cxn ang="0">
+                <a:pos x="connsiteX11" y="connsiteY11"/>
+              </a:cxn>
+              <a:cxn ang="0">
+                <a:pos x="connsiteX12" y="connsiteY12"/>
+              </a:cxn>
+            </a:cxnLst>
+            <a:rect l="l" t="t" r="r" b="b"/>
+            <a:pathLst>
+              <a:path w="1471843" h="1314537">
+                <a:moveTo>
+                  <a:pt x="1029010" y="-1130"/>
+                </a:moveTo>
+                <a:cubicBezTo>
+                  <a:pt x="1082178" y="-1130"/>
+                  <a:pt x="1131308" y="27218"/>
+                  <a:pt x="1157886" y="73276"/>
+                </a:cubicBezTo>
+                <a:lnTo>
+                  <a:pt x="1451441" y="581732"/>
+                </a:lnTo>
+                <a:cubicBezTo>
+                  <a:pt x="1478023" y="627790"/>
+                  <a:pt x="1478023" y="684487"/>
+                  <a:pt x="1451441" y="730545"/>
+                </a:cubicBezTo>
+                <a:lnTo>
+                  <a:pt x="1157886" y="1239001"/>
+                </a:lnTo>
+                <a:cubicBezTo>
+                  <a:pt x="1131308" y="1285058"/>
+                  <a:pt x="1082178" y="1313407"/>
+                  <a:pt x="1029010" y="1313407"/>
+                </a:cubicBezTo>
+                <a:lnTo>
+                  <a:pt x="441900" y="1313407"/>
+                </a:lnTo>
+                <a:cubicBezTo>
+                  <a:pt x="388733" y="1313407"/>
+                  <a:pt x="339603" y="1285058"/>
+                  <a:pt x="313025" y="1239001"/>
+                </a:cubicBezTo>
+                <a:lnTo>
+                  <a:pt x="19470" y="730545"/>
+                </a:lnTo>
+                <a:cubicBezTo>
+                  <a:pt x="-7112" y="684487"/>
+                  <a:pt x="-7112" y="627790"/>
+                  <a:pt x="19470" y="581732"/>
+                </a:cubicBezTo>
+                <a:lnTo>
+                  <a:pt x="313025" y="73276"/>
+                </a:lnTo>
+                <a:cubicBezTo>
+                  <a:pt x="339603" y="27218"/>
+                  <a:pt x="388733" y="-1130"/>
+                  <a:pt x="441900" y="-1130"/>
+                </a:cubicBezTo>
+                <a:lnTo>
+                  <a:pt x="1029010" y="-1130"/>
+                </a:lnTo>
+                <a:close/>
+              </a:path>
+            </a:pathLst>
+          </a:custGeom>
+          <a:noFill/>
+          <a:ln w="12700" cap="flat">
+            <a:solidFill>
+              <a:schemeClr val="tx2">
+                <a:lumMod val="50000"/>
+                <a:lumOff val="50000"/>
+                <a:alpha val="15000"/>
+              </a:schemeClr>
+            </a:solidFill>
+            <a:prstDash val="solid"/>
+            <a:miter/>
+          </a:ln>
+        </p:spPr>
+        <p:txBody>
+          <a:bodyPr rot="0" spcFirstLastPara="0" vertOverflow="overflow" horzOverflow="overflow" vert="horz" wrap="square" lIns="91440" tIns="45720" rIns="91440" bIns="45720" numCol="1" spcCol="0" rtlCol="0" fromWordArt="0" anchor="ctr" anchorCtr="0" forceAA="0" compatLnSpc="1">
+            <a:noAutofit/>
+          </a:bodyPr>
+          <a:p>
+            <a:pPr lvl="0" algn="l">
+              <a:buClrTx/>
+              <a:buSzTx/>
+              <a:buFontTx/>
+            </a:pPr>
+            <a:endParaRPr lang="zh-CN" altLang="en-US">
+              <a:sym typeface="+mn-ea"/>
+            </a:endParaRPr>
+          </a:p>
+        </p:txBody>
+      </p:sp>
+      <p:sp>
+        <p:nvSpPr>
+          <p:cNvPr id="6" name="图形 9"/>
+          <p:cNvSpPr/>
+          <p:nvPr>
+            <p:custDataLst>
+              <p:tags r:id="rId10"/>
+            </p:custDataLst>
+          </p:nvPr>
+        </p:nvSpPr>
+        <p:spPr>
+          <a:xfrm>
+            <a:off x="320505" y="2204627"/>
+            <a:ext cx="1086463" cy="970344"/>
+          </a:xfrm>
+          <a:custGeom>
+            <a:avLst/>
+            <a:gdLst>
+              <a:gd name="connsiteX0" fmla="*/ 958463 w 1370981"/>
+              <a:gd name="connsiteY0" fmla="*/ -1130 h 1224453"/>
+              <a:gd name="connsiteX1" fmla="*/ 1078507 w 1370981"/>
+              <a:gd name="connsiteY1" fmla="*/ 68177 h 1224453"/>
+              <a:gd name="connsiteX2" fmla="*/ 1351945 w 1370981"/>
+              <a:gd name="connsiteY2" fmla="*/ 541789 h 1224453"/>
+              <a:gd name="connsiteX3" fmla="*/ 1351945 w 1370981"/>
+              <a:gd name="connsiteY3" fmla="*/ 680404 h 1224453"/>
+              <a:gd name="connsiteX4" fmla="*/ 1078507 w 1370981"/>
+              <a:gd name="connsiteY4" fmla="*/ 1154016 h 1224453"/>
+              <a:gd name="connsiteX5" fmla="*/ 958463 w 1370981"/>
+              <a:gd name="connsiteY5" fmla="*/ 1223323 h 1224453"/>
+              <a:gd name="connsiteX6" fmla="*/ 411586 w 1370981"/>
+              <a:gd name="connsiteY6" fmla="*/ 1223323 h 1224453"/>
+              <a:gd name="connsiteX7" fmla="*/ 291542 w 1370981"/>
+              <a:gd name="connsiteY7" fmla="*/ 1154016 h 1224453"/>
+              <a:gd name="connsiteX8" fmla="*/ 18104 w 1370981"/>
+              <a:gd name="connsiteY8" fmla="*/ 680404 h 1224453"/>
+              <a:gd name="connsiteX9" fmla="*/ 18104 w 1370981"/>
+              <a:gd name="connsiteY9" fmla="*/ 541789 h 1224453"/>
+              <a:gd name="connsiteX10" fmla="*/ 291542 w 1370981"/>
+              <a:gd name="connsiteY10" fmla="*/ 68177 h 1224453"/>
+              <a:gd name="connsiteX11" fmla="*/ 411586 w 1370981"/>
+              <a:gd name="connsiteY11" fmla="*/ -1130 h 1224453"/>
+              <a:gd name="connsiteX12" fmla="*/ 958463 w 1370981"/>
+              <a:gd name="connsiteY12" fmla="*/ -1130 h 1224453"/>
+            </a:gdLst>
+            <a:ahLst/>
+            <a:cxnLst>
+              <a:cxn ang="0">
+                <a:pos x="connsiteX0" y="connsiteY0"/>
+              </a:cxn>
+              <a:cxn ang="0">
+                <a:pos x="connsiteX1" y="connsiteY1"/>
+              </a:cxn>
+              <a:cxn ang="0">
+                <a:pos x="connsiteX2" y="connsiteY2"/>
+              </a:cxn>
+              <a:cxn ang="0">
+                <a:pos x="connsiteX3" y="connsiteY3"/>
+              </a:cxn>
+              <a:cxn ang="0">
+                <a:pos x="connsiteX4" y="connsiteY4"/>
+              </a:cxn>
+              <a:cxn ang="0">
+                <a:pos x="connsiteX5" y="connsiteY5"/>
+              </a:cxn>
+              <a:cxn ang="0">
+                <a:pos x="connsiteX6" y="connsiteY6"/>
+              </a:cxn>
+              <a:cxn ang="0">
+                <a:pos x="connsiteX7" y="connsiteY7"/>
+              </a:cxn>
+              <a:cxn ang="0">
+                <a:pos x="connsiteX8" y="connsiteY8"/>
+              </a:cxn>
+              <a:cxn ang="0">
+                <a:pos x="connsiteX9" y="connsiteY9"/>
+              </a:cxn>
+              <a:cxn ang="0">
+                <a:pos x="connsiteX10" y="connsiteY10"/>
+              </a:cxn>
+              <a:cxn ang="0">
+                <a:pos x="connsiteX11" y="connsiteY11"/>
+              </a:cxn>
+              <a:cxn ang="0">
+                <a:pos x="connsiteX12" y="connsiteY12"/>
+              </a:cxn>
+            </a:cxnLst>
+            <a:rect l="l" t="t" r="r" b="b"/>
+            <a:pathLst>
+              <a:path w="1370981" h="1224453">
+                <a:moveTo>
+                  <a:pt x="958463" y="-1130"/>
+                </a:moveTo>
+                <a:cubicBezTo>
+                  <a:pt x="1007986" y="-1130"/>
+                  <a:pt x="1053750" y="25276"/>
+                  <a:pt x="1078507" y="68177"/>
+                </a:cubicBezTo>
+                <a:lnTo>
+                  <a:pt x="1351945" y="541789"/>
+                </a:lnTo>
+                <a:cubicBezTo>
+                  <a:pt x="1376705" y="584690"/>
+                  <a:pt x="1376705" y="637503"/>
+                  <a:pt x="1351945" y="680404"/>
+                </a:cubicBezTo>
+                <a:lnTo>
+                  <a:pt x="1078507" y="1154016"/>
+                </a:lnTo>
+                <a:cubicBezTo>
+                  <a:pt x="1053750" y="1196917"/>
+                  <a:pt x="1007986" y="1223323"/>
+                  <a:pt x="958463" y="1223323"/>
+                </a:cubicBezTo>
+                <a:lnTo>
+                  <a:pt x="411586" y="1223323"/>
+                </a:lnTo>
+                <a:cubicBezTo>
+                  <a:pt x="362062" y="1223323"/>
+                  <a:pt x="316299" y="1196917"/>
+                  <a:pt x="291542" y="1154016"/>
+                </a:cubicBezTo>
+                <a:lnTo>
+                  <a:pt x="18104" y="680404"/>
+                </a:lnTo>
+                <a:cubicBezTo>
+                  <a:pt x="-6656" y="637503"/>
+                  <a:pt x="-6656" y="584690"/>
+                  <a:pt x="18104" y="541789"/>
+                </a:cubicBezTo>
+                <a:lnTo>
+                  <a:pt x="291542" y="68177"/>
+                </a:lnTo>
+                <a:cubicBezTo>
+                  <a:pt x="316299" y="25276"/>
+                  <a:pt x="362062" y="-1130"/>
+                  <a:pt x="411586" y="-1130"/>
+                </a:cubicBezTo>
+                <a:lnTo>
+                  <a:pt x="958463" y="-1130"/>
+                </a:lnTo>
+                <a:close/>
+              </a:path>
+            </a:pathLst>
+          </a:custGeom>
+          <a:noFill/>
+          <a:ln w="9525" cap="flat">
+            <a:solidFill>
+              <a:schemeClr val="tx2">
+                <a:lumMod val="50000"/>
+                <a:lumOff val="50000"/>
+                <a:alpha val="10000"/>
+              </a:schemeClr>
+            </a:solidFill>
+            <a:prstDash val="solid"/>
+            <a:miter/>
+          </a:ln>
+        </p:spPr>
+        <p:txBody>
+          <a:bodyPr rtlCol="0" anchor="ctr">
+            <a:noAutofit/>
+          </a:bodyPr>
+          <a:p>
+            <a:endParaRPr lang="zh-CN" altLang="en-US"/>
+          </a:p>
+        </p:txBody>
+      </p:sp>
+      <p:sp>
+        <p:nvSpPr>
+          <p:cNvPr id="7" name="图形 14"/>
+          <p:cNvSpPr/>
+          <p:nvPr>
+            <p:custDataLst>
+              <p:tags r:id="rId11"/>
+            </p:custDataLst>
+          </p:nvPr>
+        </p:nvSpPr>
+        <p:spPr>
+          <a:xfrm>
+            <a:off x="891649" y="1800334"/>
+            <a:ext cx="1716999" cy="1544816"/>
+          </a:xfrm>
+          <a:custGeom>
+            <a:avLst/>
+            <a:gdLst>
+              <a:gd name="connsiteX0" fmla="*/ 1407114 w 2012417"/>
+              <a:gd name="connsiteY0" fmla="*/ -1130 h 1797334"/>
+              <a:gd name="connsiteX1" fmla="*/ 1583322 w 2012417"/>
+              <a:gd name="connsiteY1" fmla="*/ 100604 h 1797334"/>
+              <a:gd name="connsiteX2" fmla="*/ 1984693 w 2012417"/>
+              <a:gd name="connsiteY2" fmla="*/ 795803 h 1797334"/>
+              <a:gd name="connsiteX3" fmla="*/ 1984693 w 2012417"/>
+              <a:gd name="connsiteY3" fmla="*/ 999271 h 1797334"/>
+              <a:gd name="connsiteX4" fmla="*/ 1583322 w 2012417"/>
+              <a:gd name="connsiteY4" fmla="*/ 1694471 h 1797334"/>
+              <a:gd name="connsiteX5" fmla="*/ 1407114 w 2012417"/>
+              <a:gd name="connsiteY5" fmla="*/ 1796205 h 1797334"/>
+              <a:gd name="connsiteX6" fmla="*/ 604372 w 2012417"/>
+              <a:gd name="connsiteY6" fmla="*/ 1796205 h 1797334"/>
+              <a:gd name="connsiteX7" fmla="*/ 428163 w 2012417"/>
+              <a:gd name="connsiteY7" fmla="*/ 1694471 h 1797334"/>
+              <a:gd name="connsiteX8" fmla="*/ 26792 w 2012417"/>
+              <a:gd name="connsiteY8" fmla="*/ 999271 h 1797334"/>
+              <a:gd name="connsiteX9" fmla="*/ 26792 w 2012417"/>
+              <a:gd name="connsiteY9" fmla="*/ 795803 h 1797334"/>
+              <a:gd name="connsiteX10" fmla="*/ 428163 w 2012417"/>
+              <a:gd name="connsiteY10" fmla="*/ 100604 h 1797334"/>
+              <a:gd name="connsiteX11" fmla="*/ 604372 w 2012417"/>
+              <a:gd name="connsiteY11" fmla="*/ -1130 h 1797334"/>
+              <a:gd name="connsiteX12" fmla="*/ 1407114 w 2012417"/>
+              <a:gd name="connsiteY12" fmla="*/ -1130 h 1797334"/>
+            </a:gdLst>
+            <a:ahLst/>
+            <a:cxnLst>
+              <a:cxn ang="0">
+                <a:pos x="connsiteX0" y="connsiteY0"/>
+              </a:cxn>
+              <a:cxn ang="0">
+                <a:pos x="connsiteX1" y="connsiteY1"/>
+              </a:cxn>
+              <a:cxn ang="0">
+                <a:pos x="connsiteX2" y="connsiteY2"/>
+              </a:cxn>
+              <a:cxn ang="0">
+                <a:pos x="connsiteX3" y="connsiteY3"/>
+              </a:cxn>
+              <a:cxn ang="0">
+                <a:pos x="connsiteX4" y="connsiteY4"/>
+              </a:cxn>
+              <a:cxn ang="0">
+                <a:pos x="connsiteX5" y="connsiteY5"/>
+              </a:cxn>
+              <a:cxn ang="0">
+                <a:pos x="connsiteX6" y="connsiteY6"/>
+              </a:cxn>
+              <a:cxn ang="0">
+                <a:pos x="connsiteX7" y="connsiteY7"/>
+              </a:cxn>
+              <a:cxn ang="0">
+                <a:pos x="connsiteX8" y="connsiteY8"/>
+              </a:cxn>
+              <a:cxn ang="0">
+                <a:pos x="connsiteX9" y="connsiteY9"/>
+              </a:cxn>
+              <a:cxn ang="0">
+                <a:pos x="connsiteX10" y="connsiteY10"/>
+              </a:cxn>
+              <a:cxn ang="0">
+                <a:pos x="connsiteX11" y="connsiteY11"/>
+              </a:cxn>
+              <a:cxn ang="0">
+                <a:pos x="connsiteX12" y="connsiteY12"/>
+              </a:cxn>
+            </a:cxnLst>
+            <a:rect l="l" t="t" r="r" b="b"/>
+            <a:pathLst>
+              <a:path w="2012417" h="1797334">
+                <a:moveTo>
+                  <a:pt x="1407114" y="-1130"/>
+                </a:moveTo>
+                <a:cubicBezTo>
+                  <a:pt x="1479808" y="-1130"/>
+                  <a:pt x="1546983" y="37630"/>
+                  <a:pt x="1583322" y="100604"/>
+                </a:cubicBezTo>
+                <a:lnTo>
+                  <a:pt x="1984693" y="795803"/>
+                </a:lnTo>
+                <a:cubicBezTo>
+                  <a:pt x="2021038" y="858777"/>
+                  <a:pt x="2021038" y="936298"/>
+                  <a:pt x="1984693" y="999271"/>
+                </a:cubicBezTo>
+                <a:lnTo>
+                  <a:pt x="1583322" y="1694471"/>
+                </a:lnTo>
+                <a:cubicBezTo>
+                  <a:pt x="1546983" y="1757444"/>
+                  <a:pt x="1479808" y="1796205"/>
+                  <a:pt x="1407114" y="1796205"/>
+                </a:cubicBezTo>
+                <a:lnTo>
+                  <a:pt x="604372" y="1796205"/>
+                </a:lnTo>
+                <a:cubicBezTo>
+                  <a:pt x="531677" y="1796205"/>
+                  <a:pt x="464503" y="1757444"/>
+                  <a:pt x="428163" y="1694471"/>
+                </a:cubicBezTo>
+                <a:lnTo>
+                  <a:pt x="26792" y="999271"/>
+                </a:lnTo>
+                <a:cubicBezTo>
+                  <a:pt x="-9552" y="936298"/>
+                  <a:pt x="-9552" y="858777"/>
+                  <a:pt x="26792" y="795803"/>
+                </a:cubicBezTo>
+                <a:lnTo>
+                  <a:pt x="428163" y="100604"/>
+                </a:lnTo>
+                <a:cubicBezTo>
+                  <a:pt x="464503" y="37630"/>
+                  <a:pt x="531677" y="-1130"/>
+                  <a:pt x="604372" y="-1130"/>
+                </a:cubicBezTo>
+                <a:lnTo>
+                  <a:pt x="1407114" y="-1130"/>
+                </a:lnTo>
+                <a:close/>
+              </a:path>
+            </a:pathLst>
+          </a:custGeom>
+          <a:noFill/>
+          <a:ln w="12700" cap="flat">
+            <a:solidFill>
+              <a:schemeClr val="tx2">
+                <a:lumMod val="50000"/>
+                <a:lumOff val="50000"/>
+                <a:alpha val="15000"/>
+              </a:schemeClr>
+            </a:solidFill>
+            <a:prstDash val="solid"/>
+            <a:miter/>
+          </a:ln>
+        </p:spPr>
+        <p:txBody>
+          <a:bodyPr rot="0" spcFirstLastPara="0" vertOverflow="overflow" horzOverflow="overflow" vert="horz" wrap="square" lIns="91440" tIns="45720" rIns="91440" bIns="45720" numCol="1" spcCol="0" rtlCol="0" fromWordArt="0" anchor="ctr" anchorCtr="0" forceAA="0" compatLnSpc="1">
+            <a:noAutofit/>
+          </a:bodyPr>
+          <a:p>
+            <a:endParaRPr lang="zh-CN" altLang="en-US"/>
+          </a:p>
+        </p:txBody>
+      </p:sp>
+      <p:sp>
+        <p:nvSpPr>
+          <p:cNvPr id="8" name="图形 17"/>
+          <p:cNvSpPr/>
+          <p:nvPr>
+            <p:custDataLst>
+              <p:tags r:id="rId12"/>
+            </p:custDataLst>
+          </p:nvPr>
+        </p:nvSpPr>
+        <p:spPr>
+          <a:xfrm>
+            <a:off x="800522" y="5035317"/>
+            <a:ext cx="1229563" cy="1098007"/>
+          </a:xfrm>
+          <a:custGeom>
+            <a:avLst/>
+            <a:gdLst>
+              <a:gd name="connsiteX0" fmla="*/ 1029010 w 1471843"/>
+              <a:gd name="connsiteY0" fmla="*/ -1130 h 1314537"/>
+              <a:gd name="connsiteX1" fmla="*/ 1157886 w 1471843"/>
+              <a:gd name="connsiteY1" fmla="*/ 73276 h 1314537"/>
+              <a:gd name="connsiteX2" fmla="*/ 1451441 w 1471843"/>
+              <a:gd name="connsiteY2" fmla="*/ 581732 h 1314537"/>
+              <a:gd name="connsiteX3" fmla="*/ 1451441 w 1471843"/>
+              <a:gd name="connsiteY3" fmla="*/ 730545 h 1314537"/>
+              <a:gd name="connsiteX4" fmla="*/ 1157886 w 1471843"/>
+              <a:gd name="connsiteY4" fmla="*/ 1239001 h 1314537"/>
+              <a:gd name="connsiteX5" fmla="*/ 1029010 w 1471843"/>
+              <a:gd name="connsiteY5" fmla="*/ 1313407 h 1314537"/>
+              <a:gd name="connsiteX6" fmla="*/ 441900 w 1471843"/>
+              <a:gd name="connsiteY6" fmla="*/ 1313407 h 1314537"/>
+              <a:gd name="connsiteX7" fmla="*/ 313025 w 1471843"/>
+              <a:gd name="connsiteY7" fmla="*/ 1239001 h 1314537"/>
+              <a:gd name="connsiteX8" fmla="*/ 19470 w 1471843"/>
+              <a:gd name="connsiteY8" fmla="*/ 730545 h 1314537"/>
+              <a:gd name="connsiteX9" fmla="*/ 19470 w 1471843"/>
+              <a:gd name="connsiteY9" fmla="*/ 581732 h 1314537"/>
+              <a:gd name="connsiteX10" fmla="*/ 313025 w 1471843"/>
+              <a:gd name="connsiteY10" fmla="*/ 73276 h 1314537"/>
+              <a:gd name="connsiteX11" fmla="*/ 441900 w 1471843"/>
+              <a:gd name="connsiteY11" fmla="*/ -1130 h 1314537"/>
+              <a:gd name="connsiteX12" fmla="*/ 1029010 w 1471843"/>
+              <a:gd name="connsiteY12" fmla="*/ -1130 h 1314537"/>
+            </a:gdLst>
+            <a:ahLst/>
+            <a:cxnLst>
+              <a:cxn ang="0">
+                <a:pos x="connsiteX0" y="connsiteY0"/>
+              </a:cxn>
+              <a:cxn ang="0">
+                <a:pos x="connsiteX1" y="connsiteY1"/>
+              </a:cxn>
+              <a:cxn ang="0">
+                <a:pos x="connsiteX2" y="connsiteY2"/>
+              </a:cxn>
+              <a:cxn ang="0">
+                <a:pos x="connsiteX3" y="connsiteY3"/>
+              </a:cxn>
+              <a:cxn ang="0">
+                <a:pos x="connsiteX4" y="connsiteY4"/>
+              </a:cxn>
+              <a:cxn ang="0">
+                <a:pos x="connsiteX5" y="connsiteY5"/>
+              </a:cxn>
+              <a:cxn ang="0">
+                <a:pos x="connsiteX6" y="connsiteY6"/>
+              </a:cxn>
+              <a:cxn ang="0">
+                <a:pos x="connsiteX7" y="connsiteY7"/>
+              </a:cxn>
+              <a:cxn ang="0">
+                <a:pos x="connsiteX8" y="connsiteY8"/>
+              </a:cxn>
+              <a:cxn ang="0">
+                <a:pos x="connsiteX9" y="connsiteY9"/>
+              </a:cxn>
+              <a:cxn ang="0">
+                <a:pos x="connsiteX10" y="connsiteY10"/>
+              </a:cxn>
+              <a:cxn ang="0">
+                <a:pos x="connsiteX11" y="connsiteY11"/>
+              </a:cxn>
+              <a:cxn ang="0">
+                <a:pos x="connsiteX12" y="connsiteY12"/>
+              </a:cxn>
+            </a:cxnLst>
+            <a:rect l="l" t="t" r="r" b="b"/>
+            <a:pathLst>
+              <a:path w="1471843" h="1314537">
+                <a:moveTo>
+                  <a:pt x="1029010" y="-1130"/>
+                </a:moveTo>
+                <a:cubicBezTo>
+                  <a:pt x="1082178" y="-1130"/>
+                  <a:pt x="1131308" y="27218"/>
+                  <a:pt x="1157886" y="73276"/>
+                </a:cubicBezTo>
+                <a:lnTo>
+                  <a:pt x="1451441" y="581732"/>
+                </a:lnTo>
+                <a:cubicBezTo>
+                  <a:pt x="1478023" y="627790"/>
+                  <a:pt x="1478023" y="684487"/>
+                  <a:pt x="1451441" y="730545"/>
+                </a:cubicBezTo>
+                <a:lnTo>
+                  <a:pt x="1157886" y="1239001"/>
+                </a:lnTo>
+                <a:cubicBezTo>
+                  <a:pt x="1131308" y="1285058"/>
+                  <a:pt x="1082178" y="1313407"/>
+                  <a:pt x="1029010" y="1313407"/>
+                </a:cubicBezTo>
+                <a:lnTo>
+                  <a:pt x="441900" y="1313407"/>
+                </a:lnTo>
+                <a:cubicBezTo>
+                  <a:pt x="388733" y="1313407"/>
+                  <a:pt x="339603" y="1285058"/>
+                  <a:pt x="313025" y="1239001"/>
+                </a:cubicBezTo>
+                <a:lnTo>
+                  <a:pt x="19470" y="730545"/>
+                </a:lnTo>
+                <a:cubicBezTo>
+                  <a:pt x="-7112" y="684487"/>
+                  <a:pt x="-7112" y="627790"/>
+                  <a:pt x="19470" y="581732"/>
+                </a:cubicBezTo>
+                <a:lnTo>
+                  <a:pt x="313025" y="73276"/>
+                </a:lnTo>
+                <a:cubicBezTo>
+                  <a:pt x="339603" y="27218"/>
+                  <a:pt x="388733" y="-1130"/>
+                  <a:pt x="441900" y="-1130"/>
+                </a:cubicBezTo>
+                <a:lnTo>
+                  <a:pt x="1029010" y="-1130"/>
+                </a:lnTo>
+                <a:close/>
+              </a:path>
+            </a:pathLst>
+          </a:custGeom>
+          <a:noFill/>
+          <a:ln w="9525" cap="flat">
+            <a:solidFill>
+              <a:schemeClr val="tx2">
+                <a:lumMod val="50000"/>
+                <a:lumOff val="50000"/>
+                <a:alpha val="10000"/>
+              </a:schemeClr>
+            </a:solidFill>
+            <a:prstDash val="solid"/>
+            <a:miter/>
+          </a:ln>
+        </p:spPr>
+        <p:txBody>
+          <a:bodyPr rot="0" spcFirstLastPara="0" vertOverflow="overflow" horzOverflow="overflow" vert="horz" wrap="square" lIns="91440" tIns="45720" rIns="91440" bIns="45720" numCol="1" spcCol="0" rtlCol="0" fromWordArt="0" anchor="ctr" anchorCtr="0" forceAA="0" compatLnSpc="1">
+            <a:noAutofit/>
+          </a:bodyPr>
+          <a:p>
+            <a:endParaRPr lang="zh-CN" altLang="en-US"/>
+          </a:p>
+        </p:txBody>
+      </p:sp>
+      <p:sp>
+        <p:nvSpPr>
+          <p:cNvPr id="9" name="图形 17"/>
+          <p:cNvSpPr>
+            <a:spLocks noChangeAspect="1"/>
+          </p:cNvSpPr>
+          <p:nvPr>
+            <p:custDataLst>
+              <p:tags r:id="rId13"/>
+            </p:custDataLst>
+          </p:nvPr>
+        </p:nvSpPr>
+        <p:spPr>
+          <a:xfrm>
+            <a:off x="6196866" y="2694270"/>
+            <a:ext cx="3500237" cy="3201597"/>
+          </a:xfrm>
+          <a:custGeom>
+            <a:avLst/>
+            <a:gdLst>
+              <a:gd name="connsiteX0" fmla="*/ 1029010 w 1471843"/>
+              <a:gd name="connsiteY0" fmla="*/ -1130 h 1314537"/>
+              <a:gd name="connsiteX1" fmla="*/ 1157886 w 1471843"/>
+              <a:gd name="connsiteY1" fmla="*/ 73276 h 1314537"/>
+              <a:gd name="connsiteX2" fmla="*/ 1451441 w 1471843"/>
+              <a:gd name="connsiteY2" fmla="*/ 581732 h 1314537"/>
+              <a:gd name="connsiteX3" fmla="*/ 1451441 w 1471843"/>
+              <a:gd name="connsiteY3" fmla="*/ 730545 h 1314537"/>
+              <a:gd name="connsiteX4" fmla="*/ 1157886 w 1471843"/>
+              <a:gd name="connsiteY4" fmla="*/ 1239001 h 1314537"/>
+              <a:gd name="connsiteX5" fmla="*/ 1029010 w 1471843"/>
+              <a:gd name="connsiteY5" fmla="*/ 1313407 h 1314537"/>
+              <a:gd name="connsiteX6" fmla="*/ 441900 w 1471843"/>
+              <a:gd name="connsiteY6" fmla="*/ 1313407 h 1314537"/>
+              <a:gd name="connsiteX7" fmla="*/ 313025 w 1471843"/>
+              <a:gd name="connsiteY7" fmla="*/ 1239001 h 1314537"/>
+              <a:gd name="connsiteX8" fmla="*/ 19470 w 1471843"/>
+              <a:gd name="connsiteY8" fmla="*/ 730545 h 1314537"/>
+              <a:gd name="connsiteX9" fmla="*/ 19470 w 1471843"/>
+              <a:gd name="connsiteY9" fmla="*/ 581732 h 1314537"/>
+              <a:gd name="connsiteX10" fmla="*/ 313025 w 1471843"/>
+              <a:gd name="connsiteY10" fmla="*/ 73276 h 1314537"/>
+              <a:gd name="connsiteX11" fmla="*/ 441900 w 1471843"/>
+              <a:gd name="connsiteY11" fmla="*/ -1130 h 1314537"/>
+              <a:gd name="connsiteX12" fmla="*/ 1029010 w 1471843"/>
+              <a:gd name="connsiteY12" fmla="*/ -1130 h 1314537"/>
+            </a:gdLst>
+            <a:ahLst/>
+            <a:cxnLst>
+              <a:cxn ang="0">
+                <a:pos x="connsiteX0" y="connsiteY0"/>
+              </a:cxn>
+              <a:cxn ang="0">
+                <a:pos x="connsiteX1" y="connsiteY1"/>
+              </a:cxn>
+              <a:cxn ang="0">
+                <a:pos x="connsiteX2" y="connsiteY2"/>
+              </a:cxn>
+              <a:cxn ang="0">
+                <a:pos x="connsiteX3" y="connsiteY3"/>
+              </a:cxn>
+              <a:cxn ang="0">
+                <a:pos x="connsiteX4" y="connsiteY4"/>
+              </a:cxn>
+              <a:cxn ang="0">
+                <a:pos x="connsiteX5" y="connsiteY5"/>
+              </a:cxn>
+              <a:cxn ang="0">
+                <a:pos x="connsiteX6" y="connsiteY6"/>
+              </a:cxn>
+              <a:cxn ang="0">
+                <a:pos x="connsiteX7" y="connsiteY7"/>
+              </a:cxn>
+              <a:cxn ang="0">
+                <a:pos x="connsiteX8" y="connsiteY8"/>
+              </a:cxn>
+              <a:cxn ang="0">
+                <a:pos x="connsiteX9" y="connsiteY9"/>
+              </a:cxn>
+              <a:cxn ang="0">
+                <a:pos x="connsiteX10" y="connsiteY10"/>
+              </a:cxn>
+              <a:cxn ang="0">
+                <a:pos x="connsiteX11" y="connsiteY11"/>
+              </a:cxn>
+              <a:cxn ang="0">
+                <a:pos x="connsiteX12" y="connsiteY12"/>
+              </a:cxn>
+            </a:cxnLst>
+            <a:rect l="l" t="t" r="r" b="b"/>
+            <a:pathLst>
+              <a:path w="1471843" h="1314537">
+                <a:moveTo>
+                  <a:pt x="1029010" y="-1130"/>
+                </a:moveTo>
+                <a:cubicBezTo>
+                  <a:pt x="1082178" y="-1130"/>
+                  <a:pt x="1131308" y="27218"/>
+                  <a:pt x="1157886" y="73276"/>
+                </a:cubicBezTo>
+                <a:lnTo>
+                  <a:pt x="1451441" y="581732"/>
+                </a:lnTo>
+                <a:cubicBezTo>
+                  <a:pt x="1478023" y="627790"/>
+                  <a:pt x="1478023" y="684487"/>
+                  <a:pt x="1451441" y="730545"/>
+                </a:cubicBezTo>
+                <a:lnTo>
+                  <a:pt x="1157886" y="1239001"/>
+                </a:lnTo>
+                <a:cubicBezTo>
+                  <a:pt x="1131308" y="1285058"/>
+                  <a:pt x="1082178" y="1313407"/>
+                  <a:pt x="1029010" y="1313407"/>
+                </a:cubicBezTo>
+                <a:lnTo>
+                  <a:pt x="441900" y="1313407"/>
+                </a:lnTo>
+                <a:cubicBezTo>
+                  <a:pt x="388733" y="1313407"/>
+                  <a:pt x="339603" y="1285058"/>
+                  <a:pt x="313025" y="1239001"/>
+                </a:cubicBezTo>
+                <a:lnTo>
+                  <a:pt x="19470" y="730545"/>
+                </a:lnTo>
+                <a:cubicBezTo>
+                  <a:pt x="-7112" y="684487"/>
+                  <a:pt x="-7112" y="627790"/>
+                  <a:pt x="19470" y="581732"/>
+                </a:cubicBezTo>
+                <a:lnTo>
+                  <a:pt x="313025" y="73276"/>
+                </a:lnTo>
+                <a:cubicBezTo>
+                  <a:pt x="339603" y="27218"/>
+                  <a:pt x="388733" y="-1130"/>
+                  <a:pt x="441900" y="-1130"/>
+                </a:cubicBezTo>
+                <a:lnTo>
+                  <a:pt x="1029010" y="-1130"/>
+                </a:lnTo>
+                <a:close/>
+              </a:path>
+            </a:pathLst>
+          </a:custGeom>
+          <a:noFill/>
+          <a:ln w="15875" cap="flat">
+            <a:solidFill>
+              <a:schemeClr val="tx2">
+                <a:lumMod val="50000"/>
+                <a:lumOff val="50000"/>
+                <a:alpha val="20000"/>
+              </a:schemeClr>
+            </a:solidFill>
+            <a:prstDash val="solid"/>
+            <a:miter/>
+          </a:ln>
+        </p:spPr>
+        <p:txBody>
+          <a:bodyPr rtlCol="0" anchor="ctr">
+            <a:noAutofit/>
+          </a:bodyPr>
+          <a:p>
+            <a:endParaRPr lang="zh-CN" altLang="en-US"/>
+          </a:p>
+        </p:txBody>
+      </p:sp>
+      <p:sp>
+        <p:nvSpPr>
+          <p:cNvPr id="11" name="图形 17"/>
+          <p:cNvSpPr/>
+          <p:nvPr>
+            <p:custDataLst>
+              <p:tags r:id="rId14"/>
+            </p:custDataLst>
+          </p:nvPr>
+        </p:nvSpPr>
+        <p:spPr>
+          <a:xfrm>
+            <a:off x="10671679" y="4945474"/>
+            <a:ext cx="706741" cy="649591"/>
+          </a:xfrm>
+          <a:custGeom>
+            <a:avLst/>
+            <a:gdLst>
+              <a:gd name="connsiteX0" fmla="*/ 1029010 w 1471843"/>
+              <a:gd name="connsiteY0" fmla="*/ -1130 h 1314537"/>
+              <a:gd name="connsiteX1" fmla="*/ 1157886 w 1471843"/>
+              <a:gd name="connsiteY1" fmla="*/ 73276 h 1314537"/>
+              <a:gd name="connsiteX2" fmla="*/ 1451441 w 1471843"/>
+              <a:gd name="connsiteY2" fmla="*/ 581732 h 1314537"/>
+              <a:gd name="connsiteX3" fmla="*/ 1451441 w 1471843"/>
+              <a:gd name="connsiteY3" fmla="*/ 730545 h 1314537"/>
+              <a:gd name="connsiteX4" fmla="*/ 1157886 w 1471843"/>
+              <a:gd name="connsiteY4" fmla="*/ 1239001 h 1314537"/>
+              <a:gd name="connsiteX5" fmla="*/ 1029010 w 1471843"/>
+              <a:gd name="connsiteY5" fmla="*/ 1313407 h 1314537"/>
+              <a:gd name="connsiteX6" fmla="*/ 441900 w 1471843"/>
+              <a:gd name="connsiteY6" fmla="*/ 1313407 h 1314537"/>
+              <a:gd name="connsiteX7" fmla="*/ 313025 w 1471843"/>
+              <a:gd name="connsiteY7" fmla="*/ 1239001 h 1314537"/>
+              <a:gd name="connsiteX8" fmla="*/ 19470 w 1471843"/>
+              <a:gd name="connsiteY8" fmla="*/ 730545 h 1314537"/>
+              <a:gd name="connsiteX9" fmla="*/ 19470 w 1471843"/>
+              <a:gd name="connsiteY9" fmla="*/ 581732 h 1314537"/>
+              <a:gd name="connsiteX10" fmla="*/ 313025 w 1471843"/>
+              <a:gd name="connsiteY10" fmla="*/ 73276 h 1314537"/>
+              <a:gd name="connsiteX11" fmla="*/ 441900 w 1471843"/>
+              <a:gd name="connsiteY11" fmla="*/ -1130 h 1314537"/>
+              <a:gd name="connsiteX12" fmla="*/ 1029010 w 1471843"/>
+              <a:gd name="connsiteY12" fmla="*/ -1130 h 1314537"/>
+            </a:gdLst>
+            <a:ahLst/>
+            <a:cxnLst>
+              <a:cxn ang="0">
+                <a:pos x="connsiteX0" y="connsiteY0"/>
+              </a:cxn>
+              <a:cxn ang="0">
+                <a:pos x="connsiteX1" y="connsiteY1"/>
+              </a:cxn>
+              <a:cxn ang="0">
+                <a:pos x="connsiteX2" y="connsiteY2"/>
+              </a:cxn>
+              <a:cxn ang="0">
+                <a:pos x="connsiteX3" y="connsiteY3"/>
+              </a:cxn>
+              <a:cxn ang="0">
+                <a:pos x="connsiteX4" y="connsiteY4"/>
+              </a:cxn>
+              <a:cxn ang="0">
+                <a:pos x="connsiteX5" y="connsiteY5"/>
+              </a:cxn>
+              <a:cxn ang="0">
+                <a:pos x="connsiteX6" y="connsiteY6"/>
+              </a:cxn>
+              <a:cxn ang="0">
+                <a:pos x="connsiteX7" y="connsiteY7"/>
+              </a:cxn>
+              <a:cxn ang="0">
+                <a:pos x="connsiteX8" y="connsiteY8"/>
+              </a:cxn>
+              <a:cxn ang="0">
+                <a:pos x="connsiteX9" y="connsiteY9"/>
+              </a:cxn>
+              <a:cxn ang="0">
+                <a:pos x="connsiteX10" y="connsiteY10"/>
+              </a:cxn>
+              <a:cxn ang="0">
+                <a:pos x="connsiteX11" y="connsiteY11"/>
+              </a:cxn>
+              <a:cxn ang="0">
+                <a:pos x="connsiteX12" y="connsiteY12"/>
+              </a:cxn>
+            </a:cxnLst>
+            <a:rect l="l" t="t" r="r" b="b"/>
+            <a:pathLst>
+              <a:path w="1471843" h="1314537">
+                <a:moveTo>
+                  <a:pt x="1029010" y="-1130"/>
+                </a:moveTo>
+                <a:cubicBezTo>
+                  <a:pt x="1082178" y="-1130"/>
+                  <a:pt x="1131308" y="27218"/>
+                  <a:pt x="1157886" y="73276"/>
+                </a:cubicBezTo>
+                <a:lnTo>
+                  <a:pt x="1451441" y="581732"/>
+                </a:lnTo>
+                <a:cubicBezTo>
+                  <a:pt x="1478023" y="627790"/>
+                  <a:pt x="1478023" y="684487"/>
+                  <a:pt x="1451441" y="730545"/>
+                </a:cubicBezTo>
+                <a:lnTo>
+                  <a:pt x="1157886" y="1239001"/>
+                </a:lnTo>
+                <a:cubicBezTo>
+                  <a:pt x="1131308" y="1285058"/>
+                  <a:pt x="1082178" y="1313407"/>
+                  <a:pt x="1029010" y="1313407"/>
+                </a:cubicBezTo>
+                <a:lnTo>
+                  <a:pt x="441900" y="1313407"/>
+                </a:lnTo>
+                <a:cubicBezTo>
+                  <a:pt x="388733" y="1313407"/>
+                  <a:pt x="339603" y="1285058"/>
+                  <a:pt x="313025" y="1239001"/>
+                </a:cubicBezTo>
+                <a:lnTo>
+                  <a:pt x="19470" y="730545"/>
+                </a:lnTo>
+                <a:cubicBezTo>
+                  <a:pt x="-7112" y="684487"/>
+                  <a:pt x="-7112" y="627790"/>
+                  <a:pt x="19470" y="581732"/>
+                </a:cubicBezTo>
+                <a:lnTo>
+                  <a:pt x="313025" y="73276"/>
+                </a:lnTo>
+                <a:cubicBezTo>
+                  <a:pt x="339603" y="27218"/>
+                  <a:pt x="388733" y="-1130"/>
+                  <a:pt x="441900" y="-1130"/>
+                </a:cubicBezTo>
+                <a:lnTo>
+                  <a:pt x="1029010" y="-1130"/>
+                </a:lnTo>
+                <a:close/>
+              </a:path>
+            </a:pathLst>
+          </a:custGeom>
+          <a:noFill/>
+          <a:ln w="9525" cap="flat">
+            <a:solidFill>
+              <a:schemeClr val="tx2">
+                <a:lumMod val="50000"/>
+                <a:lumOff val="50000"/>
+                <a:alpha val="15000"/>
+              </a:schemeClr>
+            </a:solidFill>
+            <a:prstDash val="solid"/>
+            <a:miter/>
+          </a:ln>
+        </p:spPr>
+        <p:txBody>
+          <a:bodyPr rot="0" spcFirstLastPara="0" vertOverflow="overflow" horzOverflow="overflow" vert="horz" wrap="square" lIns="91440" tIns="45720" rIns="91440" bIns="45720" numCol="1" spcCol="0" rtlCol="0" fromWordArt="0" anchor="ctr" anchorCtr="0" forceAA="0" compatLnSpc="1">
+            <a:noAutofit/>
+          </a:bodyPr>
+          <a:p>
+            <a:endParaRPr lang="zh-CN" altLang="en-US"/>
+          </a:p>
+        </p:txBody>
+      </p:sp>
+      <p:sp>
+        <p:nvSpPr>
+          <p:cNvPr id="12" name="图形 17"/>
+          <p:cNvSpPr/>
+          <p:nvPr>
+            <p:custDataLst>
+              <p:tags r:id="rId15"/>
+            </p:custDataLst>
+          </p:nvPr>
+        </p:nvSpPr>
+        <p:spPr>
+          <a:xfrm>
+            <a:off x="9214301" y="1919055"/>
+            <a:ext cx="1585584" cy="1457364"/>
+          </a:xfrm>
+          <a:custGeom>
+            <a:avLst/>
+            <a:gdLst>
+              <a:gd name="connsiteX0" fmla="*/ 1029010 w 1471843"/>
+              <a:gd name="connsiteY0" fmla="*/ -1130 h 1314537"/>
+              <a:gd name="connsiteX1" fmla="*/ 1157886 w 1471843"/>
+              <a:gd name="connsiteY1" fmla="*/ 73276 h 1314537"/>
+              <a:gd name="connsiteX2" fmla="*/ 1451441 w 1471843"/>
+              <a:gd name="connsiteY2" fmla="*/ 581732 h 1314537"/>
+              <a:gd name="connsiteX3" fmla="*/ 1451441 w 1471843"/>
+              <a:gd name="connsiteY3" fmla="*/ 730545 h 1314537"/>
+              <a:gd name="connsiteX4" fmla="*/ 1157886 w 1471843"/>
+              <a:gd name="connsiteY4" fmla="*/ 1239001 h 1314537"/>
+              <a:gd name="connsiteX5" fmla="*/ 1029010 w 1471843"/>
+              <a:gd name="connsiteY5" fmla="*/ 1313407 h 1314537"/>
+              <a:gd name="connsiteX6" fmla="*/ 441900 w 1471843"/>
+              <a:gd name="connsiteY6" fmla="*/ 1313407 h 1314537"/>
+              <a:gd name="connsiteX7" fmla="*/ 313025 w 1471843"/>
+              <a:gd name="connsiteY7" fmla="*/ 1239001 h 1314537"/>
+              <a:gd name="connsiteX8" fmla="*/ 19470 w 1471843"/>
+              <a:gd name="connsiteY8" fmla="*/ 730545 h 1314537"/>
+              <a:gd name="connsiteX9" fmla="*/ 19470 w 1471843"/>
+              <a:gd name="connsiteY9" fmla="*/ 581732 h 1314537"/>
+              <a:gd name="connsiteX10" fmla="*/ 313025 w 1471843"/>
+              <a:gd name="connsiteY10" fmla="*/ 73276 h 1314537"/>
+              <a:gd name="connsiteX11" fmla="*/ 441900 w 1471843"/>
+              <a:gd name="connsiteY11" fmla="*/ -1130 h 1314537"/>
+              <a:gd name="connsiteX12" fmla="*/ 1029010 w 1471843"/>
+              <a:gd name="connsiteY12" fmla="*/ -1130 h 1314537"/>
+            </a:gdLst>
+            <a:ahLst/>
+            <a:cxnLst>
+              <a:cxn ang="0">
+                <a:pos x="connsiteX0" y="connsiteY0"/>
+              </a:cxn>
+              <a:cxn ang="0">
+                <a:pos x="connsiteX1" y="connsiteY1"/>
+              </a:cxn>
+              <a:cxn ang="0">
+                <a:pos x="connsiteX2" y="connsiteY2"/>
+              </a:cxn>
+              <a:cxn ang="0">
+                <a:pos x="connsiteX3" y="connsiteY3"/>
+              </a:cxn>
+              <a:cxn ang="0">
+                <a:pos x="connsiteX4" y="connsiteY4"/>
+              </a:cxn>
+              <a:cxn ang="0">
+                <a:pos x="connsiteX5" y="connsiteY5"/>
+              </a:cxn>
+              <a:cxn ang="0">
+                <a:pos x="connsiteX6" y="connsiteY6"/>
+              </a:cxn>
+              <a:cxn ang="0">
+                <a:pos x="connsiteX7" y="connsiteY7"/>
+              </a:cxn>
+              <a:cxn ang="0">
+                <a:pos x="connsiteX8" y="connsiteY8"/>
+              </a:cxn>
+              <a:cxn ang="0">
+                <a:pos x="connsiteX9" y="connsiteY9"/>
+              </a:cxn>
+              <a:cxn ang="0">
+                <a:pos x="connsiteX10" y="connsiteY10"/>
+              </a:cxn>
+              <a:cxn ang="0">
+                <a:pos x="connsiteX11" y="connsiteY11"/>
+              </a:cxn>
+              <a:cxn ang="0">
+                <a:pos x="connsiteX12" y="connsiteY12"/>
+              </a:cxn>
+            </a:cxnLst>
+            <a:rect l="l" t="t" r="r" b="b"/>
+            <a:pathLst>
+              <a:path w="1471843" h="1314537">
+                <a:moveTo>
+                  <a:pt x="1029010" y="-1130"/>
+                </a:moveTo>
+                <a:cubicBezTo>
+                  <a:pt x="1082178" y="-1130"/>
+                  <a:pt x="1131308" y="27218"/>
+                  <a:pt x="1157886" y="73276"/>
+                </a:cubicBezTo>
+                <a:lnTo>
+                  <a:pt x="1451441" y="581732"/>
+                </a:lnTo>
+                <a:cubicBezTo>
+                  <a:pt x="1478023" y="627790"/>
+                  <a:pt x="1478023" y="684487"/>
+                  <a:pt x="1451441" y="730545"/>
+                </a:cubicBezTo>
+                <a:lnTo>
+                  <a:pt x="1157886" y="1239001"/>
+                </a:lnTo>
+                <a:cubicBezTo>
+                  <a:pt x="1131308" y="1285058"/>
+                  <a:pt x="1082178" y="1313407"/>
+                  <a:pt x="1029010" y="1313407"/>
+                </a:cubicBezTo>
+                <a:lnTo>
+                  <a:pt x="441900" y="1313407"/>
+                </a:lnTo>
+                <a:cubicBezTo>
+                  <a:pt x="388733" y="1313407"/>
+                  <a:pt x="339603" y="1285058"/>
+                  <a:pt x="313025" y="1239001"/>
+                </a:cubicBezTo>
+                <a:lnTo>
+                  <a:pt x="19470" y="730545"/>
+                </a:lnTo>
+                <a:cubicBezTo>
+                  <a:pt x="-7112" y="684487"/>
+                  <a:pt x="-7112" y="627790"/>
+                  <a:pt x="19470" y="581732"/>
+                </a:cubicBezTo>
+                <a:lnTo>
+                  <a:pt x="313025" y="73276"/>
+                </a:lnTo>
+                <a:cubicBezTo>
+                  <a:pt x="339603" y="27218"/>
+                  <a:pt x="388733" y="-1130"/>
+                  <a:pt x="441900" y="-1130"/>
+                </a:cubicBezTo>
+                <a:lnTo>
+                  <a:pt x="1029010" y="-1130"/>
+                </a:lnTo>
+                <a:close/>
+              </a:path>
+            </a:pathLst>
+          </a:custGeom>
+          <a:noFill/>
+          <a:ln w="12700" cap="flat">
+            <a:solidFill>
+              <a:schemeClr val="tx2">
+                <a:lumMod val="50000"/>
+                <a:lumOff val="50000"/>
+                <a:alpha val="20000"/>
+              </a:schemeClr>
+            </a:solidFill>
+            <a:prstDash val="solid"/>
+            <a:miter/>
+          </a:ln>
+        </p:spPr>
+        <p:txBody>
+          <a:bodyPr rot="0" spcFirstLastPara="0" vertOverflow="overflow" horzOverflow="overflow" vert="horz" wrap="square" lIns="91440" tIns="45720" rIns="91440" bIns="45720" numCol="1" spcCol="0" rtlCol="0" fromWordArt="0" anchor="ctr" anchorCtr="0" forceAA="0" compatLnSpc="1">
+            <a:noAutofit/>
+          </a:bodyPr>
+          <a:p>
+            <a:endParaRPr lang="zh-CN" altLang="en-US"/>
+          </a:p>
+        </p:txBody>
+      </p:sp>
+      <p:sp>
+        <p:nvSpPr>
+          <p:cNvPr id="14" name="图形 17"/>
+          <p:cNvSpPr/>
+          <p:nvPr>
+            <p:custDataLst>
+              <p:tags r:id="rId16"/>
+            </p:custDataLst>
+          </p:nvPr>
+        </p:nvSpPr>
+        <p:spPr>
+          <a:xfrm>
+            <a:off x="10432954" y="1919055"/>
+            <a:ext cx="751171" cy="690427"/>
+          </a:xfrm>
+          <a:custGeom>
+            <a:avLst/>
+            <a:gdLst>
+              <a:gd name="connsiteX0" fmla="*/ 1029010 w 1471843"/>
+              <a:gd name="connsiteY0" fmla="*/ -1130 h 1314537"/>
+              <a:gd name="connsiteX1" fmla="*/ 1157886 w 1471843"/>
+              <a:gd name="connsiteY1" fmla="*/ 73276 h 1314537"/>
+              <a:gd name="connsiteX2" fmla="*/ 1451441 w 1471843"/>
+              <a:gd name="connsiteY2" fmla="*/ 581732 h 1314537"/>
+              <a:gd name="connsiteX3" fmla="*/ 1451441 w 1471843"/>
+              <a:gd name="connsiteY3" fmla="*/ 730545 h 1314537"/>
+              <a:gd name="connsiteX4" fmla="*/ 1157886 w 1471843"/>
+              <a:gd name="connsiteY4" fmla="*/ 1239001 h 1314537"/>
+              <a:gd name="connsiteX5" fmla="*/ 1029010 w 1471843"/>
+              <a:gd name="connsiteY5" fmla="*/ 1313407 h 1314537"/>
+              <a:gd name="connsiteX6" fmla="*/ 441900 w 1471843"/>
+              <a:gd name="connsiteY6" fmla="*/ 1313407 h 1314537"/>
+              <a:gd name="connsiteX7" fmla="*/ 313025 w 1471843"/>
+              <a:gd name="connsiteY7" fmla="*/ 1239001 h 1314537"/>
+              <a:gd name="connsiteX8" fmla="*/ 19470 w 1471843"/>
+              <a:gd name="connsiteY8" fmla="*/ 730545 h 1314537"/>
+              <a:gd name="connsiteX9" fmla="*/ 19470 w 1471843"/>
+              <a:gd name="connsiteY9" fmla="*/ 581732 h 1314537"/>
+              <a:gd name="connsiteX10" fmla="*/ 313025 w 1471843"/>
+              <a:gd name="connsiteY10" fmla="*/ 73276 h 1314537"/>
+              <a:gd name="connsiteX11" fmla="*/ 441900 w 1471843"/>
+              <a:gd name="connsiteY11" fmla="*/ -1130 h 1314537"/>
+              <a:gd name="connsiteX12" fmla="*/ 1029010 w 1471843"/>
+              <a:gd name="connsiteY12" fmla="*/ -1130 h 1314537"/>
+            </a:gdLst>
+            <a:ahLst/>
+            <a:cxnLst>
+              <a:cxn ang="0">
+                <a:pos x="connsiteX0" y="connsiteY0"/>
+              </a:cxn>
+              <a:cxn ang="0">
+                <a:pos x="connsiteX1" y="connsiteY1"/>
+              </a:cxn>
+              <a:cxn ang="0">
+                <a:pos x="connsiteX2" y="connsiteY2"/>
+              </a:cxn>
+              <a:cxn ang="0">
+                <a:pos x="connsiteX3" y="connsiteY3"/>
+              </a:cxn>
+              <a:cxn ang="0">
+                <a:pos x="connsiteX4" y="connsiteY4"/>
+              </a:cxn>
+              <a:cxn ang="0">
+                <a:pos x="connsiteX5" y="connsiteY5"/>
+              </a:cxn>
+              <a:cxn ang="0">
+                <a:pos x="connsiteX6" y="connsiteY6"/>
+              </a:cxn>
+              <a:cxn ang="0">
+                <a:pos x="connsiteX7" y="connsiteY7"/>
+              </a:cxn>
+              <a:cxn ang="0">
+                <a:pos x="connsiteX8" y="connsiteY8"/>
+              </a:cxn>
+              <a:cxn ang="0">
+                <a:pos x="connsiteX9" y="connsiteY9"/>
+              </a:cxn>
+              <a:cxn ang="0">
+                <a:pos x="connsiteX10" y="connsiteY10"/>
+              </a:cxn>
+              <a:cxn ang="0">
+                <a:pos x="connsiteX11" y="connsiteY11"/>
+              </a:cxn>
+              <a:cxn ang="0">
+                <a:pos x="connsiteX12" y="connsiteY12"/>
+              </a:cxn>
+            </a:cxnLst>
+            <a:rect l="l" t="t" r="r" b="b"/>
+            <a:pathLst>
+              <a:path w="1471843" h="1314537">
+                <a:moveTo>
+                  <a:pt x="1029010" y="-1130"/>
+                </a:moveTo>
+                <a:cubicBezTo>
+                  <a:pt x="1082178" y="-1130"/>
+                  <a:pt x="1131308" y="27218"/>
+                  <a:pt x="1157886" y="73276"/>
+                </a:cubicBezTo>
+                <a:lnTo>
+                  <a:pt x="1451441" y="581732"/>
+                </a:lnTo>
+                <a:cubicBezTo>
+                  <a:pt x="1478023" y="627790"/>
+                  <a:pt x="1478023" y="684487"/>
+                  <a:pt x="1451441" y="730545"/>
+                </a:cubicBezTo>
+                <a:lnTo>
+                  <a:pt x="1157886" y="1239001"/>
+                </a:lnTo>
+                <a:cubicBezTo>
+                  <a:pt x="1131308" y="1285058"/>
+                  <a:pt x="1082178" y="1313407"/>
+                  <a:pt x="1029010" y="1313407"/>
+                </a:cubicBezTo>
+                <a:lnTo>
+                  <a:pt x="441900" y="1313407"/>
+                </a:lnTo>
+                <a:cubicBezTo>
+                  <a:pt x="388733" y="1313407"/>
+                  <a:pt x="339603" y="1285058"/>
+                  <a:pt x="313025" y="1239001"/>
+                </a:cubicBezTo>
+                <a:lnTo>
+                  <a:pt x="19470" y="730545"/>
+                </a:lnTo>
+                <a:cubicBezTo>
+                  <a:pt x="-7112" y="684487"/>
+                  <a:pt x="-7112" y="627790"/>
+                  <a:pt x="19470" y="581732"/>
+                </a:cubicBezTo>
+                <a:lnTo>
+                  <a:pt x="313025" y="73276"/>
+                </a:lnTo>
+                <a:cubicBezTo>
+                  <a:pt x="339603" y="27218"/>
+                  <a:pt x="388733" y="-1130"/>
+                  <a:pt x="441900" y="-1130"/>
+                </a:cubicBezTo>
+                <a:lnTo>
+                  <a:pt x="1029010" y="-1130"/>
+                </a:lnTo>
+                <a:close/>
+              </a:path>
+            </a:pathLst>
+          </a:custGeom>
+          <a:noFill/>
+          <a:ln w="9525" cap="flat">
+            <a:solidFill>
+              <a:schemeClr val="tx2">
+                <a:lumMod val="50000"/>
+                <a:lumOff val="50000"/>
+                <a:alpha val="15000"/>
+              </a:schemeClr>
+            </a:solidFill>
+            <a:prstDash val="solid"/>
+            <a:miter/>
+          </a:ln>
+        </p:spPr>
+        <p:txBody>
+          <a:bodyPr rot="0" spcFirstLastPara="0" vertOverflow="overflow" horzOverflow="overflow" vert="horz" wrap="square" lIns="91440" tIns="45720" rIns="91440" bIns="45720" numCol="1" spcCol="0" rtlCol="0" fromWordArt="0" anchor="ctr" anchorCtr="0" forceAA="0" compatLnSpc="1">
+            <a:noAutofit/>
+          </a:bodyPr>
+          <a:p>
+            <a:endParaRPr lang="zh-CN" altLang="en-US" dirty="0"/>
+          </a:p>
+        </p:txBody>
+      </p:sp>
+      <p:sp>
+        <p:nvSpPr>
+          <p:cNvPr id="16" name="图形 17"/>
+          <p:cNvSpPr/>
+          <p:nvPr>
+            <p:custDataLst>
+              <p:tags r:id="rId17"/>
+            </p:custDataLst>
+          </p:nvPr>
+        </p:nvSpPr>
+        <p:spPr>
+          <a:xfrm>
+            <a:off x="3542653" y="3821156"/>
+            <a:ext cx="1067846" cy="981853"/>
+          </a:xfrm>
+          <a:custGeom>
+            <a:avLst/>
+            <a:gdLst>
+              <a:gd name="connsiteX0" fmla="*/ 1029010 w 1471843"/>
+              <a:gd name="connsiteY0" fmla="*/ -1130 h 1314537"/>
+              <a:gd name="connsiteX1" fmla="*/ 1157886 w 1471843"/>
+              <a:gd name="connsiteY1" fmla="*/ 73276 h 1314537"/>
+              <a:gd name="connsiteX2" fmla="*/ 1451441 w 1471843"/>
+              <a:gd name="connsiteY2" fmla="*/ 581732 h 1314537"/>
+              <a:gd name="connsiteX3" fmla="*/ 1451441 w 1471843"/>
+              <a:gd name="connsiteY3" fmla="*/ 730545 h 1314537"/>
+              <a:gd name="connsiteX4" fmla="*/ 1157886 w 1471843"/>
+              <a:gd name="connsiteY4" fmla="*/ 1239001 h 1314537"/>
+              <a:gd name="connsiteX5" fmla="*/ 1029010 w 1471843"/>
+              <a:gd name="connsiteY5" fmla="*/ 1313407 h 1314537"/>
+              <a:gd name="connsiteX6" fmla="*/ 441900 w 1471843"/>
+              <a:gd name="connsiteY6" fmla="*/ 1313407 h 1314537"/>
+              <a:gd name="connsiteX7" fmla="*/ 313025 w 1471843"/>
+              <a:gd name="connsiteY7" fmla="*/ 1239001 h 1314537"/>
+              <a:gd name="connsiteX8" fmla="*/ 19470 w 1471843"/>
+              <a:gd name="connsiteY8" fmla="*/ 730545 h 1314537"/>
+              <a:gd name="connsiteX9" fmla="*/ 19470 w 1471843"/>
+              <a:gd name="connsiteY9" fmla="*/ 581732 h 1314537"/>
+              <a:gd name="connsiteX10" fmla="*/ 313025 w 1471843"/>
+              <a:gd name="connsiteY10" fmla="*/ 73276 h 1314537"/>
+              <a:gd name="connsiteX11" fmla="*/ 441900 w 1471843"/>
+              <a:gd name="connsiteY11" fmla="*/ -1130 h 1314537"/>
+              <a:gd name="connsiteX12" fmla="*/ 1029010 w 1471843"/>
+              <a:gd name="connsiteY12" fmla="*/ -1130 h 1314537"/>
+            </a:gdLst>
+            <a:ahLst/>
+            <a:cxnLst>
+              <a:cxn ang="0">
+                <a:pos x="connsiteX0" y="connsiteY0"/>
+              </a:cxn>
+              <a:cxn ang="0">
+                <a:pos x="connsiteX1" y="connsiteY1"/>
+              </a:cxn>
+              <a:cxn ang="0">
+                <a:pos x="connsiteX2" y="connsiteY2"/>
+              </a:cxn>
+              <a:cxn ang="0">
+                <a:pos x="connsiteX3" y="connsiteY3"/>
+              </a:cxn>
+              <a:cxn ang="0">
+                <a:pos x="connsiteX4" y="connsiteY4"/>
+              </a:cxn>
+              <a:cxn ang="0">
+                <a:pos x="connsiteX5" y="connsiteY5"/>
+              </a:cxn>
+              <a:cxn ang="0">
+                <a:pos x="connsiteX6" y="connsiteY6"/>
+              </a:cxn>
+              <a:cxn ang="0">
+                <a:pos x="connsiteX7" y="connsiteY7"/>
+              </a:cxn>
+              <a:cxn ang="0">
+                <a:pos x="connsiteX8" y="connsiteY8"/>
+              </a:cxn>
+              <a:cxn ang="0">
+                <a:pos x="connsiteX9" y="connsiteY9"/>
+              </a:cxn>
+              <a:cxn ang="0">
+                <a:pos x="connsiteX10" y="connsiteY10"/>
+              </a:cxn>
+              <a:cxn ang="0">
+                <a:pos x="connsiteX11" y="connsiteY11"/>
+              </a:cxn>
+              <a:cxn ang="0">
+                <a:pos x="connsiteX12" y="connsiteY12"/>
+              </a:cxn>
+            </a:cxnLst>
+            <a:rect l="l" t="t" r="r" b="b"/>
+            <a:pathLst>
+              <a:path w="1471843" h="1314537">
+                <a:moveTo>
+                  <a:pt x="1029010" y="-1130"/>
+                </a:moveTo>
+                <a:cubicBezTo>
+                  <a:pt x="1082178" y="-1130"/>
+                  <a:pt x="1131308" y="27218"/>
+                  <a:pt x="1157886" y="73276"/>
+                </a:cubicBezTo>
+                <a:lnTo>
+                  <a:pt x="1451441" y="581732"/>
+                </a:lnTo>
+                <a:cubicBezTo>
+                  <a:pt x="1478023" y="627790"/>
+                  <a:pt x="1478023" y="684487"/>
+                  <a:pt x="1451441" y="730545"/>
+                </a:cubicBezTo>
+                <a:lnTo>
+                  <a:pt x="1157886" y="1239001"/>
+                </a:lnTo>
+                <a:cubicBezTo>
+                  <a:pt x="1131308" y="1285058"/>
+                  <a:pt x="1082178" y="1313407"/>
+                  <a:pt x="1029010" y="1313407"/>
+                </a:cubicBezTo>
+                <a:lnTo>
+                  <a:pt x="441900" y="1313407"/>
+                </a:lnTo>
+                <a:cubicBezTo>
+                  <a:pt x="388733" y="1313407"/>
+                  <a:pt x="339603" y="1285058"/>
+                  <a:pt x="313025" y="1239001"/>
+                </a:cubicBezTo>
+                <a:lnTo>
+                  <a:pt x="19470" y="730545"/>
+                </a:lnTo>
+                <a:cubicBezTo>
+                  <a:pt x="-7112" y="684487"/>
+                  <a:pt x="-7112" y="627790"/>
+                  <a:pt x="19470" y="581732"/>
+                </a:cubicBezTo>
+                <a:lnTo>
+                  <a:pt x="313025" y="73276"/>
+                </a:lnTo>
+                <a:cubicBezTo>
+                  <a:pt x="339603" y="27218"/>
+                  <a:pt x="388733" y="-1130"/>
+                  <a:pt x="441900" y="-1130"/>
+                </a:cubicBezTo>
+                <a:lnTo>
+                  <a:pt x="1029010" y="-1130"/>
+                </a:lnTo>
+                <a:close/>
+              </a:path>
+            </a:pathLst>
+          </a:custGeom>
+          <a:noFill/>
+          <a:ln w="9525" cap="flat">
+            <a:solidFill>
+              <a:schemeClr val="tx2">
+                <a:lumMod val="50000"/>
+                <a:lumOff val="50000"/>
+                <a:alpha val="10000"/>
+              </a:schemeClr>
+            </a:solidFill>
+            <a:prstDash val="solid"/>
+            <a:miter/>
+          </a:ln>
+        </p:spPr>
+        <p:txBody>
+          <a:bodyPr rot="0" spcFirstLastPara="0" vertOverflow="overflow" horzOverflow="overflow" vert="horz" wrap="square" lIns="91440" tIns="45720" rIns="91440" bIns="45720" numCol="1" spcCol="0" rtlCol="0" fromWordArt="0" anchor="ctr" anchorCtr="0" forceAA="0" compatLnSpc="1">
+            <a:noAutofit/>
+          </a:bodyPr>
+          <a:p>
+            <a:endParaRPr lang="zh-CN" altLang="en-US"/>
+          </a:p>
+        </p:txBody>
+      </p:sp>
+      <p:sp>
+        <p:nvSpPr>
+          <p:cNvPr id="19" name="图形 17"/>
+          <p:cNvSpPr/>
+          <p:nvPr>
+            <p:custDataLst>
+              <p:tags r:id="rId18"/>
+            </p:custDataLst>
+          </p:nvPr>
+        </p:nvSpPr>
+        <p:spPr>
+          <a:xfrm>
+            <a:off x="1854250" y="4104160"/>
+            <a:ext cx="1650108" cy="1516672"/>
+          </a:xfrm>
+          <a:custGeom>
+            <a:avLst/>
+            <a:gdLst>
+              <a:gd name="connsiteX0" fmla="*/ 1029010 w 1471843"/>
+              <a:gd name="connsiteY0" fmla="*/ -1130 h 1314537"/>
+              <a:gd name="connsiteX1" fmla="*/ 1157886 w 1471843"/>
+              <a:gd name="connsiteY1" fmla="*/ 73276 h 1314537"/>
+              <a:gd name="connsiteX2" fmla="*/ 1451441 w 1471843"/>
+              <a:gd name="connsiteY2" fmla="*/ 581732 h 1314537"/>
+              <a:gd name="connsiteX3" fmla="*/ 1451441 w 1471843"/>
+              <a:gd name="connsiteY3" fmla="*/ 730545 h 1314537"/>
+              <a:gd name="connsiteX4" fmla="*/ 1157886 w 1471843"/>
+              <a:gd name="connsiteY4" fmla="*/ 1239001 h 1314537"/>
+              <a:gd name="connsiteX5" fmla="*/ 1029010 w 1471843"/>
+              <a:gd name="connsiteY5" fmla="*/ 1313407 h 1314537"/>
+              <a:gd name="connsiteX6" fmla="*/ 441900 w 1471843"/>
+              <a:gd name="connsiteY6" fmla="*/ 1313407 h 1314537"/>
+              <a:gd name="connsiteX7" fmla="*/ 313025 w 1471843"/>
+              <a:gd name="connsiteY7" fmla="*/ 1239001 h 1314537"/>
+              <a:gd name="connsiteX8" fmla="*/ 19470 w 1471843"/>
+              <a:gd name="connsiteY8" fmla="*/ 730545 h 1314537"/>
+              <a:gd name="connsiteX9" fmla="*/ 19470 w 1471843"/>
+              <a:gd name="connsiteY9" fmla="*/ 581732 h 1314537"/>
+              <a:gd name="connsiteX10" fmla="*/ 313025 w 1471843"/>
+              <a:gd name="connsiteY10" fmla="*/ 73276 h 1314537"/>
+              <a:gd name="connsiteX11" fmla="*/ 441900 w 1471843"/>
+              <a:gd name="connsiteY11" fmla="*/ -1130 h 1314537"/>
+              <a:gd name="connsiteX12" fmla="*/ 1029010 w 1471843"/>
+              <a:gd name="connsiteY12" fmla="*/ -1130 h 1314537"/>
+            </a:gdLst>
+            <a:ahLst/>
+            <a:cxnLst>
+              <a:cxn ang="0">
+                <a:pos x="connsiteX0" y="connsiteY0"/>
+              </a:cxn>
+              <a:cxn ang="0">
+                <a:pos x="connsiteX1" y="connsiteY1"/>
+              </a:cxn>
+              <a:cxn ang="0">
+                <a:pos x="connsiteX2" y="connsiteY2"/>
+              </a:cxn>
+              <a:cxn ang="0">
+                <a:pos x="connsiteX3" y="connsiteY3"/>
+              </a:cxn>
+              <a:cxn ang="0">
+                <a:pos x="connsiteX4" y="connsiteY4"/>
+              </a:cxn>
+              <a:cxn ang="0">
+                <a:pos x="connsiteX5" y="connsiteY5"/>
+              </a:cxn>
+              <a:cxn ang="0">
+                <a:pos x="connsiteX6" y="connsiteY6"/>
+              </a:cxn>
+              <a:cxn ang="0">
+                <a:pos x="connsiteX7" y="connsiteY7"/>
+              </a:cxn>
+              <a:cxn ang="0">
+                <a:pos x="connsiteX8" y="connsiteY8"/>
+              </a:cxn>
+              <a:cxn ang="0">
+                <a:pos x="connsiteX9" y="connsiteY9"/>
+              </a:cxn>
+              <a:cxn ang="0">
+                <a:pos x="connsiteX10" y="connsiteY10"/>
+              </a:cxn>
+              <a:cxn ang="0">
+                <a:pos x="connsiteX11" y="connsiteY11"/>
+              </a:cxn>
+              <a:cxn ang="0">
+                <a:pos x="connsiteX12" y="connsiteY12"/>
+              </a:cxn>
+            </a:cxnLst>
+            <a:rect l="l" t="t" r="r" b="b"/>
+            <a:pathLst>
+              <a:path w="1471843" h="1314537">
+                <a:moveTo>
+                  <a:pt x="1029010" y="-1130"/>
+                </a:moveTo>
+                <a:cubicBezTo>
+                  <a:pt x="1082178" y="-1130"/>
+                  <a:pt x="1131308" y="27218"/>
+                  <a:pt x="1157886" y="73276"/>
+                </a:cubicBezTo>
+                <a:lnTo>
+                  <a:pt x="1451441" y="581732"/>
+                </a:lnTo>
+                <a:cubicBezTo>
+                  <a:pt x="1478023" y="627790"/>
+                  <a:pt x="1478023" y="684487"/>
+                  <a:pt x="1451441" y="730545"/>
+                </a:cubicBezTo>
+                <a:lnTo>
+                  <a:pt x="1157886" y="1239001"/>
+                </a:lnTo>
+                <a:cubicBezTo>
+                  <a:pt x="1131308" y="1285058"/>
+                  <a:pt x="1082178" y="1313407"/>
+                  <a:pt x="1029010" y="1313407"/>
+                </a:cubicBezTo>
+                <a:lnTo>
+                  <a:pt x="441900" y="1313407"/>
+                </a:lnTo>
+                <a:cubicBezTo>
+                  <a:pt x="388733" y="1313407"/>
+                  <a:pt x="339603" y="1285058"/>
+                  <a:pt x="313025" y="1239001"/>
+                </a:cubicBezTo>
+                <a:lnTo>
+                  <a:pt x="19470" y="730545"/>
+                </a:lnTo>
+                <a:cubicBezTo>
+                  <a:pt x="-7112" y="684487"/>
+                  <a:pt x="-7112" y="627790"/>
+                  <a:pt x="19470" y="581732"/>
+                </a:cubicBezTo>
+                <a:lnTo>
+                  <a:pt x="313025" y="73276"/>
+                </a:lnTo>
+                <a:cubicBezTo>
+                  <a:pt x="339603" y="27218"/>
+                  <a:pt x="388733" y="-1130"/>
+                  <a:pt x="441900" y="-1130"/>
+                </a:cubicBezTo>
+                <a:lnTo>
+                  <a:pt x="1029010" y="-1130"/>
+                </a:lnTo>
+                <a:close/>
+              </a:path>
+            </a:pathLst>
+          </a:custGeom>
+          <a:noFill/>
+          <a:ln w="12700" cap="flat">
+            <a:solidFill>
+              <a:schemeClr val="tx2">
+                <a:lumMod val="50000"/>
+                <a:lumOff val="50000"/>
+                <a:alpha val="20000"/>
+              </a:schemeClr>
+            </a:solidFill>
+            <a:prstDash val="solid"/>
+            <a:miter/>
+          </a:ln>
+        </p:spPr>
+        <p:txBody>
+          <a:bodyPr rot="0" spcFirstLastPara="0" vertOverflow="overflow" horzOverflow="overflow" vert="horz" wrap="square" lIns="91440" tIns="45720" rIns="91440" bIns="45720" numCol="1" spcCol="0" rtlCol="0" fromWordArt="0" anchor="ctr" anchorCtr="0" forceAA="0" compatLnSpc="1">
+            <a:noAutofit/>
+          </a:bodyPr>
+          <a:p>
+            <a:endParaRPr lang="zh-CN" altLang="en-US"/>
+          </a:p>
+        </p:txBody>
+      </p:sp>
+      <p:sp>
+        <p:nvSpPr>
+          <p:cNvPr id="20" name="图形 17"/>
+          <p:cNvSpPr>
+            <a:spLocks noChangeAspect="1"/>
+          </p:cNvSpPr>
+          <p:nvPr>
+            <p:custDataLst>
+              <p:tags r:id="rId19"/>
+            </p:custDataLst>
+          </p:nvPr>
+        </p:nvSpPr>
+        <p:spPr>
+          <a:xfrm>
+            <a:off x="2608288" y="1800334"/>
+            <a:ext cx="3364524" cy="3092452"/>
+          </a:xfrm>
+          <a:custGeom>
+            <a:avLst/>
+            <a:gdLst>
+              <a:gd name="connsiteX0" fmla="*/ 1029010 w 1471843"/>
+              <a:gd name="connsiteY0" fmla="*/ -1130 h 1314537"/>
+              <a:gd name="connsiteX1" fmla="*/ 1157886 w 1471843"/>
+              <a:gd name="connsiteY1" fmla="*/ 73276 h 1314537"/>
+              <a:gd name="connsiteX2" fmla="*/ 1451441 w 1471843"/>
+              <a:gd name="connsiteY2" fmla="*/ 581732 h 1314537"/>
+              <a:gd name="connsiteX3" fmla="*/ 1451441 w 1471843"/>
+              <a:gd name="connsiteY3" fmla="*/ 730545 h 1314537"/>
+              <a:gd name="connsiteX4" fmla="*/ 1157886 w 1471843"/>
+              <a:gd name="connsiteY4" fmla="*/ 1239001 h 1314537"/>
+              <a:gd name="connsiteX5" fmla="*/ 1029010 w 1471843"/>
+              <a:gd name="connsiteY5" fmla="*/ 1313407 h 1314537"/>
+              <a:gd name="connsiteX6" fmla="*/ 441900 w 1471843"/>
+              <a:gd name="connsiteY6" fmla="*/ 1313407 h 1314537"/>
+              <a:gd name="connsiteX7" fmla="*/ 313025 w 1471843"/>
+              <a:gd name="connsiteY7" fmla="*/ 1239001 h 1314537"/>
+              <a:gd name="connsiteX8" fmla="*/ 19470 w 1471843"/>
+              <a:gd name="connsiteY8" fmla="*/ 730545 h 1314537"/>
+              <a:gd name="connsiteX9" fmla="*/ 19470 w 1471843"/>
+              <a:gd name="connsiteY9" fmla="*/ 581732 h 1314537"/>
+              <a:gd name="connsiteX10" fmla="*/ 313025 w 1471843"/>
+              <a:gd name="connsiteY10" fmla="*/ 73276 h 1314537"/>
+              <a:gd name="connsiteX11" fmla="*/ 441900 w 1471843"/>
+              <a:gd name="connsiteY11" fmla="*/ -1130 h 1314537"/>
+              <a:gd name="connsiteX12" fmla="*/ 1029010 w 1471843"/>
+              <a:gd name="connsiteY12" fmla="*/ -1130 h 1314537"/>
+            </a:gdLst>
+            <a:ahLst/>
+            <a:cxnLst>
+              <a:cxn ang="0">
+                <a:pos x="connsiteX0" y="connsiteY0"/>
+              </a:cxn>
+              <a:cxn ang="0">
+                <a:pos x="connsiteX1" y="connsiteY1"/>
+              </a:cxn>
+              <a:cxn ang="0">
+                <a:pos x="connsiteX2" y="connsiteY2"/>
+              </a:cxn>
+              <a:cxn ang="0">
+                <a:pos x="connsiteX3" y="connsiteY3"/>
+              </a:cxn>
+              <a:cxn ang="0">
+                <a:pos x="connsiteX4" y="connsiteY4"/>
+              </a:cxn>
+              <a:cxn ang="0">
+                <a:pos x="connsiteX5" y="connsiteY5"/>
+              </a:cxn>
+              <a:cxn ang="0">
+                <a:pos x="connsiteX6" y="connsiteY6"/>
+              </a:cxn>
+              <a:cxn ang="0">
+                <a:pos x="connsiteX7" y="connsiteY7"/>
+              </a:cxn>
+              <a:cxn ang="0">
+                <a:pos x="connsiteX8" y="connsiteY8"/>
+              </a:cxn>
+              <a:cxn ang="0">
+                <a:pos x="connsiteX9" y="connsiteY9"/>
+              </a:cxn>
+              <a:cxn ang="0">
+                <a:pos x="connsiteX10" y="connsiteY10"/>
+              </a:cxn>
+              <a:cxn ang="0">
+                <a:pos x="connsiteX11" y="connsiteY11"/>
+              </a:cxn>
+              <a:cxn ang="0">
+                <a:pos x="connsiteX12" y="connsiteY12"/>
+              </a:cxn>
+            </a:cxnLst>
+            <a:rect l="l" t="t" r="r" b="b"/>
+            <a:pathLst>
+              <a:path w="1471843" h="1314537">
+                <a:moveTo>
+                  <a:pt x="1029010" y="-1130"/>
+                </a:moveTo>
+                <a:cubicBezTo>
+                  <a:pt x="1082178" y="-1130"/>
+                  <a:pt x="1131308" y="27218"/>
+                  <a:pt x="1157886" y="73276"/>
+                </a:cubicBezTo>
+                <a:lnTo>
+                  <a:pt x="1451441" y="581732"/>
+                </a:lnTo>
+                <a:cubicBezTo>
+                  <a:pt x="1478023" y="627790"/>
+                  <a:pt x="1478023" y="684487"/>
+                  <a:pt x="1451441" y="730545"/>
+                </a:cubicBezTo>
+                <a:lnTo>
+                  <a:pt x="1157886" y="1239001"/>
+                </a:lnTo>
+                <a:cubicBezTo>
+                  <a:pt x="1131308" y="1285058"/>
+                  <a:pt x="1082178" y="1313407"/>
+                  <a:pt x="1029010" y="1313407"/>
+                </a:cubicBezTo>
+                <a:lnTo>
+                  <a:pt x="441900" y="1313407"/>
+                </a:lnTo>
+                <a:cubicBezTo>
+                  <a:pt x="388733" y="1313407"/>
+                  <a:pt x="339603" y="1285058"/>
+                  <a:pt x="313025" y="1239001"/>
+                </a:cubicBezTo>
+                <a:lnTo>
+                  <a:pt x="19470" y="730545"/>
+                </a:lnTo>
+                <a:cubicBezTo>
+                  <a:pt x="-7112" y="684487"/>
+                  <a:pt x="-7112" y="627790"/>
+                  <a:pt x="19470" y="581732"/>
+                </a:cubicBezTo>
+                <a:lnTo>
+                  <a:pt x="313025" y="73276"/>
+                </a:lnTo>
+                <a:cubicBezTo>
+                  <a:pt x="339603" y="27218"/>
+                  <a:pt x="388733" y="-1130"/>
+                  <a:pt x="441900" y="-1130"/>
+                </a:cubicBezTo>
+                <a:lnTo>
+                  <a:pt x="1029010" y="-1130"/>
+                </a:lnTo>
+                <a:close/>
+              </a:path>
+            </a:pathLst>
+          </a:custGeom>
+          <a:gradFill>
+            <a:gsLst>
+              <a:gs pos="0">
+                <a:schemeClr val="accent6">
+                  <a:lumMod val="95000"/>
+                </a:schemeClr>
+              </a:gs>
+              <a:gs pos="50000">
+                <a:schemeClr val="accent6">
+                  <a:lumMod val="90000"/>
+                  <a:lumOff val="10000"/>
+                </a:schemeClr>
+              </a:gs>
+              <a:gs pos="100000">
+                <a:schemeClr val="accent6">
+                  <a:lumMod val="50000"/>
+                  <a:lumOff val="50000"/>
+                </a:schemeClr>
+              </a:gs>
+            </a:gsLst>
+            <a:lin ang="18900000" scaled="0"/>
+          </a:gradFill>
+          <a:ln w="9525" cap="flat">
+            <a:noFill/>
+            <a:prstDash val="solid"/>
+            <a:miter/>
+          </a:ln>
+          <a:effectLst>
+            <a:outerShdw blurRad="127000" dist="127000" dir="7200000" sx="101000" sy="101000" algn="tr" rotWithShape="0">
+              <a:schemeClr val="accent6">
+                <a:alpha val="20000"/>
+              </a:schemeClr>
+            </a:outerShdw>
+          </a:effectLst>
+        </p:spPr>
+        <p:txBody>
+          <a:bodyPr rtlCol="0" anchor="ctr"/>
+          <a:p>
+            <a:endParaRPr lang="zh-CN" altLang="en-US"/>
+          </a:p>
+        </p:txBody>
+      </p:sp>
+      <p:sp>
+        <p:nvSpPr>
+          <p:cNvPr id="21" name="图形 17"/>
+          <p:cNvSpPr>
+            <a:spLocks noChangeAspect="1"/>
+          </p:cNvSpPr>
+          <p:nvPr>
+            <p:custDataLst>
+              <p:tags r:id="rId20"/>
+            </p:custDataLst>
+          </p:nvPr>
+        </p:nvSpPr>
+        <p:spPr>
+          <a:xfrm>
+            <a:off x="6359225" y="2857912"/>
+            <a:ext cx="3176487" cy="2874161"/>
+          </a:xfrm>
+          <a:custGeom>
+            <a:avLst/>
+            <a:gdLst>
+              <a:gd name="connsiteX0" fmla="*/ 1029010 w 1471843"/>
+              <a:gd name="connsiteY0" fmla="*/ -1130 h 1314537"/>
+              <a:gd name="connsiteX1" fmla="*/ 1157886 w 1471843"/>
+              <a:gd name="connsiteY1" fmla="*/ 73276 h 1314537"/>
+              <a:gd name="connsiteX2" fmla="*/ 1451441 w 1471843"/>
+              <a:gd name="connsiteY2" fmla="*/ 581732 h 1314537"/>
+              <a:gd name="connsiteX3" fmla="*/ 1451441 w 1471843"/>
+              <a:gd name="connsiteY3" fmla="*/ 730545 h 1314537"/>
+              <a:gd name="connsiteX4" fmla="*/ 1157886 w 1471843"/>
+              <a:gd name="connsiteY4" fmla="*/ 1239001 h 1314537"/>
+              <a:gd name="connsiteX5" fmla="*/ 1029010 w 1471843"/>
+              <a:gd name="connsiteY5" fmla="*/ 1313407 h 1314537"/>
+              <a:gd name="connsiteX6" fmla="*/ 441900 w 1471843"/>
+              <a:gd name="connsiteY6" fmla="*/ 1313407 h 1314537"/>
+              <a:gd name="connsiteX7" fmla="*/ 313025 w 1471843"/>
+              <a:gd name="connsiteY7" fmla="*/ 1239001 h 1314537"/>
+              <a:gd name="connsiteX8" fmla="*/ 19470 w 1471843"/>
+              <a:gd name="connsiteY8" fmla="*/ 730545 h 1314537"/>
+              <a:gd name="connsiteX9" fmla="*/ 19470 w 1471843"/>
+              <a:gd name="connsiteY9" fmla="*/ 581732 h 1314537"/>
+              <a:gd name="connsiteX10" fmla="*/ 313025 w 1471843"/>
+              <a:gd name="connsiteY10" fmla="*/ 73276 h 1314537"/>
+              <a:gd name="connsiteX11" fmla="*/ 441900 w 1471843"/>
+              <a:gd name="connsiteY11" fmla="*/ -1130 h 1314537"/>
+              <a:gd name="connsiteX12" fmla="*/ 1029010 w 1471843"/>
+              <a:gd name="connsiteY12" fmla="*/ -1130 h 1314537"/>
+            </a:gdLst>
+            <a:ahLst/>
+            <a:cxnLst>
+              <a:cxn ang="0">
+                <a:pos x="connsiteX0" y="connsiteY0"/>
+              </a:cxn>
+              <a:cxn ang="0">
+                <a:pos x="connsiteX1" y="connsiteY1"/>
+              </a:cxn>
+              <a:cxn ang="0">
+                <a:pos x="connsiteX2" y="connsiteY2"/>
+              </a:cxn>
+              <a:cxn ang="0">
+                <a:pos x="connsiteX3" y="connsiteY3"/>
+              </a:cxn>
+              <a:cxn ang="0">
+                <a:pos x="connsiteX4" y="connsiteY4"/>
+              </a:cxn>
+              <a:cxn ang="0">
+                <a:pos x="connsiteX5" y="connsiteY5"/>
+              </a:cxn>
+              <a:cxn ang="0">
+                <a:pos x="connsiteX6" y="connsiteY6"/>
+              </a:cxn>
+              <a:cxn ang="0">
+                <a:pos x="connsiteX7" y="connsiteY7"/>
+              </a:cxn>
+              <a:cxn ang="0">
+                <a:pos x="connsiteX8" y="connsiteY8"/>
+              </a:cxn>
+              <a:cxn ang="0">
+                <a:pos x="connsiteX9" y="connsiteY9"/>
+              </a:cxn>
+              <a:cxn ang="0">
+                <a:pos x="connsiteX10" y="connsiteY10"/>
+              </a:cxn>
+              <a:cxn ang="0">
+                <a:pos x="connsiteX11" y="connsiteY11"/>
+              </a:cxn>
+              <a:cxn ang="0">
+                <a:pos x="connsiteX12" y="connsiteY12"/>
+              </a:cxn>
+            </a:cxnLst>
+            <a:rect l="l" t="t" r="r" b="b"/>
+            <a:pathLst>
+              <a:path w="1471843" h="1314537">
+                <a:moveTo>
+                  <a:pt x="1029010" y="-1130"/>
+                </a:moveTo>
+                <a:cubicBezTo>
+                  <a:pt x="1082178" y="-1130"/>
+                  <a:pt x="1131308" y="27218"/>
+                  <a:pt x="1157886" y="73276"/>
+                </a:cubicBezTo>
+                <a:lnTo>
+                  <a:pt x="1451441" y="581732"/>
+                </a:lnTo>
+                <a:cubicBezTo>
+                  <a:pt x="1478023" y="627790"/>
+                  <a:pt x="1478023" y="684487"/>
+                  <a:pt x="1451441" y="730545"/>
+                </a:cubicBezTo>
+                <a:lnTo>
+                  <a:pt x="1157886" y="1239001"/>
+                </a:lnTo>
+                <a:cubicBezTo>
+                  <a:pt x="1131308" y="1285058"/>
+                  <a:pt x="1082178" y="1313407"/>
+                  <a:pt x="1029010" y="1313407"/>
+                </a:cubicBezTo>
+                <a:lnTo>
+                  <a:pt x="441900" y="1313407"/>
+                </a:lnTo>
+                <a:cubicBezTo>
+                  <a:pt x="388733" y="1313407"/>
+                  <a:pt x="339603" y="1285058"/>
+                  <a:pt x="313025" y="1239001"/>
+                </a:cubicBezTo>
+                <a:lnTo>
+                  <a:pt x="19470" y="730545"/>
+                </a:lnTo>
+                <a:cubicBezTo>
+                  <a:pt x="-7112" y="684487"/>
+                  <a:pt x="-7112" y="627790"/>
+                  <a:pt x="19470" y="581732"/>
+                </a:cubicBezTo>
+                <a:lnTo>
+                  <a:pt x="313025" y="73276"/>
+                </a:lnTo>
+                <a:cubicBezTo>
+                  <a:pt x="339603" y="27218"/>
+                  <a:pt x="388733" y="-1130"/>
+                  <a:pt x="441900" y="-1130"/>
+                </a:cubicBezTo>
+                <a:lnTo>
+                  <a:pt x="1029010" y="-1130"/>
+                </a:lnTo>
+                <a:close/>
+              </a:path>
+            </a:pathLst>
+          </a:custGeom>
+          <a:gradFill>
+            <a:gsLst>
+              <a:gs pos="0">
+                <a:schemeClr val="accent1">
+                  <a:lumMod val="95000"/>
+                </a:schemeClr>
+              </a:gs>
+              <a:gs pos="50000">
+                <a:schemeClr val="accent1">
+                  <a:lumMod val="90000"/>
+                  <a:lumOff val="10000"/>
+                </a:schemeClr>
+              </a:gs>
+              <a:gs pos="100000">
+                <a:schemeClr val="accent1">
+                  <a:lumMod val="50000"/>
+                  <a:lumOff val="50000"/>
+                </a:schemeClr>
+              </a:gs>
+            </a:gsLst>
+            <a:lin ang="18900000" scaled="0"/>
+          </a:gradFill>
+          <a:ln w="9525" cap="flat">
+            <a:noFill/>
+            <a:prstDash val="solid"/>
+            <a:miter/>
+          </a:ln>
+          <a:effectLst>
+            <a:outerShdw blurRad="127000" dist="127000" dir="7200000" sx="101000" sy="101000" algn="tr" rotWithShape="0">
+              <a:schemeClr val="accent1">
+                <a:alpha val="20000"/>
+              </a:schemeClr>
+            </a:outerShdw>
+          </a:effectLst>
+        </p:spPr>
+        <p:txBody>
+          <a:bodyPr rtlCol="0" anchor="ctr">
+            <a:noAutofit/>
+          </a:bodyPr>
+          <a:p>
+            <a:pPr lvl="0" algn="l">
+              <a:buClrTx/>
+              <a:buSzTx/>
+              <a:buFontTx/>
+            </a:pPr>
+            <a:endParaRPr lang="zh-CN" altLang="en-US">
+              <a:sym typeface="+mn-ea"/>
+            </a:endParaRPr>
+          </a:p>
+        </p:txBody>
+      </p:sp>
+      <p:pic>
+        <p:nvPicPr>
+          <p:cNvPr id="22" name="图片 3" descr="拼图"/>
+          <p:cNvPicPr>
+            <a:picLocks noChangeAspect="1"/>
+          </p:cNvPicPr>
+          <p:nvPr>
+            <p:custDataLst>
+              <p:tags r:id="rId21"/>
+            </p:custDataLst>
+          </p:nvPr>
+        </p:nvPicPr>
+        <p:blipFill>
+          <a:blip r:embed="rId22">
+            <a:extLst>
+              <a:ext uri="{96DAC541-7B7A-43D3-8B79-37D633B846F1}">
+                <asvg:svgBlip xmlns:asvg="http://schemas.microsoft.com/office/drawing/2016/SVG/main" r:embed="rId23"/>
+              </a:ext>
+            </a:extLst>
+          </a:blip>
+          <a:stretch>
+            <a:fillRect/>
+          </a:stretch>
+        </p:blipFill>
+        <p:spPr>
+          <a:xfrm rot="16200000">
+            <a:off x="3981599" y="2502392"/>
+            <a:ext cx="618490" cy="618490"/>
+          </a:xfrm>
+          <a:prstGeom prst="rect">
+            <a:avLst/>
+          </a:prstGeom>
+        </p:spPr>
+      </p:pic>
+      <p:sp>
+        <p:nvSpPr>
+          <p:cNvPr id="23" name="标题"/>
+          <p:cNvSpPr txBox="1"/>
+          <p:nvPr>
+            <p:custDataLst>
+              <p:tags r:id="rId24"/>
+            </p:custDataLst>
+          </p:nvPr>
+        </p:nvSpPr>
+        <p:spPr>
+          <a:xfrm>
+            <a:off x="3049801" y="3229477"/>
+            <a:ext cx="2481587" cy="1055072"/>
+          </a:xfrm>
+          <a:prstGeom prst="rect">
+            <a:avLst/>
+          </a:prstGeom>
+          <a:noFill/>
+        </p:spPr>
+        <p:txBody>
+          <a:bodyPr wrap="square" lIns="0" tIns="0" rIns="0" bIns="0" rtlCol="0" anchor="t" anchorCtr="0">
+            <a:normAutofit fontScale="90000" lnSpcReduction="20000"/>
+          </a:bodyPr>
+          <a:p>
+            <a:pPr algn="ctr"/>
+            <a:r>
+              <a:rPr lang="zh-CN" altLang="en-US" sz="4000" b="1" spc="300" dirty="0">
+                <a:solidFill>
+                  <a:srgbClr val="FFFFFF"/>
+                </a:solidFill>
+                <a:latin typeface="+mn-ea"/>
+              </a:rPr>
+              <a:t>upload image</a:t>
+            </a:r>
+            <a:endParaRPr lang="zh-CN" altLang="en-US" sz="4000" b="1" spc="300" dirty="0">
+              <a:solidFill>
+                <a:srgbClr val="FFFFFF"/>
+              </a:solidFill>
+              <a:latin typeface="+mn-ea"/>
+            </a:endParaRPr>
+          </a:p>
+        </p:txBody>
+      </p:sp>
+      <p:sp>
+        <p:nvSpPr>
+          <p:cNvPr id="24" name="标题"/>
+          <p:cNvSpPr txBox="1"/>
+          <p:nvPr>
+            <p:custDataLst>
+              <p:tags r:id="rId25"/>
+            </p:custDataLst>
+          </p:nvPr>
+        </p:nvSpPr>
+        <p:spPr>
+          <a:xfrm>
+            <a:off x="6803947" y="4131113"/>
+            <a:ext cx="2410354" cy="1055072"/>
+          </a:xfrm>
+          <a:prstGeom prst="rect">
+            <a:avLst/>
+          </a:prstGeom>
+          <a:noFill/>
+        </p:spPr>
+        <p:txBody>
+          <a:bodyPr wrap="square" lIns="0" tIns="0" rIns="0" bIns="0" rtlCol="0" anchor="t" anchorCtr="0">
+            <a:normAutofit fontScale="90000" lnSpcReduction="20000"/>
+          </a:bodyPr>
+          <a:p>
+            <a:pPr algn="ctr"/>
+            <a:r>
+              <a:rPr lang="zh-CN" altLang="en-US" sz="4000" b="1" spc="300" dirty="0">
+                <a:solidFill>
+                  <a:srgbClr val="FFFFFF"/>
+                </a:solidFill>
+                <a:latin typeface="+mn-ea"/>
+                <a:sym typeface="+mn-ea"/>
+              </a:rPr>
+              <a:t>view image</a:t>
+            </a:r>
+            <a:endParaRPr lang="zh-CN" altLang="en-US" sz="4000" b="1" spc="300" dirty="0">
+              <a:solidFill>
+                <a:srgbClr val="FFFFFF"/>
+              </a:solidFill>
+              <a:latin typeface="+mn-ea"/>
+              <a:sym typeface="+mn-ea"/>
+            </a:endParaRPr>
+          </a:p>
+        </p:txBody>
+      </p:sp>
+      <p:pic>
+        <p:nvPicPr>
+          <p:cNvPr id="26" name="图片 8" descr="设置"/>
+          <p:cNvPicPr>
+            <a:picLocks noChangeAspect="1"/>
+          </p:cNvPicPr>
+          <p:nvPr>
+            <p:custDataLst>
+              <p:tags r:id="rId26"/>
+            </p:custDataLst>
+          </p:nvPr>
+        </p:nvPicPr>
+        <p:blipFill>
+          <a:blip r:embed="rId27">
+            <a:extLst>
+              <a:ext uri="{96DAC541-7B7A-43D3-8B79-37D633B846F1}">
+                <asvg:svgBlip xmlns:asvg="http://schemas.microsoft.com/office/drawing/2016/SVG/main" r:embed="rId28"/>
+              </a:ext>
+            </a:extLst>
+          </a:blip>
+          <a:stretch>
+            <a:fillRect/>
+          </a:stretch>
+        </p:blipFill>
+        <p:spPr>
+          <a:xfrm>
+            <a:off x="7710717" y="3487454"/>
+            <a:ext cx="472963" cy="472963"/>
+          </a:xfrm>
+          <a:prstGeom prst="rect">
+            <a:avLst/>
+          </a:prstGeom>
+        </p:spPr>
+      </p:pic>
+    </p:spTree>
+    <p:custDataLst>
+      <p:tags r:id="rId29"/>
+    </p:custDataLst>
+  </p:cSld>
+  <p:clrMapOvr>
+    <a:masterClrMapping/>
+  </p:clrMapOvr>
+</p:sld>
+</file>
+
+<file path=ppt/slides/slide8.xml><?xml version="1.0" encoding="utf-8"?>
+<p:sld xmlns:a="http://schemas.openxmlformats.org/drawingml/2006/main" xmlns:r="http://schemas.openxmlformats.org/officeDocument/2006/relationships" xmlns:p="http://schemas.openxmlformats.org/presentationml/2006/main">
+  <p:cSld>
+    <p:spTree>
+      <p:nvGrpSpPr>
+        <p:cNvPr id="1" name=""/>
+        <p:cNvGrpSpPr/>
+        <p:nvPr/>
+      </p:nvGrpSpPr>
+      <p:grpSpPr/>
+      <p:sp>
+        <p:nvSpPr>
+          <p:cNvPr id="2" name="标题 1"/>
+          <p:cNvSpPr>
+            <a:spLocks noGrp="1"/>
+          </p:cNvSpPr>
+          <p:nvPr>
+            <p:ph type="title"/>
+          </p:nvPr>
+        </p:nvSpPr>
+        <p:spPr/>
+        <p:txBody>
+          <a:bodyPr/>
+          <a:p>
+            <a:r>
+              <a:rPr lang="en-US" altLang="zh-CN"/>
+              <a:t>Upload </a:t>
+            </a:r>
+            <a:r>
+              <a:rPr lang="en-US" altLang="zh-CN"/>
+              <a:t>Image</a:t>
+            </a:r>
+            <a:endParaRPr lang="en-US" altLang="zh-CN"/>
+          </a:p>
+        </p:txBody>
+      </p:sp>
+      <p:pic>
+        <p:nvPicPr>
+          <p:cNvPr id="4" name="内容占位符 3"/>
+          <p:cNvPicPr>
+            <a:picLocks noChangeAspect="1"/>
+          </p:cNvPicPr>
+          <p:nvPr>
+            <p:ph idx="1"/>
+          </p:nvPr>
+        </p:nvPicPr>
+        <p:blipFill>
+          <a:blip r:embed="rId1"/>
+          <a:stretch>
+            <a:fillRect/>
+          </a:stretch>
+        </p:blipFill>
+        <p:spPr>
+          <a:xfrm>
+            <a:off x="2498090" y="1601470"/>
+            <a:ext cx="4799330" cy="4759325"/>
+          </a:xfrm>
+          <a:prstGeom prst="rect">
+            <a:avLst/>
+          </a:prstGeom>
+        </p:spPr>
+      </p:pic>
+    </p:spTree>
+    <p:custDataLst>
+      <p:tags r:id="rId2"/>
+    </p:custDataLst>
+  </p:cSld>
+  <p:clrMapOvr>
+    <a:masterClrMapping/>
+  </p:clrMapOvr>
+</p:sld>
+</file>
+
+<file path=ppt/slides/slide9.xml><?xml version="1.0" encoding="utf-8"?>
+<p:sld xmlns:a="http://schemas.openxmlformats.org/drawingml/2006/main" xmlns:r="http://schemas.openxmlformats.org/officeDocument/2006/relationships" xmlns:p="http://schemas.openxmlformats.org/presentationml/2006/main">
+  <p:cSld>
+    <p:spTree>
+      <p:nvGrpSpPr>
+        <p:cNvPr id="1" name=""/>
+        <p:cNvGrpSpPr/>
+        <p:nvPr/>
+      </p:nvGrpSpPr>
+      <p:grpSpPr/>
+      <p:sp>
+        <p:nvSpPr>
+          <p:cNvPr id="2" name="标题 1"/>
+          <p:cNvSpPr>
+            <a:spLocks noGrp="1"/>
+          </p:cNvSpPr>
+          <p:nvPr>
+            <p:ph type="title"/>
+          </p:nvPr>
+        </p:nvSpPr>
+        <p:spPr/>
+        <p:txBody>
+          <a:bodyPr/>
+          <a:p>
+            <a:r>
+              <a:rPr lang="en-US" altLang="zh-CN"/>
+              <a:t>User</a:t>
+            </a:r>
+            <a:r>
+              <a:rPr lang="zh-CN" altLang="en-US"/>
+              <a:t>：</a:t>
+            </a:r>
+            <a:r>
+              <a:rPr lang="en-US" altLang="zh-CN"/>
+              <a:t>  my </a:t>
+            </a:r>
+            <a:r>
+              <a:rPr lang="en-US" altLang="zh-CN"/>
+              <a:t>image</a:t>
+            </a:r>
+            <a:endParaRPr lang="en-US" altLang="zh-CN"/>
+          </a:p>
+        </p:txBody>
+      </p:sp>
+      <p:pic>
+        <p:nvPicPr>
+          <p:cNvPr id="4" name="内容占位符 3"/>
+          <p:cNvPicPr>
+            <a:picLocks noChangeAspect="1"/>
+          </p:cNvPicPr>
+          <p:nvPr>
+            <p:ph idx="1"/>
+          </p:nvPr>
+        </p:nvPicPr>
+        <p:blipFill>
+          <a:blip r:embed="rId1"/>
+          <a:stretch>
+            <a:fillRect/>
+          </a:stretch>
+        </p:blipFill>
+        <p:spPr>
+          <a:xfrm>
+            <a:off x="749935" y="2112010"/>
+            <a:ext cx="8620125" cy="3514725"/>
+          </a:xfrm>
+          <a:prstGeom prst="rect">
+            <a:avLst/>
+          </a:prstGeom>
+        </p:spPr>
+      </p:pic>
+    </p:spTree>
+    <p:custDataLst>
+      <p:tags r:id="rId2"/>
+    </p:custDataLst>
+  </p:cSld>
+  <p:clrMapOvr>
+    <a:masterClrMapping/>
+  </p:clrMapOvr>
+</p:sld>
+</file>
+
 <file path=ppt/tags/tag1.xml><?xml version="1.0" encoding="utf-8"?>
 <p:tagLst xmlns:p="http://schemas.openxmlformats.org/presentationml/2006/main">
   <p:tag name="KSO_WM_UNIT_HIGHLIGHT" val="0"/>
@@ -3731,6 +7900,14 @@
   <p:tag name="KSO_WM_UNIT_LAYERLEVEL" val="1"/>
   <p:tag name="KSO_WM_TAG_VERSION" val="1.0"/>
   <p:tag name="KSO_WM_BEAUTIFY_FLAG" val="#wm#"/>
+</p:tagLst>
+</file>
+
+<file path=ppt/tags/tag100.xml><?xml version="1.0" encoding="utf-8"?>
+<p:tagLst xmlns:p="http://schemas.openxmlformats.org/presentationml/2006/main">
+  <p:tag name="KSO_WM_BEAUTIFY_FLAG" val="#wm#"/>
+  <p:tag name="KSO_WM_TEMPLATE_CATEGORY" val="custom"/>
+  <p:tag name="KSO_WM_TEMPLATE_INDEX" val="20205081"/>
 </p:tagLst>
 </file>
 
@@ -4600,9 +8777,267 @@
 
 <file path=ppt/tags/tag71.xml><?xml version="1.0" encoding="utf-8"?>
 <p:tagLst xmlns:p="http://schemas.openxmlformats.org/presentationml/2006/main">
+  <p:tag name="KSO_WM_UNIT_ISCONTENTSTITLE" val="0"/>
+  <p:tag name="KSO_WM_UNIT_ISNUMDGMTITLE" val="0"/>
+  <p:tag name="KSO_WM_UNIT_NOCLEAR" val="0"/>
+  <p:tag name="KSO_WM_UNIT_HIGHLIGHT" val="0"/>
+  <p:tag name="KSO_WM_UNIT_COMPATIBLE" val="0"/>
+  <p:tag name="KSO_WM_UNIT_DIAGRAM_ISNUMVISUAL" val="0"/>
+  <p:tag name="KSO_WM_UNIT_DIAGRAM_ISREFERUNIT" val="0"/>
+  <p:tag name="KSO_WM_UNIT_TYPE" val="a"/>
+  <p:tag name="KSO_WM_UNIT_INDEX" val="1"/>
+  <p:tag name="KSO_WM_UNIT_ID" val="diagram20235187_5*a*1"/>
+  <p:tag name="KSO_WM_TEMPLATE_CATEGORY" val="diagram"/>
+  <p:tag name="KSO_WM_TEMPLATE_INDEX" val="20235187"/>
+  <p:tag name="KSO_WM_UNIT_LAYERLEVEL" val="1"/>
+  <p:tag name="KSO_WM_TAG_VERSION" val="3.0"/>
   <p:tag name="KSO_WM_BEAUTIFY_FLAG" val="#wm#"/>
-  <p:tag name="KSO_WM_TEMPLATE_CATEGORY" val="custom"/>
-  <p:tag name="KSO_WM_TEMPLATE_INDEX" val="20205081"/>
+  <p:tag name="KSO_WM_DIAGRAM_GROUP_CODE" val="l1-1"/>
+  <p:tag name="KSO_WM_UNIT_PRESET_TEXT" val="单击此处添加标题"/>
+  <p:tag name="KSO_WM_UNIT_TEXT_TYPE" val="1"/>
+  <p:tag name="KSO_WM_UNIT_TEXT_FILL_FORE_SCHEMECOLOR_INDEX" val="13"/>
+  <p:tag name="KSO_WM_UNIT_TEXT_FILL_TYPE" val="1"/>
+  <p:tag name="KSO_WM_UNIT_USESOURCEFORMAT_APPLY" val="1"/>
+</p:tagLst>
+</file>
+
+<file path=ppt/tags/tag72.xml><?xml version="1.0" encoding="utf-8"?>
+<p:tagLst xmlns:p="http://schemas.openxmlformats.org/presentationml/2006/main">
+  <p:tag name="KSO_WM_UNIT_HIGHLIGHT" val="0"/>
+  <p:tag name="KSO_WM_UNIT_COMPATIBLE" val="0"/>
+  <p:tag name="KSO_WM_UNIT_DIAGRAM_ISNUMVISUAL" val="0"/>
+  <p:tag name="KSO_WM_UNIT_DIAGRAM_ISREFERUNIT" val="0"/>
+  <p:tag name="KSO_WM_UNIT_TYPE" val="l_i"/>
+  <p:tag name="KSO_WM_UNIT_INDEX" val="1_1"/>
+  <p:tag name="KSO_WM_UNIT_ID" val="diagram20235187_1*l_i*1_1"/>
+  <p:tag name="KSO_WM_TEMPLATE_CATEGORY" val="diagram"/>
+  <p:tag name="KSO_WM_TEMPLATE_INDEX" val="20235187"/>
+  <p:tag name="KSO_WM_UNIT_LAYERLEVEL" val="1_1"/>
+  <p:tag name="KSO_WM_TAG_VERSION" val="3.0"/>
+  <p:tag name="KSO_WM_BEAUTIFY_FLAG" val="#wm#"/>
+  <p:tag name="KSO_WM_DIAGRAM_GROUP_CODE" val="l1-1"/>
+  <p:tag name="KSO_WM_DIAGRAM_VERSION" val="3"/>
+  <p:tag name="KSO_WM_DIAGRAM_COLOR_TRICK" val="4"/>
+  <p:tag name="KSO_WM_DIAGRAM_COLOR_TEXT_CAN_REMOVE" val="n"/>
+  <p:tag name="KSO_WM_UNIT_LINE_FORE_SCHEMECOLOR_INDEX" val="15"/>
+  <p:tag name="KSO_WM_DIAGRAM_MAX_ITEMCNT" val="6"/>
+  <p:tag name="KSO_WM_DIAGRAM_MIN_ITEMCNT" val="2"/>
+  <p:tag name="KSO_WM_DIAGRAM_VIRTUALLY_FRAME" val="{&quot;height&quot;:402.47331271045783,&quot;left&quot;:25.23661417322836,&quot;top&quot;:93.85602081012544,&quot;width&quot;:870.6363779527559}"/>
+  <p:tag name="KSO_WM_DIAGRAM_COLOR_MATCH_VALUE" val="{&quot;shape&quot;:{&quot;fill&quot;:{&quot;type&quot;:0},&quot;glow&quot;:{&quot;colorType&quot;:0},&quot;line&quot;:{&quot;solidLine&quot;:{&quot;brightness&quot;:0.5,&quot;colorType&quot;:1,&quot;foreColorIndex&quot;:15,&quot;transparency&quot;:0.800000011920929},&quot;type&quot;:1},&quot;shadow&quot;:{&quot;colorType&quot;:0},&quot;threeD&quot;:{&quot;curvedSurface&quot;:{&quot;brightness&quot;:0,&quot;colorType&quot;:2,&quot;rgb&quot;:&quot;#000000&quot;},&quot;depth&quot;:{&quot;colorType&quot;:0}}},&quot;text&quot;:{&quot;fill&quot;:{&quot;solid&quot;:{&quot;brightness&quot;:0,&quot;colorType&quot;:1,&quot;foreColorIndex&quot;:13,&quot;transparency&quot;:0},&quot;type&quot;:1},&quot;glow&quot;:{&quot;colorType&quot;:0},&quot;line&quot;:{&quot;type&quot;:0},&quot;shadow&quot;:{&quot;colorType&quot;:0},&quot;threeD&quot;:{&quot;curvedSurface&quot;:{&quot;brightness&quot;:0,&quot;colorType&quot;:2,&quot;rgb&quot;:&quot;#000000&quot;},&quot;depth&quot;:{&quot;colorType&quot;:0}}}}"/>
+  <p:tag name="KSO_WM_UNIT_LINE_FILL_TYPE" val="2"/>
+  <p:tag name="KSO_WM_UNIT_TEXT_FILL_FORE_SCHEMECOLOR_INDEX" val="13"/>
+  <p:tag name="KSO_WM_UNIT_TEXT_FILL_TYPE" val="1"/>
+  <p:tag name="KSO_WM_UNIT_USESOURCEFORMAT_APPLY" val="1"/>
+</p:tagLst>
+</file>
+
+<file path=ppt/tags/tag73.xml><?xml version="1.0" encoding="utf-8"?>
+<p:tagLst xmlns:p="http://schemas.openxmlformats.org/presentationml/2006/main">
+  <p:tag name="KSO_WM_UNIT_HIGHLIGHT" val="0"/>
+  <p:tag name="KSO_WM_UNIT_COMPATIBLE" val="0"/>
+  <p:tag name="KSO_WM_UNIT_DIAGRAM_ISNUMVISUAL" val="0"/>
+  <p:tag name="KSO_WM_UNIT_DIAGRAM_ISREFERUNIT" val="0"/>
+  <p:tag name="KSO_WM_UNIT_TYPE" val="l_i"/>
+  <p:tag name="KSO_WM_UNIT_INDEX" val="1_2"/>
+  <p:tag name="KSO_WM_UNIT_ID" val="diagram20235187_1*l_i*1_2"/>
+  <p:tag name="KSO_WM_TEMPLATE_CATEGORY" val="diagram"/>
+  <p:tag name="KSO_WM_TEMPLATE_INDEX" val="20235187"/>
+  <p:tag name="KSO_WM_UNIT_LAYERLEVEL" val="1_1"/>
+  <p:tag name="KSO_WM_TAG_VERSION" val="3.0"/>
+  <p:tag name="KSO_WM_BEAUTIFY_FLAG" val="#wm#"/>
+  <p:tag name="KSO_WM_DIAGRAM_GROUP_CODE" val="l1-1"/>
+  <p:tag name="KSO_WM_DIAGRAM_VERSION" val="3"/>
+  <p:tag name="KSO_WM_DIAGRAM_COLOR_TRICK" val="4"/>
+  <p:tag name="KSO_WM_DIAGRAM_COLOR_TEXT_CAN_REMOVE" val="n"/>
+  <p:tag name="KSO_WM_UNIT_LINE_FORE_SCHEMECOLOR_INDEX" val="15"/>
+  <p:tag name="KSO_WM_DIAGRAM_MAX_ITEMCNT" val="6"/>
+  <p:tag name="KSO_WM_DIAGRAM_MIN_ITEMCNT" val="2"/>
+  <p:tag name="KSO_WM_DIAGRAM_VIRTUALLY_FRAME" val="{&quot;height&quot;:402.47331271045783,&quot;left&quot;:25.23661417322836,&quot;top&quot;:93.85602081012544,&quot;width&quot;:870.6363779527559}"/>
+  <p:tag name="KSO_WM_DIAGRAM_COLOR_MATCH_VALUE" val="{&quot;shape&quot;:{&quot;fill&quot;:{&quot;type&quot;:0},&quot;glow&quot;:{&quot;colorType&quot;:0},&quot;line&quot;:{&quot;solidLine&quot;:{&quot;brightness&quot;:0.5,&quot;colorType&quot;:1,&quot;foreColorIndex&quot;:15,&quot;transparency&quot;:0.8500000238418579},&quot;type&quot;:1},&quot;shadow&quot;:{&quot;colorType&quot;:0},&quot;threeD&quot;:{&quot;curvedSurface&quot;:{&quot;brightness&quot;:0,&quot;colorType&quot;:2,&quot;rgb&quot;:&quot;#000000&quot;},&quot;depth&quot;:{&quot;colorType&quot;:0}}},&quot;text&quot;:{&quot;fill&quot;:{&quot;solid&quot;:{&quot;brightness&quot;:0,&quot;colorType&quot;:1,&quot;foreColorIndex&quot;:13,&quot;transparency&quot;:0},&quot;type&quot;:1},&quot;glow&quot;:{&quot;colorType&quot;:0},&quot;line&quot;:{&quot;type&quot;:0},&quot;shadow&quot;:{&quot;colorType&quot;:0},&quot;threeD&quot;:{&quot;curvedSurface&quot;:{&quot;brightness&quot;:0,&quot;colorType&quot;:2,&quot;rgb&quot;:&quot;#000000&quot;},&quot;depth&quot;:{&quot;colorType&quot;:0}}}}"/>
+  <p:tag name="KSO_WM_UNIT_LINE_FILL_TYPE" val="2"/>
+  <p:tag name="KSO_WM_UNIT_TEXT_FILL_FORE_SCHEMECOLOR_INDEX" val="13"/>
+  <p:tag name="KSO_WM_UNIT_TEXT_FILL_TYPE" val="1"/>
+  <p:tag name="KSO_WM_UNIT_USESOURCEFORMAT_APPLY" val="1"/>
+</p:tagLst>
+</file>
+
+<file path=ppt/tags/tag74.xml><?xml version="1.0" encoding="utf-8"?>
+<p:tagLst xmlns:p="http://schemas.openxmlformats.org/presentationml/2006/main">
+  <p:tag name="KSO_WM_UNIT_HIGHLIGHT" val="0"/>
+  <p:tag name="KSO_WM_UNIT_COMPATIBLE" val="0"/>
+  <p:tag name="KSO_WM_UNIT_DIAGRAM_ISNUMVISUAL" val="0"/>
+  <p:tag name="KSO_WM_UNIT_DIAGRAM_ISREFERUNIT" val="0"/>
+  <p:tag name="KSO_WM_UNIT_TYPE" val="l_i"/>
+  <p:tag name="KSO_WM_UNIT_INDEX" val="1_3"/>
+  <p:tag name="KSO_WM_UNIT_ID" val="diagram20235187_1*l_i*1_3"/>
+  <p:tag name="KSO_WM_TEMPLATE_CATEGORY" val="diagram"/>
+  <p:tag name="KSO_WM_TEMPLATE_INDEX" val="20235187"/>
+  <p:tag name="KSO_WM_UNIT_LAYERLEVEL" val="1_1"/>
+  <p:tag name="KSO_WM_TAG_VERSION" val="3.0"/>
+  <p:tag name="KSO_WM_BEAUTIFY_FLAG" val="#wm#"/>
+  <p:tag name="KSO_WM_DIAGRAM_GROUP_CODE" val="l1-1"/>
+  <p:tag name="KSO_WM_DIAGRAM_VERSION" val="3"/>
+  <p:tag name="KSO_WM_DIAGRAM_COLOR_TRICK" val="4"/>
+  <p:tag name="KSO_WM_DIAGRAM_COLOR_TEXT_CAN_REMOVE" val="n"/>
+  <p:tag name="KSO_WM_UNIT_LINE_FORE_SCHEMECOLOR_INDEX" val="15"/>
+  <p:tag name="KSO_WM_DIAGRAM_MAX_ITEMCNT" val="6"/>
+  <p:tag name="KSO_WM_DIAGRAM_MIN_ITEMCNT" val="2"/>
+  <p:tag name="KSO_WM_DIAGRAM_VIRTUALLY_FRAME" val="{&quot;height&quot;:402.47331271045783,&quot;left&quot;:25.23661417322836,&quot;top&quot;:93.85602081012544,&quot;width&quot;:870.6363779527559}"/>
+  <p:tag name="KSO_WM_DIAGRAM_COLOR_MATCH_VALUE" val="{&quot;shape&quot;:{&quot;fill&quot;:{&quot;type&quot;:0},&quot;glow&quot;:{&quot;colorType&quot;:0},&quot;line&quot;:{&quot;solidLine&quot;:{&quot;brightness&quot;:0.5,&quot;colorType&quot;:1,&quot;foreColorIndex&quot;:15,&quot;transparency&quot;:0.8500000238418579},&quot;type&quot;:1},&quot;shadow&quot;:{&quot;colorType&quot;:0},&quot;threeD&quot;:{&quot;curvedSurface&quot;:{&quot;brightness&quot;:0,&quot;colorType&quot;:2,&quot;rgb&quot;:&quot;#000000&quot;},&quot;depth&quot;:{&quot;colorType&quot;:0}}},&quot;text&quot;:{&quot;fill&quot;:{&quot;solid&quot;:{&quot;brightness&quot;:0,&quot;colorType&quot;:1,&quot;foreColorIndex&quot;:13,&quot;transparency&quot;:0},&quot;type&quot;:1},&quot;glow&quot;:{&quot;colorType&quot;:0},&quot;line&quot;:{&quot;type&quot;:0},&quot;shadow&quot;:{&quot;colorType&quot;:0},&quot;threeD&quot;:{&quot;curvedSurface&quot;:{&quot;brightness&quot;:0,&quot;colorType&quot;:2,&quot;rgb&quot;:&quot;#000000&quot;},&quot;depth&quot;:{&quot;colorType&quot;:0}}}}"/>
+  <p:tag name="KSO_WM_UNIT_LINE_FILL_TYPE" val="2"/>
+  <p:tag name="KSO_WM_UNIT_TEXT_FILL_FORE_SCHEMECOLOR_INDEX" val="13"/>
+  <p:tag name="KSO_WM_UNIT_TEXT_FILL_TYPE" val="1"/>
+  <p:tag name="KSO_WM_UNIT_USESOURCEFORMAT_APPLY" val="1"/>
+</p:tagLst>
+</file>
+
+<file path=ppt/tags/tag75.xml><?xml version="1.0" encoding="utf-8"?>
+<p:tagLst xmlns:p="http://schemas.openxmlformats.org/presentationml/2006/main">
+  <p:tag name="KSO_WM_UNIT_HIGHLIGHT" val="0"/>
+  <p:tag name="KSO_WM_UNIT_COMPATIBLE" val="0"/>
+  <p:tag name="KSO_WM_UNIT_DIAGRAM_ISNUMVISUAL" val="0"/>
+  <p:tag name="KSO_WM_UNIT_DIAGRAM_ISREFERUNIT" val="0"/>
+  <p:tag name="KSO_WM_UNIT_TYPE" val="l_i"/>
+  <p:tag name="KSO_WM_UNIT_INDEX" val="1_4"/>
+  <p:tag name="KSO_WM_UNIT_ID" val="diagram20235187_1*l_i*1_4"/>
+  <p:tag name="KSO_WM_TEMPLATE_CATEGORY" val="diagram"/>
+  <p:tag name="KSO_WM_TEMPLATE_INDEX" val="20235187"/>
+  <p:tag name="KSO_WM_UNIT_LAYERLEVEL" val="1_1"/>
+  <p:tag name="KSO_WM_TAG_VERSION" val="3.0"/>
+  <p:tag name="KSO_WM_BEAUTIFY_FLAG" val="#wm#"/>
+  <p:tag name="KSO_WM_DIAGRAM_GROUP_CODE" val="l1-1"/>
+  <p:tag name="KSO_WM_DIAGRAM_VERSION" val="3"/>
+  <p:tag name="KSO_WM_DIAGRAM_COLOR_TRICK" val="4"/>
+  <p:tag name="KSO_WM_DIAGRAM_COLOR_TEXT_CAN_REMOVE" val="n"/>
+  <p:tag name="KSO_WM_UNIT_LINE_FORE_SCHEMECOLOR_INDEX" val="15"/>
+  <p:tag name="KSO_WM_DIAGRAM_MAX_ITEMCNT" val="6"/>
+  <p:tag name="KSO_WM_DIAGRAM_MIN_ITEMCNT" val="2"/>
+  <p:tag name="KSO_WM_DIAGRAM_VIRTUALLY_FRAME" val="{&quot;height&quot;:402.47331271045783,&quot;left&quot;:25.23661417322836,&quot;top&quot;:93.85602081012544,&quot;width&quot;:870.6363779527559}"/>
+  <p:tag name="KSO_WM_DIAGRAM_COLOR_MATCH_VALUE" val="{&quot;shape&quot;:{&quot;fill&quot;:{&quot;type&quot;:0},&quot;glow&quot;:{&quot;colorType&quot;:0},&quot;line&quot;:{&quot;solidLine&quot;:{&quot;brightness&quot;:0.5,&quot;colorType&quot;:1,&quot;foreColorIndex&quot;:15,&quot;transparency&quot;:0.8500000238418579},&quot;type&quot;:1},&quot;shadow&quot;:{&quot;colorType&quot;:0},&quot;threeD&quot;:{&quot;curvedSurface&quot;:{&quot;brightness&quot;:0,&quot;colorType&quot;:2,&quot;rgb&quot;:&quot;#000000&quot;},&quot;depth&quot;:{&quot;colorType&quot;:0}}},&quot;text&quot;:{&quot;fill&quot;:{&quot;solid&quot;:{&quot;brightness&quot;:0,&quot;colorType&quot;:1,&quot;foreColorIndex&quot;:13,&quot;transparency&quot;:0},&quot;type&quot;:1},&quot;glow&quot;:{&quot;colorType&quot;:0},&quot;line&quot;:{&quot;type&quot;:0},&quot;shadow&quot;:{&quot;colorType&quot;:0},&quot;threeD&quot;:{&quot;curvedSurface&quot;:{&quot;brightness&quot;:0,&quot;colorType&quot;:2,&quot;rgb&quot;:&quot;#000000&quot;},&quot;depth&quot;:{&quot;colorType&quot;:0}}}}"/>
+  <p:tag name="KSO_WM_UNIT_LINE_FILL_TYPE" val="2"/>
+  <p:tag name="KSO_WM_UNIT_TEXT_FILL_FORE_SCHEMECOLOR_INDEX" val="13"/>
+  <p:tag name="KSO_WM_UNIT_TEXT_FILL_TYPE" val="1"/>
+  <p:tag name="KSO_WM_UNIT_USESOURCEFORMAT_APPLY" val="1"/>
+</p:tagLst>
+</file>
+
+<file path=ppt/tags/tag76.xml><?xml version="1.0" encoding="utf-8"?>
+<p:tagLst xmlns:p="http://schemas.openxmlformats.org/presentationml/2006/main">
+  <p:tag name="KSO_WM_UNIT_HIGHLIGHT" val="0"/>
+  <p:tag name="KSO_WM_UNIT_COMPATIBLE" val="0"/>
+  <p:tag name="KSO_WM_UNIT_DIAGRAM_ISNUMVISUAL" val="0"/>
+  <p:tag name="KSO_WM_UNIT_DIAGRAM_ISREFERUNIT" val="0"/>
+  <p:tag name="KSO_WM_UNIT_TYPE" val="l_i"/>
+  <p:tag name="KSO_WM_UNIT_INDEX" val="1_5"/>
+  <p:tag name="KSO_WM_UNIT_ID" val="diagram20235187_1*l_i*1_5"/>
+  <p:tag name="KSO_WM_TEMPLATE_CATEGORY" val="diagram"/>
+  <p:tag name="KSO_WM_TEMPLATE_INDEX" val="20235187"/>
+  <p:tag name="KSO_WM_UNIT_LAYERLEVEL" val="1_1"/>
+  <p:tag name="KSO_WM_TAG_VERSION" val="3.0"/>
+  <p:tag name="KSO_WM_BEAUTIFY_FLAG" val="#wm#"/>
+  <p:tag name="KSO_WM_DIAGRAM_GROUP_CODE" val="l1-1"/>
+  <p:tag name="KSO_WM_DIAGRAM_VERSION" val="3"/>
+  <p:tag name="KSO_WM_DIAGRAM_COLOR_TRICK" val="4"/>
+  <p:tag name="KSO_WM_DIAGRAM_COLOR_TEXT_CAN_REMOVE" val="n"/>
+  <p:tag name="KSO_WM_UNIT_LINE_FORE_SCHEMECOLOR_INDEX" val="15"/>
+  <p:tag name="KSO_WM_DIAGRAM_MAX_ITEMCNT" val="6"/>
+  <p:tag name="KSO_WM_DIAGRAM_MIN_ITEMCNT" val="2"/>
+  <p:tag name="KSO_WM_DIAGRAM_VIRTUALLY_FRAME" val="{&quot;height&quot;:402.47331271045783,&quot;left&quot;:25.23661417322836,&quot;top&quot;:93.85602081012544,&quot;width&quot;:870.6363779527559}"/>
+  <p:tag name="KSO_WM_DIAGRAM_COLOR_MATCH_VALUE" val="{&quot;shape&quot;:{&quot;fill&quot;:{&quot;type&quot;:0},&quot;glow&quot;:{&quot;colorType&quot;:0},&quot;line&quot;:{&quot;solidLine&quot;:{&quot;brightness&quot;:0.5,&quot;colorType&quot;:1,&quot;foreColorIndex&quot;:15,&quot;transparency&quot;:0.8500000238418579},&quot;type&quot;:1},&quot;shadow&quot;:{&quot;colorType&quot;:0},&quot;threeD&quot;:{&quot;curvedSurface&quot;:{&quot;brightness&quot;:0,&quot;colorType&quot;:2,&quot;rgb&quot;:&quot;#000000&quot;},&quot;depth&quot;:{&quot;colorType&quot;:0}}},&quot;text&quot;:{&quot;fill&quot;:{&quot;solid&quot;:{&quot;brightness&quot;:0,&quot;colorType&quot;:1,&quot;foreColorIndex&quot;:13,&quot;transparency&quot;:0},&quot;type&quot;:1},&quot;glow&quot;:{&quot;colorType&quot;:0},&quot;line&quot;:{&quot;type&quot;:0},&quot;shadow&quot;:{&quot;colorType&quot;:0},&quot;threeD&quot;:{&quot;curvedSurface&quot;:{&quot;brightness&quot;:0,&quot;colorType&quot;:2,&quot;rgb&quot;:&quot;#000000&quot;},&quot;depth&quot;:{&quot;colorType&quot;:0}}}}"/>
+  <p:tag name="KSO_WM_UNIT_LINE_FILL_TYPE" val="2"/>
+  <p:tag name="KSO_WM_UNIT_TEXT_FILL_FORE_SCHEMECOLOR_INDEX" val="13"/>
+  <p:tag name="KSO_WM_UNIT_TEXT_FILL_TYPE" val="1"/>
+  <p:tag name="KSO_WM_UNIT_USESOURCEFORMAT_APPLY" val="1"/>
+</p:tagLst>
+</file>
+
+<file path=ppt/tags/tag77.xml><?xml version="1.0" encoding="utf-8"?>
+<p:tagLst xmlns:p="http://schemas.openxmlformats.org/presentationml/2006/main">
+  <p:tag name="KSO_WM_UNIT_HIGHLIGHT" val="0"/>
+  <p:tag name="KSO_WM_UNIT_COMPATIBLE" val="0"/>
+  <p:tag name="KSO_WM_UNIT_DIAGRAM_ISNUMVISUAL" val="0"/>
+  <p:tag name="KSO_WM_UNIT_DIAGRAM_ISREFERUNIT" val="0"/>
+  <p:tag name="KSO_WM_UNIT_TYPE" val="l_i"/>
+  <p:tag name="KSO_WM_UNIT_INDEX" val="1_6"/>
+  <p:tag name="KSO_WM_UNIT_ID" val="diagram20235187_1*l_i*1_6"/>
+  <p:tag name="KSO_WM_TEMPLATE_CATEGORY" val="diagram"/>
+  <p:tag name="KSO_WM_TEMPLATE_INDEX" val="20235187"/>
+  <p:tag name="KSO_WM_UNIT_LAYERLEVEL" val="1_1"/>
+  <p:tag name="KSO_WM_TAG_VERSION" val="3.0"/>
+  <p:tag name="KSO_WM_BEAUTIFY_FLAG" val="#wm#"/>
+  <p:tag name="KSO_WM_DIAGRAM_GROUP_CODE" val="l1-1"/>
+  <p:tag name="KSO_WM_DIAGRAM_VERSION" val="3"/>
+  <p:tag name="KSO_WM_DIAGRAM_COLOR_TRICK" val="4"/>
+  <p:tag name="KSO_WM_DIAGRAM_COLOR_TEXT_CAN_REMOVE" val="n"/>
+  <p:tag name="KSO_WM_UNIT_LINE_FORE_SCHEMECOLOR_INDEX" val="15"/>
+  <p:tag name="KSO_WM_DIAGRAM_MAX_ITEMCNT" val="6"/>
+  <p:tag name="KSO_WM_DIAGRAM_MIN_ITEMCNT" val="2"/>
+  <p:tag name="KSO_WM_DIAGRAM_VIRTUALLY_FRAME" val="{&quot;height&quot;:402.47331271045783,&quot;left&quot;:25.23661417322836,&quot;top&quot;:93.85602081012544,&quot;width&quot;:870.6363779527559}"/>
+  <p:tag name="KSO_WM_DIAGRAM_COLOR_MATCH_VALUE" val="{&quot;shape&quot;:{&quot;fill&quot;:{&quot;type&quot;:0},&quot;glow&quot;:{&quot;colorType&quot;:0},&quot;line&quot;:{&quot;solidLine&quot;:{&quot;brightness&quot;:0.5,&quot;colorType&quot;:1,&quot;foreColorIndex&quot;:15,&quot;transparency&quot;:0.8999999761581421},&quot;type&quot;:1},&quot;shadow&quot;:{&quot;colorType&quot;:0},&quot;threeD&quot;:{&quot;curvedSurface&quot;:{&quot;brightness&quot;:0,&quot;colorType&quot;:2,&quot;rgb&quot;:&quot;#000000&quot;},&quot;depth&quot;:{&quot;colorType&quot;:0}}},&quot;text&quot;:{&quot;fill&quot;:{&quot;solid&quot;:{&quot;brightness&quot;:0,&quot;colorType&quot;:1,&quot;foreColorIndex&quot;:13,&quot;transparency&quot;:0},&quot;type&quot;:1},&quot;glow&quot;:{&quot;colorType&quot;:0},&quot;line&quot;:{&quot;type&quot;:0},&quot;shadow&quot;:{&quot;colorType&quot;:0},&quot;threeD&quot;:{&quot;curvedSurface&quot;:{&quot;brightness&quot;:0,&quot;colorType&quot;:2,&quot;rgb&quot;:&quot;#000000&quot;},&quot;depth&quot;:{&quot;colorType&quot;:0}}}}"/>
+  <p:tag name="KSO_WM_UNIT_LINE_FILL_TYPE" val="2"/>
+  <p:tag name="KSO_WM_UNIT_TEXT_FILL_FORE_SCHEMECOLOR_INDEX" val="13"/>
+  <p:tag name="KSO_WM_UNIT_TEXT_FILL_TYPE" val="1"/>
+  <p:tag name="KSO_WM_UNIT_USESOURCEFORMAT_APPLY" val="1"/>
+</p:tagLst>
+</file>
+
+<file path=ppt/tags/tag78.xml><?xml version="1.0" encoding="utf-8"?>
+<p:tagLst xmlns:p="http://schemas.openxmlformats.org/presentationml/2006/main">
+  <p:tag name="KSO_WM_UNIT_HIGHLIGHT" val="0"/>
+  <p:tag name="KSO_WM_UNIT_COMPATIBLE" val="0"/>
+  <p:tag name="KSO_WM_UNIT_DIAGRAM_ISNUMVISUAL" val="0"/>
+  <p:tag name="KSO_WM_UNIT_DIAGRAM_ISREFERUNIT" val="0"/>
+  <p:tag name="KSO_WM_UNIT_TYPE" val="l_i"/>
+  <p:tag name="KSO_WM_UNIT_INDEX" val="1_7"/>
+  <p:tag name="KSO_WM_UNIT_ID" val="diagram20235187_1*l_i*1_7"/>
+  <p:tag name="KSO_WM_TEMPLATE_CATEGORY" val="diagram"/>
+  <p:tag name="KSO_WM_TEMPLATE_INDEX" val="20235187"/>
+  <p:tag name="KSO_WM_UNIT_LAYERLEVEL" val="1_1"/>
+  <p:tag name="KSO_WM_TAG_VERSION" val="3.0"/>
+  <p:tag name="KSO_WM_BEAUTIFY_FLAG" val="#wm#"/>
+  <p:tag name="KSO_WM_DIAGRAM_GROUP_CODE" val="l1-1"/>
+  <p:tag name="KSO_WM_DIAGRAM_VERSION" val="3"/>
+  <p:tag name="KSO_WM_DIAGRAM_COLOR_TRICK" val="4"/>
+  <p:tag name="KSO_WM_DIAGRAM_COLOR_TEXT_CAN_REMOVE" val="n"/>
+  <p:tag name="KSO_WM_UNIT_LINE_FORE_SCHEMECOLOR_INDEX" val="15"/>
+  <p:tag name="KSO_WM_DIAGRAM_MAX_ITEMCNT" val="6"/>
+  <p:tag name="KSO_WM_DIAGRAM_MIN_ITEMCNT" val="2"/>
+  <p:tag name="KSO_WM_DIAGRAM_VIRTUALLY_FRAME" val="{&quot;height&quot;:402.47331271045783,&quot;left&quot;:25.23661417322836,&quot;top&quot;:93.85602081012544,&quot;width&quot;:870.6363779527559}"/>
+  <p:tag name="KSO_WM_DIAGRAM_COLOR_MATCH_VALUE" val="{&quot;shape&quot;:{&quot;fill&quot;:{&quot;type&quot;:0},&quot;glow&quot;:{&quot;colorType&quot;:0},&quot;line&quot;:{&quot;solidLine&quot;:{&quot;brightness&quot;:0.5,&quot;colorType&quot;:1,&quot;foreColorIndex&quot;:15,&quot;transparency&quot;:0.8500000238418579},&quot;type&quot;:1},&quot;shadow&quot;:{&quot;colorType&quot;:0},&quot;threeD&quot;:{&quot;curvedSurface&quot;:{&quot;brightness&quot;:0,&quot;colorType&quot;:2,&quot;rgb&quot;:&quot;#000000&quot;},&quot;depth&quot;:{&quot;colorType&quot;:0}}},&quot;text&quot;:{&quot;fill&quot;:{&quot;solid&quot;:{&quot;brightness&quot;:0,&quot;colorType&quot;:1,&quot;foreColorIndex&quot;:13,&quot;transparency&quot;:0},&quot;type&quot;:1},&quot;glow&quot;:{&quot;colorType&quot;:0},&quot;line&quot;:{&quot;type&quot;:0},&quot;shadow&quot;:{&quot;colorType&quot;:0},&quot;threeD&quot;:{&quot;curvedSurface&quot;:{&quot;brightness&quot;:0,&quot;colorType&quot;:2,&quot;rgb&quot;:&quot;#000000&quot;},&quot;depth&quot;:{&quot;colorType&quot;:0}}}}"/>
+  <p:tag name="KSO_WM_UNIT_LINE_FILL_TYPE" val="2"/>
+  <p:tag name="KSO_WM_UNIT_TEXT_FILL_FORE_SCHEMECOLOR_INDEX" val="13"/>
+  <p:tag name="KSO_WM_UNIT_TEXT_FILL_TYPE" val="1"/>
+  <p:tag name="KSO_WM_UNIT_USESOURCEFORMAT_APPLY" val="1"/>
+</p:tagLst>
+</file>
+
+<file path=ppt/tags/tag79.xml><?xml version="1.0" encoding="utf-8"?>
+<p:tagLst xmlns:p="http://schemas.openxmlformats.org/presentationml/2006/main">
+  <p:tag name="KSO_WM_UNIT_HIGHLIGHT" val="0"/>
+  <p:tag name="KSO_WM_UNIT_COMPATIBLE" val="0"/>
+  <p:tag name="KSO_WM_UNIT_DIAGRAM_ISNUMVISUAL" val="0"/>
+  <p:tag name="KSO_WM_UNIT_DIAGRAM_ISREFERUNIT" val="0"/>
+  <p:tag name="KSO_WM_UNIT_TYPE" val="l_i"/>
+  <p:tag name="KSO_WM_UNIT_INDEX" val="1_8"/>
+  <p:tag name="KSO_WM_UNIT_ID" val="diagram20235187_1*l_i*1_8"/>
+  <p:tag name="KSO_WM_TEMPLATE_CATEGORY" val="diagram"/>
+  <p:tag name="KSO_WM_TEMPLATE_INDEX" val="20235187"/>
+  <p:tag name="KSO_WM_UNIT_LAYERLEVEL" val="1_1"/>
+  <p:tag name="KSO_WM_TAG_VERSION" val="3.0"/>
+  <p:tag name="KSO_WM_BEAUTIFY_FLAG" val="#wm#"/>
+  <p:tag name="KSO_WM_DIAGRAM_GROUP_CODE" val="l1-1"/>
+  <p:tag name="KSO_WM_DIAGRAM_VERSION" val="3"/>
+  <p:tag name="KSO_WM_DIAGRAM_COLOR_TRICK" val="4"/>
+  <p:tag name="KSO_WM_DIAGRAM_COLOR_TEXT_CAN_REMOVE" val="n"/>
+  <p:tag name="KSO_WM_UNIT_LINE_FORE_SCHEMECOLOR_INDEX" val="15"/>
+  <p:tag name="KSO_WM_DIAGRAM_MAX_ITEMCNT" val="6"/>
+  <p:tag name="KSO_WM_DIAGRAM_MIN_ITEMCNT" val="2"/>
+  <p:tag name="KSO_WM_DIAGRAM_VIRTUALLY_FRAME" val="{&quot;height&quot;:402.47331271045783,&quot;left&quot;:25.23661417322836,&quot;top&quot;:93.85602081012544,&quot;width&quot;:870.6363779527559}"/>
+  <p:tag name="KSO_WM_DIAGRAM_COLOR_MATCH_VALUE" val="{&quot;shape&quot;:{&quot;fill&quot;:{&quot;type&quot;:0},&quot;glow&quot;:{&quot;colorType&quot;:0},&quot;line&quot;:{&quot;solidLine&quot;:{&quot;brightness&quot;:0.5,&quot;colorType&quot;:1,&quot;foreColorIndex&quot;:15,&quot;transparency&quot;:0.8500000238418579},&quot;type&quot;:1},&quot;shadow&quot;:{&quot;colorType&quot;:0},&quot;threeD&quot;:{&quot;curvedSurface&quot;:{&quot;brightness&quot;:0,&quot;colorType&quot;:2,&quot;rgb&quot;:&quot;#000000&quot;},&quot;depth&quot;:{&quot;colorType&quot;:0}}},&quot;text&quot;:{&quot;fill&quot;:{&quot;solid&quot;:{&quot;brightness&quot;:0,&quot;colorType&quot;:1,&quot;foreColorIndex&quot;:13,&quot;transparency&quot;:0},&quot;type&quot;:1},&quot;glow&quot;:{&quot;colorType&quot;:0},&quot;line&quot;:{&quot;type&quot;:0},&quot;shadow&quot;:{&quot;colorType&quot;:0},&quot;threeD&quot;:{&quot;curvedSurface&quot;:{&quot;brightness&quot;:0,&quot;colorType&quot;:2,&quot;rgb&quot;:&quot;#000000&quot;},&quot;depth&quot;:{&quot;colorType&quot;:0}}}}"/>
+  <p:tag name="KSO_WM_UNIT_LINE_FILL_TYPE" val="2"/>
+  <p:tag name="KSO_WM_UNIT_TEXT_FILL_FORE_SCHEMECOLOR_INDEX" val="13"/>
+  <p:tag name="KSO_WM_UNIT_TEXT_FILL_TYPE" val="1"/>
+  <p:tag name="KSO_WM_UNIT_USESOURCEFORMAT_APPLY" val="1"/>
 </p:tagLst>
 </file>
 
@@ -4619,6 +9054,306 @@
 </p:tagLst>
 </file>
 
+<file path=ppt/tags/tag80.xml><?xml version="1.0" encoding="utf-8"?>
+<p:tagLst xmlns:p="http://schemas.openxmlformats.org/presentationml/2006/main">
+  <p:tag name="KSO_WM_UNIT_HIGHLIGHT" val="0"/>
+  <p:tag name="KSO_WM_UNIT_COMPATIBLE" val="0"/>
+  <p:tag name="KSO_WM_UNIT_DIAGRAM_ISNUMVISUAL" val="0"/>
+  <p:tag name="KSO_WM_UNIT_DIAGRAM_ISREFERUNIT" val="0"/>
+  <p:tag name="KSO_WM_UNIT_TYPE" val="l_i"/>
+  <p:tag name="KSO_WM_UNIT_INDEX" val="1_9"/>
+  <p:tag name="KSO_WM_UNIT_ID" val="diagram20235187_1*l_i*1_9"/>
+  <p:tag name="KSO_WM_TEMPLATE_CATEGORY" val="diagram"/>
+  <p:tag name="KSO_WM_TEMPLATE_INDEX" val="20235187"/>
+  <p:tag name="KSO_WM_UNIT_LAYERLEVEL" val="1_1"/>
+  <p:tag name="KSO_WM_TAG_VERSION" val="3.0"/>
+  <p:tag name="KSO_WM_BEAUTIFY_FLAG" val="#wm#"/>
+  <p:tag name="KSO_WM_DIAGRAM_GROUP_CODE" val="l1-1"/>
+  <p:tag name="KSO_WM_DIAGRAM_VERSION" val="3"/>
+  <p:tag name="KSO_WM_DIAGRAM_COLOR_TRICK" val="4"/>
+  <p:tag name="KSO_WM_DIAGRAM_COLOR_TEXT_CAN_REMOVE" val="n"/>
+  <p:tag name="KSO_WM_UNIT_LINE_FORE_SCHEMECOLOR_INDEX" val="15"/>
+  <p:tag name="KSO_WM_DIAGRAM_MAX_ITEMCNT" val="6"/>
+  <p:tag name="KSO_WM_DIAGRAM_MIN_ITEMCNT" val="2"/>
+  <p:tag name="KSO_WM_DIAGRAM_VIRTUALLY_FRAME" val="{&quot;height&quot;:402.47331271045783,&quot;left&quot;:25.23661417322836,&quot;top&quot;:93.85602081012544,&quot;width&quot;:870.6363779527559}"/>
+  <p:tag name="KSO_WM_DIAGRAM_COLOR_MATCH_VALUE" val="{&quot;shape&quot;:{&quot;fill&quot;:{&quot;type&quot;:0},&quot;glow&quot;:{&quot;colorType&quot;:0},&quot;line&quot;:{&quot;solidLine&quot;:{&quot;brightness&quot;:0.5,&quot;colorType&quot;:1,&quot;foreColorIndex&quot;:15,&quot;transparency&quot;:0.8999999761581421},&quot;type&quot;:1},&quot;shadow&quot;:{&quot;colorType&quot;:0},&quot;threeD&quot;:{&quot;curvedSurface&quot;:{&quot;brightness&quot;:0,&quot;colorType&quot;:2,&quot;rgb&quot;:&quot;#000000&quot;},&quot;depth&quot;:{&quot;colorType&quot;:0}}},&quot;text&quot;:{&quot;fill&quot;:{&quot;solid&quot;:{&quot;brightness&quot;:0,&quot;colorType&quot;:1,&quot;foreColorIndex&quot;:13,&quot;transparency&quot;:0},&quot;type&quot;:1},&quot;glow&quot;:{&quot;colorType&quot;:0},&quot;line&quot;:{&quot;type&quot;:0},&quot;shadow&quot;:{&quot;colorType&quot;:0},&quot;threeD&quot;:{&quot;curvedSurface&quot;:{&quot;brightness&quot;:0,&quot;colorType&quot;:2,&quot;rgb&quot;:&quot;#000000&quot;},&quot;depth&quot;:{&quot;colorType&quot;:0}}}}"/>
+  <p:tag name="KSO_WM_UNIT_LINE_FILL_TYPE" val="2"/>
+  <p:tag name="KSO_WM_UNIT_TEXT_FILL_FORE_SCHEMECOLOR_INDEX" val="13"/>
+  <p:tag name="KSO_WM_UNIT_TEXT_FILL_TYPE" val="1"/>
+  <p:tag name="KSO_WM_UNIT_USESOURCEFORMAT_APPLY" val="1"/>
+</p:tagLst>
+</file>
+
+<file path=ppt/tags/tag81.xml><?xml version="1.0" encoding="utf-8"?>
+<p:tagLst xmlns:p="http://schemas.openxmlformats.org/presentationml/2006/main">
+  <p:tag name="KSO_WM_UNIT_HIGHLIGHT" val="0"/>
+  <p:tag name="KSO_WM_UNIT_COMPATIBLE" val="0"/>
+  <p:tag name="KSO_WM_UNIT_DIAGRAM_ISNUMVISUAL" val="0"/>
+  <p:tag name="KSO_WM_UNIT_DIAGRAM_ISREFERUNIT" val="0"/>
+  <p:tag name="KSO_WM_UNIT_TYPE" val="l_i"/>
+  <p:tag name="KSO_WM_UNIT_INDEX" val="1_10"/>
+  <p:tag name="KSO_WM_UNIT_ID" val="diagram20235187_1*l_i*1_10"/>
+  <p:tag name="KSO_WM_TEMPLATE_CATEGORY" val="diagram"/>
+  <p:tag name="KSO_WM_TEMPLATE_INDEX" val="20235187"/>
+  <p:tag name="KSO_WM_UNIT_LAYERLEVEL" val="1_1"/>
+  <p:tag name="KSO_WM_TAG_VERSION" val="3.0"/>
+  <p:tag name="KSO_WM_BEAUTIFY_FLAG" val="#wm#"/>
+  <p:tag name="KSO_WM_DIAGRAM_GROUP_CODE" val="l1-1"/>
+  <p:tag name="KSO_WM_DIAGRAM_VERSION" val="3"/>
+  <p:tag name="KSO_WM_DIAGRAM_COLOR_TRICK" val="4"/>
+  <p:tag name="KSO_WM_DIAGRAM_COLOR_TEXT_CAN_REMOVE" val="n"/>
+  <p:tag name="KSO_WM_UNIT_LINE_FORE_SCHEMECOLOR_INDEX" val="15"/>
+  <p:tag name="KSO_WM_DIAGRAM_MAX_ITEMCNT" val="6"/>
+  <p:tag name="KSO_WM_DIAGRAM_MIN_ITEMCNT" val="2"/>
+  <p:tag name="KSO_WM_DIAGRAM_VIRTUALLY_FRAME" val="{&quot;height&quot;:402.47331271045783,&quot;left&quot;:25.23661417322836,&quot;top&quot;:93.85602081012544,&quot;width&quot;:870.6363779527559}"/>
+  <p:tag name="KSO_WM_DIAGRAM_COLOR_MATCH_VALUE" val="{&quot;shape&quot;:{&quot;fill&quot;:{&quot;type&quot;:0},&quot;glow&quot;:{&quot;colorType&quot;:0},&quot;line&quot;:{&quot;solidLine&quot;:{&quot;brightness&quot;:0.5,&quot;colorType&quot;:1,&quot;foreColorIndex&quot;:15,&quot;transparency&quot;:0.8500000238418579},&quot;type&quot;:1},&quot;shadow&quot;:{&quot;colorType&quot;:0},&quot;threeD&quot;:{&quot;curvedSurface&quot;:{&quot;brightness&quot;:0,&quot;colorType&quot;:2,&quot;rgb&quot;:&quot;#000000&quot;},&quot;depth&quot;:{&quot;colorType&quot;:0}}},&quot;text&quot;:{&quot;fill&quot;:{&quot;solid&quot;:{&quot;brightness&quot;:0,&quot;colorType&quot;:1,&quot;foreColorIndex&quot;:13,&quot;transparency&quot;:0},&quot;type&quot;:1},&quot;glow&quot;:{&quot;colorType&quot;:0},&quot;line&quot;:{&quot;type&quot;:0},&quot;shadow&quot;:{&quot;colorType&quot;:0},&quot;threeD&quot;:{&quot;curvedSurface&quot;:{&quot;brightness&quot;:0,&quot;colorType&quot;:2,&quot;rgb&quot;:&quot;#000000&quot;},&quot;depth&quot;:{&quot;colorType&quot;:0}}}}"/>
+  <p:tag name="KSO_WM_UNIT_LINE_FILL_TYPE" val="2"/>
+  <p:tag name="KSO_WM_UNIT_TEXT_FILL_FORE_SCHEMECOLOR_INDEX" val="13"/>
+  <p:tag name="KSO_WM_UNIT_TEXT_FILL_TYPE" val="1"/>
+  <p:tag name="KSO_WM_UNIT_USESOURCEFORMAT_APPLY" val="1"/>
+</p:tagLst>
+</file>
+
+<file path=ppt/tags/tag82.xml><?xml version="1.0" encoding="utf-8"?>
+<p:tagLst xmlns:p="http://schemas.openxmlformats.org/presentationml/2006/main">
+  <p:tag name="KSO_WM_UNIT_HIGHLIGHT" val="0"/>
+  <p:tag name="KSO_WM_UNIT_COMPATIBLE" val="0"/>
+  <p:tag name="KSO_WM_UNIT_DIAGRAM_ISNUMVISUAL" val="0"/>
+  <p:tag name="KSO_WM_UNIT_DIAGRAM_ISREFERUNIT" val="0"/>
+  <p:tag name="KSO_WM_UNIT_TYPE" val="l_i"/>
+  <p:tag name="KSO_WM_UNIT_INDEX" val="1_11"/>
+  <p:tag name="KSO_WM_UNIT_ID" val="diagram20235187_1*l_i*1_11"/>
+  <p:tag name="KSO_WM_TEMPLATE_CATEGORY" val="diagram"/>
+  <p:tag name="KSO_WM_TEMPLATE_INDEX" val="20235187"/>
+  <p:tag name="KSO_WM_UNIT_LAYERLEVEL" val="1_1"/>
+  <p:tag name="KSO_WM_TAG_VERSION" val="3.0"/>
+  <p:tag name="KSO_WM_BEAUTIFY_FLAG" val="#wm#"/>
+  <p:tag name="KSO_WM_DIAGRAM_GROUP_CODE" val="l1-1"/>
+  <p:tag name="KSO_WM_DIAGRAM_VERSION" val="3"/>
+  <p:tag name="KSO_WM_DIAGRAM_COLOR_TRICK" val="4"/>
+  <p:tag name="KSO_WM_DIAGRAM_COLOR_TEXT_CAN_REMOVE" val="n"/>
+  <p:tag name="KSO_WM_UNIT_LINE_FORE_SCHEMECOLOR_INDEX" val="15"/>
+  <p:tag name="KSO_WM_DIAGRAM_MAX_ITEMCNT" val="6"/>
+  <p:tag name="KSO_WM_DIAGRAM_MIN_ITEMCNT" val="2"/>
+  <p:tag name="KSO_WM_DIAGRAM_VIRTUALLY_FRAME" val="{&quot;height&quot;:402.47331271045783,&quot;left&quot;:25.23661417322836,&quot;top&quot;:93.85602081012544,&quot;width&quot;:870.6363779527559}"/>
+  <p:tag name="KSO_WM_DIAGRAM_COLOR_MATCH_VALUE" val="{&quot;shape&quot;:{&quot;fill&quot;:{&quot;type&quot;:0},&quot;glow&quot;:{&quot;colorType&quot;:0},&quot;line&quot;:{&quot;solidLine&quot;:{&quot;brightness&quot;:0.5,&quot;colorType&quot;:1,&quot;foreColorIndex&quot;:15,&quot;transparency&quot;:0.8999999761581421},&quot;type&quot;:1},&quot;shadow&quot;:{&quot;colorType&quot;:0},&quot;threeD&quot;:{&quot;curvedSurface&quot;:{&quot;brightness&quot;:0,&quot;colorType&quot;:2,&quot;rgb&quot;:&quot;#000000&quot;},&quot;depth&quot;:{&quot;colorType&quot;:0}}},&quot;text&quot;:{&quot;fill&quot;:{&quot;solid&quot;:{&quot;brightness&quot;:0,&quot;colorType&quot;:1,&quot;foreColorIndex&quot;:13,&quot;transparency&quot;:0},&quot;type&quot;:1},&quot;glow&quot;:{&quot;colorType&quot;:0},&quot;line&quot;:{&quot;type&quot;:0},&quot;shadow&quot;:{&quot;colorType&quot;:0},&quot;threeD&quot;:{&quot;curvedSurface&quot;:{&quot;brightness&quot;:0,&quot;colorType&quot;:2,&quot;rgb&quot;:&quot;#000000&quot;},&quot;depth&quot;:{&quot;colorType&quot;:0}}}}"/>
+  <p:tag name="KSO_WM_UNIT_LINE_FILL_TYPE" val="2"/>
+  <p:tag name="KSO_WM_UNIT_TEXT_FILL_FORE_SCHEMECOLOR_INDEX" val="13"/>
+  <p:tag name="KSO_WM_UNIT_TEXT_FILL_TYPE" val="1"/>
+  <p:tag name="KSO_WM_UNIT_USESOURCEFORMAT_APPLY" val="1"/>
+</p:tagLst>
+</file>
+
+<file path=ppt/tags/tag83.xml><?xml version="1.0" encoding="utf-8"?>
+<p:tagLst xmlns:p="http://schemas.openxmlformats.org/presentationml/2006/main">
+  <p:tag name="KSO_WM_UNIT_HIGHLIGHT" val="0"/>
+  <p:tag name="KSO_WM_UNIT_COMPATIBLE" val="0"/>
+  <p:tag name="KSO_WM_UNIT_DIAGRAM_ISNUMVISUAL" val="0"/>
+  <p:tag name="KSO_WM_UNIT_DIAGRAM_ISREFERUNIT" val="0"/>
+  <p:tag name="KSO_WM_UNIT_TYPE" val="l_h_i"/>
+  <p:tag name="KSO_WM_UNIT_INDEX" val="1_2_2"/>
+  <p:tag name="KSO_WM_UNIT_ID" val="diagram20235187_1*l_h_i*1_2_2"/>
+  <p:tag name="KSO_WM_TEMPLATE_CATEGORY" val="diagram"/>
+  <p:tag name="KSO_WM_TEMPLATE_INDEX" val="20235187"/>
+  <p:tag name="KSO_WM_UNIT_LAYERLEVEL" val="1_1_1"/>
+  <p:tag name="KSO_WM_TAG_VERSION" val="3.0"/>
+  <p:tag name="KSO_WM_BEAUTIFY_FLAG" val="#wm#"/>
+  <p:tag name="KSO_WM_DIAGRAM_GROUP_CODE" val="l1-1"/>
+  <p:tag name="KSO_WM_DIAGRAM_VERSION" val="3"/>
+  <p:tag name="KSO_WM_DIAGRAM_COLOR_TRICK" val="4"/>
+  <p:tag name="KSO_WM_DIAGRAM_COLOR_TEXT_CAN_REMOVE" val="n"/>
+  <p:tag name="KSO_WM_UNIT_LINE_FORE_SCHEMECOLOR_INDEX" val="15"/>
+  <p:tag name="KSO_WM_DIAGRAM_MAX_ITEMCNT" val="6"/>
+  <p:tag name="KSO_WM_DIAGRAM_MIN_ITEMCNT" val="2"/>
+  <p:tag name="KSO_WM_DIAGRAM_VIRTUALLY_FRAME" val="{&quot;height&quot;:402.47331271045783,&quot;left&quot;:25.23661417322836,&quot;top&quot;:93.85602081012544,&quot;width&quot;:870.6363779527559}"/>
+  <p:tag name="KSO_WM_DIAGRAM_COLOR_MATCH_VALUE" val="{&quot;shape&quot;:{&quot;fill&quot;:{&quot;type&quot;:0},&quot;glow&quot;:{&quot;colorType&quot;:0},&quot;line&quot;:{&quot;solidLine&quot;:{&quot;brightness&quot;:0.5,&quot;colorType&quot;:1,&quot;foreColorIndex&quot;:15,&quot;transparency&quot;:0.800000011920929},&quot;type&quot;:1},&quot;shadow&quot;:{&quot;colorType&quot;:0},&quot;threeD&quot;:{&quot;curvedSurface&quot;:{&quot;brightness&quot;:0,&quot;colorType&quot;:2,&quot;rgb&quot;:&quot;#000000&quot;},&quot;depth&quot;:{&quot;colorType&quot;:0}}},&quot;text&quot;:{&quot;fill&quot;:{&quot;solid&quot;:{&quot;brightness&quot;:0,&quot;colorType&quot;:1,&quot;foreColorIndex&quot;:13,&quot;transparency&quot;:0},&quot;type&quot;:1},&quot;glow&quot;:{&quot;colorType&quot;:0},&quot;line&quot;:{&quot;type&quot;:0},&quot;shadow&quot;:{&quot;colorType&quot;:0},&quot;threeD&quot;:{&quot;curvedSurface&quot;:{&quot;brightness&quot;:0,&quot;colorType&quot;:2,&quot;rgb&quot;:&quot;#000000&quot;},&quot;depth&quot;:{&quot;colorType&quot;:0}}}}"/>
+  <p:tag name="KSO_WM_UNIT_LINE_FILL_TYPE" val="2"/>
+  <p:tag name="KSO_WM_UNIT_TEXT_FILL_FORE_SCHEMECOLOR_INDEX" val="13"/>
+  <p:tag name="KSO_WM_UNIT_TEXT_FILL_TYPE" val="1"/>
+  <p:tag name="KSO_WM_UNIT_USESOURCEFORMAT_APPLY" val="1"/>
+</p:tagLst>
+</file>
+
+<file path=ppt/tags/tag84.xml><?xml version="1.0" encoding="utf-8"?>
+<p:tagLst xmlns:p="http://schemas.openxmlformats.org/presentationml/2006/main">
+  <p:tag name="KSO_WM_UNIT_HIGHLIGHT" val="0"/>
+  <p:tag name="KSO_WM_UNIT_COMPATIBLE" val="0"/>
+  <p:tag name="KSO_WM_UNIT_DIAGRAM_ISNUMVISUAL" val="0"/>
+  <p:tag name="KSO_WM_UNIT_DIAGRAM_ISREFERUNIT" val="0"/>
+  <p:tag name="KSO_WM_UNIT_TYPE" val="l_i"/>
+  <p:tag name="KSO_WM_UNIT_INDEX" val="1_12"/>
+  <p:tag name="KSO_WM_UNIT_ID" val="diagram20235187_1*l_i*1_12"/>
+  <p:tag name="KSO_WM_TEMPLATE_CATEGORY" val="diagram"/>
+  <p:tag name="KSO_WM_TEMPLATE_INDEX" val="20235187"/>
+  <p:tag name="KSO_WM_UNIT_LAYERLEVEL" val="1_1"/>
+  <p:tag name="KSO_WM_TAG_VERSION" val="3.0"/>
+  <p:tag name="KSO_WM_BEAUTIFY_FLAG" val="#wm#"/>
+  <p:tag name="KSO_WM_DIAGRAM_GROUP_CODE" val="l1-1"/>
+  <p:tag name="KSO_WM_DIAGRAM_VERSION" val="3"/>
+  <p:tag name="KSO_WM_DIAGRAM_COLOR_TRICK" val="4"/>
+  <p:tag name="KSO_WM_DIAGRAM_COLOR_TEXT_CAN_REMOVE" val="n"/>
+  <p:tag name="KSO_WM_UNIT_LINE_FORE_SCHEMECOLOR_INDEX" val="15"/>
+  <p:tag name="KSO_WM_DIAGRAM_MAX_ITEMCNT" val="6"/>
+  <p:tag name="KSO_WM_DIAGRAM_MIN_ITEMCNT" val="2"/>
+  <p:tag name="KSO_WM_DIAGRAM_VIRTUALLY_FRAME" val="{&quot;height&quot;:402.47331271045783,&quot;left&quot;:25.23661417322836,&quot;top&quot;:93.85602081012544,&quot;width&quot;:870.6363779527559}"/>
+  <p:tag name="KSO_WM_DIAGRAM_COLOR_MATCH_VALUE" val="{&quot;shape&quot;:{&quot;fill&quot;:{&quot;type&quot;:0},&quot;glow&quot;:{&quot;colorType&quot;:0},&quot;line&quot;:{&quot;solidLine&quot;:{&quot;brightness&quot;:0.5,&quot;colorType&quot;:1,&quot;foreColorIndex&quot;:15,&quot;transparency&quot;:0.8500000238418579},&quot;type&quot;:1},&quot;shadow&quot;:{&quot;colorType&quot;:0},&quot;threeD&quot;:{&quot;curvedSurface&quot;:{&quot;brightness&quot;:0,&quot;colorType&quot;:2,&quot;rgb&quot;:&quot;#000000&quot;},&quot;depth&quot;:{&quot;colorType&quot;:0}}},&quot;text&quot;:{&quot;fill&quot;:{&quot;solid&quot;:{&quot;brightness&quot;:0,&quot;colorType&quot;:1,&quot;foreColorIndex&quot;:13,&quot;transparency&quot;:0},&quot;type&quot;:1},&quot;glow&quot;:{&quot;colorType&quot;:0},&quot;line&quot;:{&quot;type&quot;:0},&quot;shadow&quot;:{&quot;colorType&quot;:0},&quot;threeD&quot;:{&quot;curvedSurface&quot;:{&quot;brightness&quot;:0,&quot;colorType&quot;:2,&quot;rgb&quot;:&quot;#000000&quot;},&quot;depth&quot;:{&quot;colorType&quot;:0}}}}"/>
+  <p:tag name="KSO_WM_UNIT_LINE_FILL_TYPE" val="2"/>
+  <p:tag name="KSO_WM_UNIT_TEXT_FILL_FORE_SCHEMECOLOR_INDEX" val="13"/>
+  <p:tag name="KSO_WM_UNIT_TEXT_FILL_TYPE" val="1"/>
+  <p:tag name="KSO_WM_UNIT_USESOURCEFORMAT_APPLY" val="1"/>
+</p:tagLst>
+</file>
+
+<file path=ppt/tags/tag85.xml><?xml version="1.0" encoding="utf-8"?>
+<p:tagLst xmlns:p="http://schemas.openxmlformats.org/presentationml/2006/main">
+  <p:tag name="KSO_WM_UNIT_HIGHLIGHT" val="0"/>
+  <p:tag name="KSO_WM_UNIT_COMPATIBLE" val="0"/>
+  <p:tag name="KSO_WM_UNIT_DIAGRAM_ISNUMVISUAL" val="0"/>
+  <p:tag name="KSO_WM_UNIT_DIAGRAM_ISREFERUNIT" val="0"/>
+  <p:tag name="KSO_WM_UNIT_TYPE" val="l_i"/>
+  <p:tag name="KSO_WM_UNIT_INDEX" val="1_13"/>
+  <p:tag name="KSO_WM_UNIT_ID" val="diagram20235187_1*l_i*1_13"/>
+  <p:tag name="KSO_WM_TEMPLATE_CATEGORY" val="diagram"/>
+  <p:tag name="KSO_WM_TEMPLATE_INDEX" val="20235187"/>
+  <p:tag name="KSO_WM_UNIT_LAYERLEVEL" val="1_1"/>
+  <p:tag name="KSO_WM_TAG_VERSION" val="3.0"/>
+  <p:tag name="KSO_WM_BEAUTIFY_FLAG" val="#wm#"/>
+  <p:tag name="KSO_WM_DIAGRAM_GROUP_CODE" val="l1-1"/>
+  <p:tag name="KSO_WM_DIAGRAM_VERSION" val="3"/>
+  <p:tag name="KSO_WM_DIAGRAM_COLOR_TRICK" val="4"/>
+  <p:tag name="KSO_WM_DIAGRAM_COLOR_TEXT_CAN_REMOVE" val="n"/>
+  <p:tag name="KSO_WM_UNIT_LINE_FORE_SCHEMECOLOR_INDEX" val="15"/>
+  <p:tag name="KSO_WM_DIAGRAM_MAX_ITEMCNT" val="6"/>
+  <p:tag name="KSO_WM_DIAGRAM_MIN_ITEMCNT" val="2"/>
+  <p:tag name="KSO_WM_DIAGRAM_VIRTUALLY_FRAME" val="{&quot;height&quot;:402.47331271045783,&quot;left&quot;:25.23661417322836,&quot;top&quot;:93.85602081012544,&quot;width&quot;:870.6363779527559}"/>
+  <p:tag name="KSO_WM_DIAGRAM_COLOR_MATCH_VALUE" val="{&quot;shape&quot;:{&quot;fill&quot;:{&quot;type&quot;:0},&quot;glow&quot;:{&quot;colorType&quot;:0},&quot;line&quot;:{&quot;solidLine&quot;:{&quot;brightness&quot;:0.5,&quot;colorType&quot;:1,&quot;foreColorIndex&quot;:15,&quot;transparency&quot;:0.800000011920929},&quot;type&quot;:1},&quot;shadow&quot;:{&quot;colorType&quot;:0},&quot;threeD&quot;:{&quot;curvedSurface&quot;:{&quot;brightness&quot;:0,&quot;colorType&quot;:2,&quot;rgb&quot;:&quot;#000000&quot;},&quot;depth&quot;:{&quot;colorType&quot;:0}}},&quot;text&quot;:{&quot;fill&quot;:{&quot;solid&quot;:{&quot;brightness&quot;:0,&quot;colorType&quot;:1,&quot;foreColorIndex&quot;:13,&quot;transparency&quot;:0},&quot;type&quot;:1},&quot;glow&quot;:{&quot;colorType&quot;:0},&quot;line&quot;:{&quot;type&quot;:0},&quot;shadow&quot;:{&quot;colorType&quot;:0},&quot;threeD&quot;:{&quot;curvedSurface&quot;:{&quot;brightness&quot;:0,&quot;colorType&quot;:2,&quot;rgb&quot;:&quot;#000000&quot;},&quot;depth&quot;:{&quot;colorType&quot;:0}}}}"/>
+  <p:tag name="KSO_WM_UNIT_LINE_FILL_TYPE" val="2"/>
+  <p:tag name="KSO_WM_UNIT_TEXT_FILL_FORE_SCHEMECOLOR_INDEX" val="13"/>
+  <p:tag name="KSO_WM_UNIT_TEXT_FILL_TYPE" val="1"/>
+  <p:tag name="KSO_WM_UNIT_USESOURCEFORMAT_APPLY" val="1"/>
+</p:tagLst>
+</file>
+
+<file path=ppt/tags/tag86.xml><?xml version="1.0" encoding="utf-8"?>
+<p:tagLst xmlns:p="http://schemas.openxmlformats.org/presentationml/2006/main">
+  <p:tag name="KSO_WM_UNIT_HIGHLIGHT" val="0"/>
+  <p:tag name="KSO_WM_UNIT_COMPATIBLE" val="0"/>
+  <p:tag name="KSO_WM_UNIT_DIAGRAM_ISNUMVISUAL" val="0"/>
+  <p:tag name="KSO_WM_UNIT_DIAGRAM_ISREFERUNIT" val="0"/>
+  <p:tag name="KSO_WM_UNIT_TYPE" val="l_i"/>
+  <p:tag name="KSO_WM_UNIT_INDEX" val="1_14"/>
+  <p:tag name="KSO_WM_UNIT_ID" val="diagram20235187_1*l_i*1_14"/>
+  <p:tag name="KSO_WM_TEMPLATE_CATEGORY" val="diagram"/>
+  <p:tag name="KSO_WM_TEMPLATE_INDEX" val="20235187"/>
+  <p:tag name="KSO_WM_UNIT_LAYERLEVEL" val="1_1"/>
+  <p:tag name="KSO_WM_TAG_VERSION" val="3.0"/>
+  <p:tag name="KSO_WM_BEAUTIFY_FLAG" val="#wm#"/>
+  <p:tag name="KSO_WM_DIAGRAM_GROUP_CODE" val="l1-1"/>
+  <p:tag name="KSO_WM_DIAGRAM_VERSION" val="3"/>
+  <p:tag name="KSO_WM_DIAGRAM_COLOR_TRICK" val="4"/>
+  <p:tag name="KSO_WM_DIAGRAM_COLOR_TEXT_CAN_REMOVE" val="n"/>
+  <p:tag name="KSO_WM_UNIT_LINE_FORE_SCHEMECOLOR_INDEX" val="15"/>
+  <p:tag name="KSO_WM_DIAGRAM_MAX_ITEMCNT" val="6"/>
+  <p:tag name="KSO_WM_DIAGRAM_MIN_ITEMCNT" val="2"/>
+  <p:tag name="KSO_WM_DIAGRAM_VIRTUALLY_FRAME" val="{&quot;height&quot;:402.47331271045783,&quot;left&quot;:25.23661417322836,&quot;top&quot;:93.85602081012544,&quot;width&quot;:870.6363779527559}"/>
+  <p:tag name="KSO_WM_DIAGRAM_COLOR_MATCH_VALUE" val="{&quot;shape&quot;:{&quot;fill&quot;:{&quot;type&quot;:0},&quot;glow&quot;:{&quot;colorType&quot;:0},&quot;line&quot;:{&quot;solidLine&quot;:{&quot;brightness&quot;:0.5,&quot;colorType&quot;:1,&quot;foreColorIndex&quot;:15,&quot;transparency&quot;:0.8500000238418579},&quot;type&quot;:1},&quot;shadow&quot;:{&quot;colorType&quot;:0},&quot;threeD&quot;:{&quot;curvedSurface&quot;:{&quot;brightness&quot;:0,&quot;colorType&quot;:2,&quot;rgb&quot;:&quot;#000000&quot;},&quot;depth&quot;:{&quot;colorType&quot;:0}}},&quot;text&quot;:{&quot;fill&quot;:{&quot;solid&quot;:{&quot;brightness&quot;:0,&quot;colorType&quot;:1,&quot;foreColorIndex&quot;:13,&quot;transparency&quot;:0},&quot;type&quot;:1},&quot;glow&quot;:{&quot;colorType&quot;:0},&quot;line&quot;:{&quot;type&quot;:0},&quot;shadow&quot;:{&quot;colorType&quot;:0},&quot;threeD&quot;:{&quot;curvedSurface&quot;:{&quot;brightness&quot;:0,&quot;colorType&quot;:2,&quot;rgb&quot;:&quot;#000000&quot;},&quot;depth&quot;:{&quot;colorType&quot;:0}}}}"/>
+  <p:tag name="KSO_WM_UNIT_LINE_FILL_TYPE" val="2"/>
+  <p:tag name="KSO_WM_UNIT_TEXT_FILL_FORE_SCHEMECOLOR_INDEX" val="13"/>
+  <p:tag name="KSO_WM_UNIT_TEXT_FILL_TYPE" val="1"/>
+  <p:tag name="KSO_WM_UNIT_USESOURCEFORMAT_APPLY" val="1"/>
+</p:tagLst>
+</file>
+
+<file path=ppt/tags/tag87.xml><?xml version="1.0" encoding="utf-8"?>
+<p:tagLst xmlns:p="http://schemas.openxmlformats.org/presentationml/2006/main">
+  <p:tag name="KSO_WM_UNIT_HIGHLIGHT" val="0"/>
+  <p:tag name="KSO_WM_UNIT_COMPATIBLE" val="0"/>
+  <p:tag name="KSO_WM_UNIT_DIAGRAM_ISNUMVISUAL" val="0"/>
+  <p:tag name="KSO_WM_UNIT_DIAGRAM_ISREFERUNIT" val="0"/>
+  <p:tag name="KSO_WM_UNIT_TYPE" val="l_i"/>
+  <p:tag name="KSO_WM_UNIT_INDEX" val="1_15"/>
+  <p:tag name="KSO_WM_UNIT_ID" val="diagram20235187_1*l_i*1_15"/>
+  <p:tag name="KSO_WM_TEMPLATE_CATEGORY" val="diagram"/>
+  <p:tag name="KSO_WM_TEMPLATE_INDEX" val="20235187"/>
+  <p:tag name="KSO_WM_UNIT_LAYERLEVEL" val="1_1"/>
+  <p:tag name="KSO_WM_TAG_VERSION" val="3.0"/>
+  <p:tag name="KSO_WM_BEAUTIFY_FLAG" val="#wm#"/>
+  <p:tag name="KSO_WM_DIAGRAM_GROUP_CODE" val="l1-1"/>
+  <p:tag name="KSO_WM_DIAGRAM_VERSION" val="3"/>
+  <p:tag name="KSO_WM_DIAGRAM_COLOR_TRICK" val="4"/>
+  <p:tag name="KSO_WM_DIAGRAM_COLOR_TEXT_CAN_REMOVE" val="n"/>
+  <p:tag name="KSO_WM_UNIT_LINE_FORE_SCHEMECOLOR_INDEX" val="15"/>
+  <p:tag name="KSO_WM_DIAGRAM_MAX_ITEMCNT" val="6"/>
+  <p:tag name="KSO_WM_DIAGRAM_MIN_ITEMCNT" val="2"/>
+  <p:tag name="KSO_WM_DIAGRAM_VIRTUALLY_FRAME" val="{&quot;height&quot;:402.47331271045783,&quot;left&quot;:25.23661417322836,&quot;top&quot;:93.85602081012544,&quot;width&quot;:870.6363779527559}"/>
+  <p:tag name="KSO_WM_DIAGRAM_COLOR_MATCH_VALUE" val="{&quot;shape&quot;:{&quot;fill&quot;:{&quot;type&quot;:0},&quot;glow&quot;:{&quot;colorType&quot;:0},&quot;line&quot;:{&quot;solidLine&quot;:{&quot;brightness&quot;:0.5,&quot;colorType&quot;:1,&quot;foreColorIndex&quot;:15,&quot;transparency&quot;:0.8999999761581421},&quot;type&quot;:1},&quot;shadow&quot;:{&quot;colorType&quot;:0},&quot;threeD&quot;:{&quot;curvedSurface&quot;:{&quot;brightness&quot;:0,&quot;colorType&quot;:2,&quot;rgb&quot;:&quot;#000000&quot;},&quot;depth&quot;:{&quot;colorType&quot;:0}}},&quot;text&quot;:{&quot;fill&quot;:{&quot;solid&quot;:{&quot;brightness&quot;:0,&quot;colorType&quot;:1,&quot;foreColorIndex&quot;:13,&quot;transparency&quot;:0},&quot;type&quot;:1},&quot;glow&quot;:{&quot;colorType&quot;:0},&quot;line&quot;:{&quot;type&quot;:0},&quot;shadow&quot;:{&quot;colorType&quot;:0},&quot;threeD&quot;:{&quot;curvedSurface&quot;:{&quot;brightness&quot;:0,&quot;colorType&quot;:2,&quot;rgb&quot;:&quot;#000000&quot;},&quot;depth&quot;:{&quot;colorType&quot;:0}}}}"/>
+  <p:tag name="KSO_WM_UNIT_LINE_FILL_TYPE" val="2"/>
+  <p:tag name="KSO_WM_UNIT_TEXT_FILL_FORE_SCHEMECOLOR_INDEX" val="13"/>
+  <p:tag name="KSO_WM_UNIT_TEXT_FILL_TYPE" val="1"/>
+  <p:tag name="KSO_WM_UNIT_USESOURCEFORMAT_APPLY" val="1"/>
+</p:tagLst>
+</file>
+
+<file path=ppt/tags/tag88.xml><?xml version="1.0" encoding="utf-8"?>
+<p:tagLst xmlns:p="http://schemas.openxmlformats.org/presentationml/2006/main">
+  <p:tag name="KSO_WM_UNIT_HIGHLIGHT" val="0"/>
+  <p:tag name="KSO_WM_UNIT_COMPATIBLE" val="0"/>
+  <p:tag name="KSO_WM_UNIT_DIAGRAM_ISNUMVISUAL" val="0"/>
+  <p:tag name="KSO_WM_UNIT_DIAGRAM_ISREFERUNIT" val="0"/>
+  <p:tag name="KSO_WM_UNIT_TYPE" val="l_i"/>
+  <p:tag name="KSO_WM_UNIT_INDEX" val="1_16"/>
+  <p:tag name="KSO_WM_UNIT_ID" val="diagram20235187_1*l_i*1_16"/>
+  <p:tag name="KSO_WM_TEMPLATE_CATEGORY" val="diagram"/>
+  <p:tag name="KSO_WM_TEMPLATE_INDEX" val="20235187"/>
+  <p:tag name="KSO_WM_UNIT_LAYERLEVEL" val="1_1"/>
+  <p:tag name="KSO_WM_TAG_VERSION" val="3.0"/>
+  <p:tag name="KSO_WM_BEAUTIFY_FLAG" val="#wm#"/>
+  <p:tag name="KSO_WM_DIAGRAM_GROUP_CODE" val="l1-1"/>
+  <p:tag name="KSO_WM_DIAGRAM_VERSION" val="3"/>
+  <p:tag name="KSO_WM_DIAGRAM_COLOR_TRICK" val="4"/>
+  <p:tag name="KSO_WM_DIAGRAM_COLOR_TEXT_CAN_REMOVE" val="n"/>
+  <p:tag name="KSO_WM_UNIT_LINE_FORE_SCHEMECOLOR_INDEX" val="15"/>
+  <p:tag name="KSO_WM_DIAGRAM_MAX_ITEMCNT" val="6"/>
+  <p:tag name="KSO_WM_DIAGRAM_MIN_ITEMCNT" val="2"/>
+  <p:tag name="KSO_WM_DIAGRAM_VIRTUALLY_FRAME" val="{&quot;height&quot;:402.47331271045783,&quot;left&quot;:25.23661417322836,&quot;top&quot;:93.85602081012544,&quot;width&quot;:870.6363779527559}"/>
+  <p:tag name="KSO_WM_DIAGRAM_COLOR_MATCH_VALUE" val="{&quot;shape&quot;:{&quot;fill&quot;:{&quot;type&quot;:0},&quot;glow&quot;:{&quot;colorType&quot;:0},&quot;line&quot;:{&quot;solidLine&quot;:{&quot;brightness&quot;:0.5,&quot;colorType&quot;:1,&quot;foreColorIndex&quot;:15,&quot;transparency&quot;:0.800000011920929},&quot;type&quot;:1},&quot;shadow&quot;:{&quot;colorType&quot;:0},&quot;threeD&quot;:{&quot;curvedSurface&quot;:{&quot;brightness&quot;:0,&quot;colorType&quot;:2,&quot;rgb&quot;:&quot;#000000&quot;},&quot;depth&quot;:{&quot;colorType&quot;:0}}},&quot;text&quot;:{&quot;fill&quot;:{&quot;solid&quot;:{&quot;brightness&quot;:0,&quot;colorType&quot;:1,&quot;foreColorIndex&quot;:13,&quot;transparency&quot;:0},&quot;type&quot;:1},&quot;glow&quot;:{&quot;colorType&quot;:0},&quot;line&quot;:{&quot;type&quot;:0},&quot;shadow&quot;:{&quot;colorType&quot;:0},&quot;threeD&quot;:{&quot;curvedSurface&quot;:{&quot;brightness&quot;:0,&quot;colorType&quot;:2,&quot;rgb&quot;:&quot;#000000&quot;},&quot;depth&quot;:{&quot;colorType&quot;:0}}}}"/>
+  <p:tag name="KSO_WM_UNIT_LINE_FILL_TYPE" val="2"/>
+  <p:tag name="KSO_WM_UNIT_TEXT_FILL_FORE_SCHEMECOLOR_INDEX" val="13"/>
+  <p:tag name="KSO_WM_UNIT_TEXT_FILL_TYPE" val="1"/>
+  <p:tag name="KSO_WM_UNIT_USESOURCEFORMAT_APPLY" val="1"/>
+</p:tagLst>
+</file>
+
+<file path=ppt/tags/tag89.xml><?xml version="1.0" encoding="utf-8"?>
+<p:tagLst xmlns:p="http://schemas.openxmlformats.org/presentationml/2006/main">
+  <p:tag name="KSO_WM_UNIT_HIGHLIGHT" val="0"/>
+  <p:tag name="KSO_WM_UNIT_COMPATIBLE" val="0"/>
+  <p:tag name="KSO_WM_UNIT_DIAGRAM_ISNUMVISUAL" val="0"/>
+  <p:tag name="KSO_WM_UNIT_DIAGRAM_ISREFERUNIT" val="0"/>
+  <p:tag name="KSO_WM_UNIT_TYPE" val="l_h_i"/>
+  <p:tag name="KSO_WM_UNIT_INDEX" val="1_1_1"/>
+  <p:tag name="KSO_WM_UNIT_ID" val="diagram20235187_1*l_h_i*1_1_1"/>
+  <p:tag name="KSO_WM_TEMPLATE_CATEGORY" val="diagram"/>
+  <p:tag name="KSO_WM_TEMPLATE_INDEX" val="20235187"/>
+  <p:tag name="KSO_WM_UNIT_LAYERLEVEL" val="1_1_1"/>
+  <p:tag name="KSO_WM_TAG_VERSION" val="3.0"/>
+  <p:tag name="KSO_WM_BEAUTIFY_FLAG" val="#wm#"/>
+  <p:tag name="KSO_WM_DIAGRAM_GROUP_CODE" val="l1-1"/>
+  <p:tag name="KSO_WM_DIAGRAM_VERSION" val="3"/>
+  <p:tag name="KSO_WM_DIAGRAM_COLOR_TRICK" val="4"/>
+  <p:tag name="KSO_WM_DIAGRAM_COLOR_TEXT_CAN_REMOVE" val="n"/>
+  <p:tag name="KSO_WM_UNIT_FILL_TYPE" val="3"/>
+  <p:tag name="KSO_WM_DIAGRAM_MAX_ITEMCNT" val="6"/>
+  <p:tag name="KSO_WM_DIAGRAM_MIN_ITEMCNT" val="2"/>
+  <p:tag name="KSO_WM_DIAGRAM_VIRTUALLY_FRAME" val="{&quot;height&quot;:402.47331271045783,&quot;left&quot;:25.23661417322836,&quot;top&quot;:93.85602081012544,&quot;width&quot;:870.6363779527559}"/>
+  <p:tag name="KSO_WM_DIAGRAM_COLOR_MATCH_VALUE" val="{&quot;shape&quot;:{&quot;fill&quot;:{&quot;gradient&quot;:[{&quot;brightness&quot;:-0.05000000074505806,&quot;colorType&quot;:1,&quot;foreColorIndex&quot;:10,&quot;pos&quot;:0,&quot;transparency&quot;:0},{&quot;brightness&quot;:0.10000000149011612,&quot;colorType&quot;:1,&quot;foreColorIndex&quot;:10,&quot;pos&quot;:0.5,&quot;transparency&quot;:0},{&quot;brightness&quot;:0.5,&quot;colorType&quot;:1,&quot;foreColorIndex&quot;:10,&quot;pos&quot;:1,&quot;transparency&quot;:0}],&quot;type&quot;:3},&quot;glow&quot;:{&quot;colorType&quot;:0},&quot;line&quot;:{&quot;type&quot;:0},&quot;shadow&quot;:{&quot;brightness&quot;:0,&quot;colorType&quot;:1,&quot;foreColorIndex&quot;:10,&quot;transparency&quot;:0.800000011920929},&quot;threeD&quot;:{&quot;curvedSurface&quot;:{&quot;brightness&quot;:0,&quot;colorType&quot;:2,&quot;rgb&quot;:&quot;#000000&quot;},&quot;depth&quot;:{&quot;colorType&quot;:0}}},&quot;text&quot;:{&quot;fill&quot;:{&quot;solid&quot;:{&quot;brightness&quot;:0,&quot;colorType&quot;:1,&quot;foreColorIndex&quot;:13,&quot;transparency&quot;:0},&quot;type&quot;:1},&quot;glow&quot;:{&quot;colorType&quot;:0},&quot;line&quot;:{&quot;type&quot;:0},&quot;shadow&quot;:{&quot;colorType&quot;:0},&quot;threeD&quot;:{&quot;curvedSurface&quot;:{&quot;brightness&quot;:0,&quot;colorType&quot;:2,&quot;rgb&quot;:&quot;#000000&quot;},&quot;depth&quot;:{&quot;colorType&quot;:0}}}}"/>
+  <p:tag name="KSO_WM_UNIT_SHADOW_SCHEMECOLOR_INDEX" val="10"/>
+  <p:tag name="KSO_WM_UNIT_TEXT_FILL_FORE_SCHEMECOLOR_INDEX" val="13"/>
+  <p:tag name="KSO_WM_UNIT_TEXT_FILL_TYPE" val="1"/>
+  <p:tag name="KSO_WM_UNIT_USESOURCEFORMAT_APPLY" val="1"/>
+</p:tagLst>
+</file>
+
 <file path=ppt/tags/tag9.xml><?xml version="1.0" encoding="utf-8"?>
 <p:tagLst xmlns:p="http://schemas.openxmlformats.org/presentationml/2006/main">
   <p:tag name="KSO_WM_UNIT_HIGHLIGHT" val="0"/>
@@ -4629,6 +9364,219 @@
   <p:tag name="KSO_WM_UNIT_LAYERLEVEL" val="1"/>
   <p:tag name="KSO_WM_TAG_VERSION" val="1.0"/>
   <p:tag name="KSO_WM_BEAUTIFY_FLAG" val="#wm#"/>
+</p:tagLst>
+</file>
+
+<file path=ppt/tags/tag90.xml><?xml version="1.0" encoding="utf-8"?>
+<p:tagLst xmlns:p="http://schemas.openxmlformats.org/presentationml/2006/main">
+  <p:tag name="KSO_WM_UNIT_HIGHLIGHT" val="0"/>
+  <p:tag name="KSO_WM_UNIT_COMPATIBLE" val="0"/>
+  <p:tag name="KSO_WM_UNIT_DIAGRAM_ISNUMVISUAL" val="0"/>
+  <p:tag name="KSO_WM_UNIT_DIAGRAM_ISREFERUNIT" val="0"/>
+  <p:tag name="KSO_WM_UNIT_TYPE" val="l_h_i"/>
+  <p:tag name="KSO_WM_UNIT_INDEX" val="1_2_1"/>
+  <p:tag name="KSO_WM_UNIT_ID" val="diagram20235187_1*l_h_i*1_2_1"/>
+  <p:tag name="KSO_WM_TEMPLATE_CATEGORY" val="diagram"/>
+  <p:tag name="KSO_WM_TEMPLATE_INDEX" val="20235187"/>
+  <p:tag name="KSO_WM_UNIT_LAYERLEVEL" val="1_1_1"/>
+  <p:tag name="KSO_WM_TAG_VERSION" val="3.0"/>
+  <p:tag name="KSO_WM_BEAUTIFY_FLAG" val="#wm#"/>
+  <p:tag name="KSO_WM_DIAGRAM_GROUP_CODE" val="l1-1"/>
+  <p:tag name="KSO_WM_DIAGRAM_VERSION" val="3"/>
+  <p:tag name="KSO_WM_DIAGRAM_COLOR_TRICK" val="4"/>
+  <p:tag name="KSO_WM_DIAGRAM_COLOR_TEXT_CAN_REMOVE" val="n"/>
+  <p:tag name="KSO_WM_UNIT_FILL_TYPE" val="3"/>
+  <p:tag name="KSO_WM_DIAGRAM_MAX_ITEMCNT" val="6"/>
+  <p:tag name="KSO_WM_DIAGRAM_MIN_ITEMCNT" val="2"/>
+  <p:tag name="KSO_WM_DIAGRAM_VIRTUALLY_FRAME" val="{&quot;height&quot;:402.47331271045783,&quot;left&quot;:25.23661417322836,&quot;top&quot;:93.85602081012544,&quot;width&quot;:870.6363779527559}"/>
+  <p:tag name="KSO_WM_DIAGRAM_COLOR_MATCH_VALUE" val="{&quot;shape&quot;:{&quot;fill&quot;:{&quot;gradient&quot;:[{&quot;brightness&quot;:-0.05000000074505806,&quot;colorType&quot;:1,&quot;foreColorIndex&quot;:5,&quot;pos&quot;:0,&quot;transparency&quot;:0},{&quot;brightness&quot;:0.10000000149011612,&quot;colorType&quot;:1,&quot;foreColorIndex&quot;:5,&quot;pos&quot;:0.5,&quot;transparency&quot;:0},{&quot;brightness&quot;:0.5,&quot;colorType&quot;:1,&quot;foreColorIndex&quot;:5,&quot;pos&quot;:1,&quot;transparency&quot;:0}],&quot;type&quot;:3},&quot;glow&quot;:{&quot;colorType&quot;:0},&quot;line&quot;:{&quot;type&quot;:0},&quot;shadow&quot;:{&quot;brightness&quot;:0,&quot;colorType&quot;:1,&quot;foreColorIndex&quot;:5,&quot;transparency&quot;:0.800000011920929},&quot;threeD&quot;:{&quot;curvedSurface&quot;:{&quot;brightness&quot;:0,&quot;colorType&quot;:2,&quot;rgb&quot;:&quot;#000000&quot;},&quot;depth&quot;:{&quot;colorType&quot;:0}}},&quot;text&quot;:{&quot;fill&quot;:{&quot;solid&quot;:{&quot;brightness&quot;:0,&quot;colorType&quot;:1,&quot;foreColorIndex&quot;:13,&quot;transparency&quot;:0},&quot;type&quot;:1},&quot;glow&quot;:{&quot;colorType&quot;:0},&quot;line&quot;:{&quot;type&quot;:0},&quot;shadow&quot;:{&quot;colorType&quot;:0},&quot;threeD&quot;:{&quot;curvedSurface&quot;:{&quot;brightness&quot;:0,&quot;colorType&quot;:2,&quot;rgb&quot;:&quot;#000000&quot;},&quot;depth&quot;:{&quot;colorType&quot;:0}}}}"/>
+  <p:tag name="KSO_WM_UNIT_SHADOW_SCHEMECOLOR_INDEX" val="5"/>
+  <p:tag name="KSO_WM_UNIT_TEXT_FILL_FORE_SCHEMECOLOR_INDEX" val="13"/>
+  <p:tag name="KSO_WM_UNIT_TEXT_FILL_TYPE" val="1"/>
+  <p:tag name="KSO_WM_UNIT_USESOURCEFORMAT_APPLY" val="1"/>
+</p:tagLst>
+</file>
+
+<file path=ppt/tags/tag91.xml><?xml version="1.0" encoding="utf-8"?>
+<p:tagLst xmlns:p="http://schemas.openxmlformats.org/presentationml/2006/main">
+  <p:tag name="KSO_WM_UNIT_VALUE" val="170*170"/>
+  <p:tag name="KSO_WM_UNIT_HIGHLIGHT" val="0"/>
+  <p:tag name="KSO_WM_UNIT_COMPATIBLE" val="0"/>
+  <p:tag name="KSO_WM_UNIT_DIAGRAM_ISNUMVISUAL" val="0"/>
+  <p:tag name="KSO_WM_UNIT_DIAGRAM_ISREFERUNIT" val="0"/>
+  <p:tag name="KSO_WM_UNIT_TYPE" val="l_h_x"/>
+  <p:tag name="KSO_WM_UNIT_INDEX" val="1_1_1"/>
+  <p:tag name="KSO_WM_UNIT_ID" val="diagram20235187_1*l_h_x*1_1_1"/>
+  <p:tag name="KSO_WM_TEMPLATE_CATEGORY" val="diagram"/>
+  <p:tag name="KSO_WM_TEMPLATE_INDEX" val="20235187"/>
+  <p:tag name="KSO_WM_UNIT_LAYERLEVEL" val="1_1_1"/>
+  <p:tag name="KSO_WM_TAG_VERSION" val="3.0"/>
+  <p:tag name="KSO_WM_BEAUTIFY_FLAG" val="#wm#"/>
+  <p:tag name="KSO_WM_DIAGRAM_GROUP_CODE" val="l1-1"/>
+  <p:tag name="KSO_WM_DIAGRAM_VERSION" val="3"/>
+  <p:tag name="KSO_WM_DIAGRAM_COLOR_TRICK" val="4"/>
+  <p:tag name="KSO_WM_DIAGRAM_COLOR_TEXT_CAN_REMOVE" val="n"/>
+  <p:tag name="KSO_WM_DIAGRAM_MAX_ITEMCNT" val="6"/>
+  <p:tag name="KSO_WM_DIAGRAM_MIN_ITEMCNT" val="2"/>
+  <p:tag name="KSO_WM_DIAGRAM_VIRTUALLY_FRAME" val="{&quot;height&quot;:402.47331271045783,&quot;left&quot;:25.23661417322836,&quot;top&quot;:93.85602081012544,&quot;width&quot;:870.6363779527559}"/>
+  <p:tag name="KSO_WM_DIAGRAM_COLOR_MATCH_VALUE" val="{&quot;shape&quot;:{&quot;fill&quot;:{&quot;solid&quot;:{&quot;brightness&quot;:0,&quot;colorType&quot;:2,&quot;rgb&quot;:&quot;#ffffff&quot;,&quot;transparency&quot;:0},&quot;type&quot;:1},&quot;glow&quot;:{&quot;colorType&quot;:0},&quot;line&quot;:{&quot;type&quot;:0},&quot;shadow&quot;:{&quot;colorType&quot;:0},&quot;threeD&quot;:{&quot;curvedSurface&quot;:{&quot;brightness&quot;:0,&quot;colorType&quot;:2,&quot;rgb&quot;:&quot;#000000&quot;},&quot;depth&quot;:{&quot;colorType&quot;:0}}},&quot;text&quot;:{&quot;fill&quot;:{},&quot;glow&quot;:{},&quot;line&quot;:{},&quot;shadow&quot;:{},&quot;threeD&quot;:{}}}"/>
+  <p:tag name="KSO_WM_UNIT_USESOURCEFORMAT_APPLY" val="1"/>
+</p:tagLst>
+</file>
+
+<file path=ppt/tags/tag92.xml><?xml version="1.0" encoding="utf-8"?>
+<p:tagLst xmlns:p="http://schemas.openxmlformats.org/presentationml/2006/main">
+  <p:tag name="KSO_WM_UNIT_ISCONTENTSTITLE" val="0"/>
+  <p:tag name="KSO_WM_UNIT_ISNUMDGMTITLE" val="0"/>
+  <p:tag name="KSO_WM_UNIT_NOCLEAR" val="0"/>
+  <p:tag name="KSO_WM_UNIT_HIGHLIGHT" val="0"/>
+  <p:tag name="KSO_WM_UNIT_COMPATIBLE" val="0"/>
+  <p:tag name="KSO_WM_UNIT_DIAGRAM_ISNUMVISUAL" val="0"/>
+  <p:tag name="KSO_WM_UNIT_DIAGRAM_ISREFERUNIT" val="0"/>
+  <p:tag name="KSO_WM_UNIT_TYPE" val="l_h_f"/>
+  <p:tag name="KSO_WM_UNIT_INDEX" val="1_1_1"/>
+  <p:tag name="KSO_WM_UNIT_ID" val="diagram20235187_1*l_h_f*1_1_1"/>
+  <p:tag name="KSO_WM_TEMPLATE_CATEGORY" val="diagram"/>
+  <p:tag name="KSO_WM_TEMPLATE_INDEX" val="20235187"/>
+  <p:tag name="KSO_WM_UNIT_LAYERLEVEL" val="1_1_1"/>
+  <p:tag name="KSO_WM_TAG_VERSION" val="3.0"/>
+  <p:tag name="KSO_WM_BEAUTIFY_FLAG" val="#wm#"/>
+  <p:tag name="KSO_WM_UNIT_TEXT_FILL_FORE_SCHEMECOLOR_INDEX_BRIGHTNESS" val="0.15"/>
+  <p:tag name="KSO_WM_UNIT_TEXT_FILL_TYPE" val="1"/>
+  <p:tag name="KSO_WM_UNIT_SUBTYPE" val="a"/>
+  <p:tag name="KSO_WM_UNIT_TEXT_LAYER_COUNT" val="1"/>
+  <p:tag name="KSO_WM_DIAGRAM_GROUP_CODE" val="l1-1"/>
+  <p:tag name="KSO_WM_UNIT_VALUE" val="4"/>
+  <p:tag name="KSO_WM_DIAGRAM_VERSION" val="3"/>
+  <p:tag name="KSO_WM_DIAGRAM_COLOR_TRICK" val="4"/>
+  <p:tag name="KSO_WM_DIAGRAM_COLOR_TEXT_CAN_REMOVE" val="n"/>
+  <p:tag name="KSO_WM_UNIT_PRESET_TEXT" val="一亿"/>
+  <p:tag name="KSO_WM_UNIT_TEXT_TYPE" val="1"/>
+  <p:tag name="KSO_WM_DIAGRAM_MAX_ITEMCNT" val="6"/>
+  <p:tag name="KSO_WM_DIAGRAM_MIN_ITEMCNT" val="2"/>
+  <p:tag name="KSO_WM_DIAGRAM_VIRTUALLY_FRAME" val="{&quot;height&quot;:402.47331271045783,&quot;left&quot;:25.23661417322836,&quot;top&quot;:93.85602081012544,&quot;width&quot;:870.6363779527559}"/>
+  <p:tag name="KSO_WM_DIAGRAM_COLOR_MATCH_VALUE" val="{&quot;shape&quot;:{&quot;fill&quot;:{&quot;type&quot;:0},&quot;glow&quot;:{&quot;colorType&quot;:0},&quot;line&quot;:{&quot;type&quot;:0},&quot;shadow&quot;:{&quot;colorType&quot;:0},&quot;threeD&quot;:{&quot;curvedSurface&quot;:{&quot;brightness&quot;:0,&quot;colorType&quot;:2,&quot;rgb&quot;:&quot;#000000&quot;},&quot;depth&quot;:{&quot;colorType&quot;:0}}},&quot;text&quot;:{&quot;fill&quot;:{&quot;solid&quot;:{&quot;brightness&quot;:0,&quot;colorType&quot;:2,&quot;rgb&quot;:&quot;#ffffff&quot;,&quot;transparency&quot;:0},&quot;type&quot;:1},&quot;glow&quot;:{&quot;colorType&quot;:0},&quot;line&quot;:{&quot;type&quot;:0},&quot;shadow&quot;:{&quot;colorType&quot;:0},&quot;threeD&quot;:{&quot;curvedSurface&quot;:{&quot;brightness&quot;:0,&quot;colorType&quot;:2,&quot;rgb&quot;:&quot;#000000&quot;},&quot;depth&quot;:{&quot;colorType&quot;:0}}}}"/>
+  <p:tag name="KSO_WM_UNIT_USESOURCEFORMAT_APPLY" val="1"/>
+</p:tagLst>
+</file>
+
+<file path=ppt/tags/tag93.xml><?xml version="1.0" encoding="utf-8"?>
+<p:tagLst xmlns:p="http://schemas.openxmlformats.org/presentationml/2006/main">
+  <p:tag name="KSO_WM_UNIT_ISCONTENTSTITLE" val="0"/>
+  <p:tag name="KSO_WM_UNIT_ISNUMDGMTITLE" val="0"/>
+  <p:tag name="KSO_WM_UNIT_NOCLEAR" val="0"/>
+  <p:tag name="KSO_WM_UNIT_HIGHLIGHT" val="0"/>
+  <p:tag name="KSO_WM_UNIT_COMPATIBLE" val="0"/>
+  <p:tag name="KSO_WM_UNIT_DIAGRAM_ISNUMVISUAL" val="0"/>
+  <p:tag name="KSO_WM_UNIT_DIAGRAM_ISREFERUNIT" val="0"/>
+  <p:tag name="KSO_WM_UNIT_TYPE" val="l_h_f"/>
+  <p:tag name="KSO_WM_UNIT_INDEX" val="1_2_1"/>
+  <p:tag name="KSO_WM_UNIT_ID" val="diagram20235187_1*l_h_f*1_2_1"/>
+  <p:tag name="KSO_WM_TEMPLATE_CATEGORY" val="diagram"/>
+  <p:tag name="KSO_WM_TEMPLATE_INDEX" val="20235187"/>
+  <p:tag name="KSO_WM_UNIT_LAYERLEVEL" val="1_1_1"/>
+  <p:tag name="KSO_WM_TAG_VERSION" val="3.0"/>
+  <p:tag name="KSO_WM_BEAUTIFY_FLAG" val="#wm#"/>
+  <p:tag name="KSO_WM_UNIT_TEXT_FILL_FORE_SCHEMECOLOR_INDEX_BRIGHTNESS" val="0.15"/>
+  <p:tag name="KSO_WM_UNIT_TEXT_FILL_TYPE" val="1"/>
+  <p:tag name="KSO_WM_UNIT_SUBTYPE" val="a"/>
+  <p:tag name="KSO_WM_UNIT_TEXT_LAYER_COUNT" val="1"/>
+  <p:tag name="KSO_WM_DIAGRAM_GROUP_CODE" val="l1-1"/>
+  <p:tag name="KSO_WM_UNIT_VALUE" val="4"/>
+  <p:tag name="KSO_WM_DIAGRAM_VERSION" val="3"/>
+  <p:tag name="KSO_WM_DIAGRAM_COLOR_TRICK" val="4"/>
+  <p:tag name="KSO_WM_DIAGRAM_COLOR_TEXT_CAN_REMOVE" val="n"/>
+  <p:tag name="KSO_WM_UNIT_PRESET_TEXT" val="七千万"/>
+  <p:tag name="KSO_WM_UNIT_TEXT_TYPE" val="1"/>
+  <p:tag name="KSO_WM_DIAGRAM_MAX_ITEMCNT" val="6"/>
+  <p:tag name="KSO_WM_DIAGRAM_MIN_ITEMCNT" val="2"/>
+  <p:tag name="KSO_WM_DIAGRAM_VIRTUALLY_FRAME" val="{&quot;height&quot;:402.47331271045783,&quot;left&quot;:25.23661417322836,&quot;top&quot;:93.85602081012544,&quot;width&quot;:870.6363779527559}"/>
+  <p:tag name="KSO_WM_DIAGRAM_COLOR_MATCH_VALUE" val="{&quot;shape&quot;:{&quot;fill&quot;:{&quot;type&quot;:0},&quot;glow&quot;:{&quot;colorType&quot;:0},&quot;line&quot;:{&quot;type&quot;:0},&quot;shadow&quot;:{&quot;colorType&quot;:0},&quot;threeD&quot;:{&quot;curvedSurface&quot;:{&quot;brightness&quot;:0,&quot;colorType&quot;:2,&quot;rgb&quot;:&quot;#000000&quot;},&quot;depth&quot;:{&quot;colorType&quot;:0}}},&quot;text&quot;:{&quot;fill&quot;:{&quot;solid&quot;:{&quot;brightness&quot;:0,&quot;colorType&quot;:2,&quot;rgb&quot;:&quot;#ffffff&quot;,&quot;transparency&quot;:0},&quot;type&quot;:1},&quot;glow&quot;:{&quot;colorType&quot;:0},&quot;line&quot;:{&quot;type&quot;:0},&quot;shadow&quot;:{&quot;colorType&quot;:0},&quot;threeD&quot;:{&quot;curvedSurface&quot;:{&quot;brightness&quot;:0,&quot;colorType&quot;:2,&quot;rgb&quot;:&quot;#000000&quot;},&quot;depth&quot;:{&quot;colorType&quot;:0}}}}"/>
+  <p:tag name="KSO_WM_UNIT_USESOURCEFORMAT_APPLY" val="1"/>
+</p:tagLst>
+</file>
+
+<file path=ppt/tags/tag94.xml><?xml version="1.0" encoding="utf-8"?>
+<p:tagLst xmlns:p="http://schemas.openxmlformats.org/presentationml/2006/main">
+  <p:tag name="KSO_WM_BEAUTIFY_FLAG" val="#wm#"/>
+  <p:tag name="KSO_WM_UNIT_VALUE" val="130*130"/>
+  <p:tag name="KSO_WM_UNIT_HIGHLIGHT" val="0"/>
+  <p:tag name="KSO_WM_UNIT_COMPATIBLE" val="0"/>
+  <p:tag name="KSO_WM_UNIT_DIAGRAM_ISNUMVISUAL" val="0"/>
+  <p:tag name="KSO_WM_UNIT_DIAGRAM_ISREFERUNIT" val="0"/>
+  <p:tag name="KSO_WM_UNIT_TYPE" val="l_h_x"/>
+  <p:tag name="KSO_WM_UNIT_INDEX" val="1_2_1"/>
+  <p:tag name="KSO_WM_UNIT_ID" val="diagram20235187_1*l_h_x*1_2_1"/>
+  <p:tag name="KSO_WM_TEMPLATE_CATEGORY" val="diagram"/>
+  <p:tag name="KSO_WM_TEMPLATE_INDEX" val="20235187"/>
+  <p:tag name="KSO_WM_UNIT_LAYERLEVEL" val="1_1_1"/>
+  <p:tag name="KSO_WM_TAG_VERSION" val="3.0"/>
+  <p:tag name="KSO_WM_DIAGRAM_GROUP_CODE" val="l1-1"/>
+  <p:tag name="KSO_WM_DIAGRAM_VERSION" val="3"/>
+  <p:tag name="KSO_WM_DIAGRAM_COLOR_TRICK" val="4"/>
+  <p:tag name="KSO_WM_DIAGRAM_COLOR_TEXT_CAN_REMOVE" val="n"/>
+  <p:tag name="KSO_WM_DIAGRAM_MAX_ITEMCNT" val="6"/>
+  <p:tag name="KSO_WM_DIAGRAM_MIN_ITEMCNT" val="2"/>
+  <p:tag name="KSO_WM_DIAGRAM_VIRTUALLY_FRAME" val="{&quot;height&quot;:402.47331271045783,&quot;left&quot;:25.23661417322836,&quot;top&quot;:93.85602081012544,&quot;width&quot;:870.6363779527559}"/>
+  <p:tag name="KSO_WM_DIAGRAM_COLOR_MATCH_VALUE" val="{&quot;shape&quot;:{&quot;fill&quot;:{&quot;solid&quot;:{&quot;brightness&quot;:0,&quot;colorType&quot;:2,&quot;rgb&quot;:&quot;#ffffff&quot;,&quot;transparency&quot;:0},&quot;type&quot;:1},&quot;glow&quot;:{&quot;colorType&quot;:0},&quot;line&quot;:{&quot;type&quot;:0},&quot;shadow&quot;:{&quot;colorType&quot;:0},&quot;threeD&quot;:{&quot;curvedSurface&quot;:{&quot;brightness&quot;:0,&quot;colorType&quot;:2,&quot;rgb&quot;:&quot;#000000&quot;},&quot;depth&quot;:{&quot;colorType&quot;:0}}},&quot;text&quot;:{&quot;fill&quot;:{},&quot;glow&quot;:{},&quot;line&quot;:{},&quot;shadow&quot;:{},&quot;threeD&quot;:{}}}"/>
+  <p:tag name="KSO_WM_UNIT_USESOURCEFORMAT_APPLY" val="1"/>
+</p:tagLst>
+</file>
+
+<file path=ppt/tags/tag95.xml><?xml version="1.0" encoding="utf-8"?>
+<p:tagLst xmlns:p="http://schemas.openxmlformats.org/presentationml/2006/main">
+  <p:tag name="KSO_WM_SLIDE_ID" val="diagram20235187_5"/>
+  <p:tag name="KSO_WM_TEMPLATE_SUBCATEGORY" val="0"/>
+  <p:tag name="KSO_WM_TEMPLATE_MASTER_TYPE" val="0"/>
+  <p:tag name="KSO_WM_TEMPLATE_COLOR_TYPE" val="0"/>
+  <p:tag name="KSO_WM_SLIDE_ITEM_CNT" val="6"/>
+  <p:tag name="KSO_WM_SLIDE_INDEX" val="5"/>
+  <p:tag name="KSO_WM_TAG_VERSION" val="3.0"/>
+  <p:tag name="KSO_WM_BEAUTIFY_FLAG" val="#wm#"/>
+  <p:tag name="KSO_WM_TEMPLATE_CATEGORY" val="diagram"/>
+  <p:tag name="KSO_WM_TEMPLATE_INDEX" val="20235187"/>
+  <p:tag name="KSO_WM_SLIDE_TYPE" val="text"/>
+  <p:tag name="KSO_WM_SLIDE_SUBTYPE" val="diag"/>
+  <p:tag name="KSO_WM_SLIDE_SIZE" val="870.636*386.879"/>
+  <p:tag name="KSO_WM_SLIDE_POSITION" val="25.2366*101.653"/>
+  <p:tag name="KSO_WM_SLIDE_LAYOUT" val="a_l"/>
+  <p:tag name="KSO_WM_SLIDE_LAYOUT_CNT" val="1_1"/>
+  <p:tag name="KSO_WM_SPECIAL_SOURCE" val="bdnull"/>
+  <p:tag name="RESOURCE_RECORD_KEY" val="{&quot;10&quot;:[20252132,4122883,50021438,3650163,3732269,4487340,3655368,3505420,3644345,4450828],&quot;65&quot;:[3]}"/>
+  <p:tag name="KSO_WM_DIAGRAM_GROUP_CODE" val="l1-1"/>
+  <p:tag name="KSO_WM_SLIDE_DIAGTYPE" val="l"/>
+</p:tagLst>
+</file>
+
+<file path=ppt/tags/tag96.xml><?xml version="1.0" encoding="utf-8"?>
+<p:tagLst xmlns:p="http://schemas.openxmlformats.org/presentationml/2006/main">
+  <p:tag name="KSO_WM_BEAUTIFY_FLAG" val="#wm#"/>
+  <p:tag name="KSO_WM_TEMPLATE_CATEGORY" val="diagram"/>
+  <p:tag name="KSO_WM_TEMPLATE_INDEX" val="20235187"/>
+</p:tagLst>
+</file>
+
+<file path=ppt/tags/tag97.xml><?xml version="1.0" encoding="utf-8"?>
+<p:tagLst xmlns:p="http://schemas.openxmlformats.org/presentationml/2006/main">
+  <p:tag name="KSO_WM_BEAUTIFY_FLAG" val="#wm#"/>
+  <p:tag name="KSO_WM_TEMPLATE_CATEGORY" val="custom"/>
+  <p:tag name="KSO_WM_TEMPLATE_INDEX" val="20205081"/>
+</p:tagLst>
+</file>
+
+<file path=ppt/tags/tag98.xml><?xml version="1.0" encoding="utf-8"?>
+<p:tagLst xmlns:p="http://schemas.openxmlformats.org/presentationml/2006/main">
+  <p:tag name="KSO_WM_BEAUTIFY_FLAG" val="#wm#"/>
+  <p:tag name="KSO_WM_TEMPLATE_CATEGORY" val="custom"/>
+  <p:tag name="KSO_WM_TEMPLATE_INDEX" val="20205081"/>
+</p:tagLst>
+</file>
+
+<file path=ppt/tags/tag99.xml><?xml version="1.0" encoding="utf-8"?>
+<p:tagLst xmlns:p="http://schemas.openxmlformats.org/presentationml/2006/main">
+  <p:tag name="KSO_WM_BEAUTIFY_FLAG" val="#wm#"/>
+  <p:tag name="KSO_WM_TEMPLATE_CATEGORY" val="custom"/>
+  <p:tag name="KSO_WM_TEMPLATE_INDEX" val="20205081"/>
 </p:tagLst>
 </file>
 
@@ -4821,4 +9769,263 @@
     </a:ext>
   </a:extLst>
 </a:theme>
+</file>
+
+<file path=ppt/theme/theme2.xml><?xml version="1.0" encoding="utf-8"?>
+<a:theme xmlns:a="http://schemas.openxmlformats.org/drawingml/2006/main" name="Office 主题">
+  <a:themeElements>
+    <a:clrScheme name="Office">
+      <a:dk1>
+        <a:sysClr val="windowText" lastClr="000000"/>
+      </a:dk1>
+      <a:lt1>
+        <a:sysClr val="window" lastClr="FFFFFF"/>
+      </a:lt1>
+      <a:dk2>
+        <a:srgbClr val="44546A"/>
+      </a:dk2>
+      <a:lt2>
+        <a:srgbClr val="E7E6E6"/>
+      </a:lt2>
+      <a:accent1>
+        <a:srgbClr val="5B9BD5"/>
+      </a:accent1>
+      <a:accent2>
+        <a:srgbClr val="ED7D31"/>
+      </a:accent2>
+      <a:accent3>
+        <a:srgbClr val="A5A5A5"/>
+      </a:accent3>
+      <a:accent4>
+        <a:srgbClr val="FFC000"/>
+      </a:accent4>
+      <a:accent5>
+        <a:srgbClr val="4472C4"/>
+      </a:accent5>
+      <a:accent6>
+        <a:srgbClr val="70AD47"/>
+      </a:accent6>
+      <a:hlink>
+        <a:srgbClr val="0563C1"/>
+      </a:hlink>
+      <a:folHlink>
+        <a:srgbClr val="954F72"/>
+      </a:folHlink>
+    </a:clrScheme>
+    <a:fontScheme name="Office">
+      <a:majorFont>
+        <a:latin typeface="Calibri Light"/>
+        <a:ea typeface=""/>
+        <a:cs typeface=""/>
+        <a:font script="Jpan" typeface="ＭＳ Ｐゴシック"/>
+        <a:font script="Hang" typeface="맑은 고딕"/>
+        <a:font script="Hans" typeface="宋体"/>
+        <a:font script="Hant" typeface="新細明體"/>
+        <a:font script="Arab" typeface="Times New Roman"/>
+        <a:font script="Hebr" typeface="Times New Roman"/>
+        <a:font script="Thai" typeface="Angsana New"/>
+        <a:font script="Ethi" typeface="Nyala"/>
+        <a:font script="Beng" typeface="Vrinda"/>
+        <a:font script="Gujr" typeface="Shruti"/>
+        <a:font script="Khmr" typeface="MoolBoran"/>
+        <a:font script="Knda" typeface="Tunga"/>
+        <a:font script="Guru" typeface="Raavi"/>
+        <a:font script="Cans" typeface="Euphemia"/>
+        <a:font script="Cher" typeface="Plantagenet Cherokee"/>
+        <a:font script="Yiii" typeface="Microsoft Yi Baiti"/>
+        <a:font script="Tibt" typeface="Microsoft Himalaya"/>
+        <a:font script="Thaa" typeface="MV Boli"/>
+        <a:font script="Deva" typeface="Mangal"/>
+        <a:font script="Telu" typeface="Gautami"/>
+        <a:font script="Taml" typeface="Latha"/>
+        <a:font script="Syrc" typeface="Estrangelo Edessa"/>
+        <a:font script="Orya" typeface="Kalinga"/>
+        <a:font script="Mlym" typeface="Kartika"/>
+        <a:font script="Laoo" typeface="DokChampa"/>
+        <a:font script="Sinh" typeface="Iskoola Pota"/>
+        <a:font script="Mong" typeface="Mongolian Baiti"/>
+        <a:font script="Viet" typeface="Times New Roman"/>
+        <a:font script="Uigh" typeface="Microsoft Uighur"/>
+        <a:font script="Geor" typeface="Sylfaen"/>
+      </a:majorFont>
+      <a:minorFont>
+        <a:latin typeface="Calibri"/>
+        <a:ea typeface=""/>
+        <a:cs typeface=""/>
+        <a:font script="Jpan" typeface="ＭＳ Ｐゴシック"/>
+        <a:font script="Hang" typeface="맑은 고딕"/>
+        <a:font script="Hans" typeface="宋体"/>
+        <a:font script="Hant" typeface="新細明體"/>
+        <a:font script="Arab" typeface="Arial"/>
+        <a:font script="Hebr" typeface="Arial"/>
+        <a:font script="Thai" typeface="Cordia New"/>
+        <a:font script="Ethi" typeface="Nyala"/>
+        <a:font script="Beng" typeface="Vrinda"/>
+        <a:font script="Gujr" typeface="Shruti"/>
+        <a:font script="Khmr" typeface="DaunPenh"/>
+        <a:font script="Knda" typeface="Tunga"/>
+        <a:font script="Guru" typeface="Raavi"/>
+        <a:font script="Cans" typeface="Euphemia"/>
+        <a:font script="Cher" typeface="Plantagenet Cherokee"/>
+        <a:font script="Yiii" typeface="Microsoft Yi Baiti"/>
+        <a:font script="Tibt" typeface="Microsoft Himalaya"/>
+        <a:font script="Thaa" typeface="MV Boli"/>
+        <a:font script="Deva" typeface="Mangal"/>
+        <a:font script="Telu" typeface="Gautami"/>
+        <a:font script="Taml" typeface="Latha"/>
+        <a:font script="Syrc" typeface="Estrangelo Edessa"/>
+        <a:font script="Orya" typeface="Kalinga"/>
+        <a:font script="Mlym" typeface="Kartika"/>
+        <a:font script="Laoo" typeface="DokChampa"/>
+        <a:font script="Sinh" typeface="Iskoola Pota"/>
+        <a:font script="Mong" typeface="Mongolian Baiti"/>
+        <a:font script="Viet" typeface="Arial"/>
+        <a:font script="Uigh" typeface="Microsoft Uighur"/>
+        <a:font script="Geor" typeface="Sylfaen"/>
+      </a:minorFont>
+    </a:fontScheme>
+    <a:fmtScheme name="Office">
+      <a:fillStyleLst>
+        <a:solidFill>
+          <a:schemeClr val="phClr"/>
+        </a:solidFill>
+        <a:gradFill rotWithShape="1">
+          <a:gsLst>
+            <a:gs pos="0">
+              <a:schemeClr val="phClr">
+                <a:lumMod val="110000"/>
+                <a:satMod val="105000"/>
+                <a:tint val="67000"/>
+              </a:schemeClr>
+            </a:gs>
+            <a:gs pos="50000">
+              <a:schemeClr val="phClr">
+                <a:lumMod val="105000"/>
+                <a:satMod val="103000"/>
+                <a:tint val="73000"/>
+              </a:schemeClr>
+            </a:gs>
+            <a:gs pos="100000">
+              <a:schemeClr val="phClr">
+                <a:lumMod val="105000"/>
+                <a:satMod val="109000"/>
+                <a:tint val="81000"/>
+              </a:schemeClr>
+            </a:gs>
+          </a:gsLst>
+          <a:lin ang="5400000" scaled="0"/>
+        </a:gradFill>
+        <a:gradFill rotWithShape="1">
+          <a:gsLst>
+            <a:gs pos="0">
+              <a:schemeClr val="phClr">
+                <a:satMod val="103000"/>
+                <a:lumMod val="102000"/>
+                <a:tint val="94000"/>
+              </a:schemeClr>
+            </a:gs>
+            <a:gs pos="50000">
+              <a:schemeClr val="phClr">
+                <a:satMod val="110000"/>
+                <a:lumMod val="100000"/>
+                <a:shade val="100000"/>
+              </a:schemeClr>
+            </a:gs>
+            <a:gs pos="100000">
+              <a:schemeClr val="phClr">
+                <a:lumMod val="99000"/>
+                <a:satMod val="120000"/>
+                <a:shade val="78000"/>
+              </a:schemeClr>
+            </a:gs>
+          </a:gsLst>
+          <a:lin ang="5400000" scaled="0"/>
+        </a:gradFill>
+      </a:fillStyleLst>
+      <a:lnStyleLst>
+        <a:ln w="6350" cap="flat" cmpd="sng" algn="ctr">
+          <a:solidFill>
+            <a:schemeClr val="phClr"/>
+          </a:solidFill>
+          <a:prstDash val="solid"/>
+          <a:miter lim="800000"/>
+        </a:ln>
+        <a:ln w="12700" cap="flat" cmpd="sng" algn="ctr">
+          <a:solidFill>
+            <a:schemeClr val="phClr"/>
+          </a:solidFill>
+          <a:prstDash val="solid"/>
+          <a:miter lim="800000"/>
+        </a:ln>
+        <a:ln w="19050" cap="flat" cmpd="sng" algn="ctr">
+          <a:solidFill>
+            <a:schemeClr val="phClr"/>
+          </a:solidFill>
+          <a:prstDash val="solid"/>
+          <a:miter lim="800000"/>
+        </a:ln>
+      </a:lnStyleLst>
+      <a:effectStyleLst>
+        <a:effectStyle>
+          <a:effectLst/>
+        </a:effectStyle>
+        <a:effectStyle>
+          <a:effectLst/>
+        </a:effectStyle>
+        <a:effectStyle>
+          <a:effectLst>
+            <a:outerShdw blurRad="57150" dist="19050" dir="5400000" algn="ctr" rotWithShape="0">
+              <a:srgbClr val="000000">
+                <a:alpha val="63000"/>
+              </a:srgbClr>
+            </a:outerShdw>
+          </a:effectLst>
+        </a:effectStyle>
+      </a:effectStyleLst>
+      <a:bgFillStyleLst>
+        <a:solidFill>
+          <a:schemeClr val="phClr"/>
+        </a:solidFill>
+        <a:solidFill>
+          <a:schemeClr val="phClr">
+            <a:tint val="95000"/>
+            <a:satMod val="170000"/>
+          </a:schemeClr>
+        </a:solidFill>
+        <a:gradFill rotWithShape="1">
+          <a:gsLst>
+            <a:gs pos="0">
+              <a:schemeClr val="phClr">
+                <a:tint val="93000"/>
+                <a:satMod val="150000"/>
+                <a:shade val="98000"/>
+                <a:lumMod val="102000"/>
+              </a:schemeClr>
+            </a:gs>
+            <a:gs pos="50000">
+              <a:schemeClr val="phClr">
+                <a:tint val="98000"/>
+                <a:satMod val="130000"/>
+                <a:shade val="90000"/>
+                <a:lumMod val="103000"/>
+              </a:schemeClr>
+            </a:gs>
+            <a:gs pos="100000">
+              <a:schemeClr val="phClr">
+                <a:shade val="63000"/>
+                <a:satMod val="120000"/>
+              </a:schemeClr>
+            </a:gs>
+          </a:gsLst>
+          <a:lin ang="5400000" scaled="0"/>
+        </a:gradFill>
+      </a:bgFillStyleLst>
+    </a:fmtScheme>
+  </a:themeElements>
+  <a:extLst>
+    <a:ext uri="{05A4C25C-085E-4340-85A3-A5531E510DB2}">
+      <thm15:themeFamily xmlns:thm15="http://schemas.microsoft.com/office/thememl/2012/main" name="Office Theme" id="{62F939B6-93AF-4DB8-9C6B-D6C7DFDC589F}" vid="{4A3C46E8-61CC-4603-A589-7422A47A8E4A}"/>
+    </a:ext>
+  </a:extLst>
+</a:theme>
 </file>